--- a/aws_sra_examples/solutions/ec2/ec2_default_ebs_encryption/documentation/ec2-default-ebs-encryption.pptx
+++ b/aws_sra_examples/solutions/ec2/ec2_default_ebs_encryption/documentation/ec2-default-ebs-encryption.pptx
@@ -8,7 +8,7 @@
     <p:notesMasterId r:id="rId3"/>
   </p:notesMasterIdLst>
   <p:sldIdLst>
-    <p:sldId id="256" r:id="rId2"/>
+    <p:sldId id="257" r:id="rId2"/>
   </p:sldIdLst>
   <p:sldSz cx="12192000" cy="6858000"/>
   <p:notesSz cx="6858000" cy="9144000"/>
@@ -197,7 +197,7 @@
           <a:p>
             <a:fld id="{FD8D84E3-00BA-4A46-8256-7E527D8B4480}" type="datetimeFigureOut">
               <a:rPr lang="en-US" smtClean="0"/>
-              <a:t>5/15/22</a:t>
+              <a:t>9/15/2023</a:t>
             </a:fld>
             <a:endParaRPr lang="en-US"/>
           </a:p>
@@ -538,7 +538,7 @@
     </p:spTree>
     <p:extLst>
       <p:ext uri="{BB962C8B-B14F-4D97-AF65-F5344CB8AC3E}">
-        <p14:creationId xmlns:p14="http://schemas.microsoft.com/office/powerpoint/2010/main" val="27507652"/>
+        <p14:creationId xmlns:p14="http://schemas.microsoft.com/office/powerpoint/2010/main" val="3714720898"/>
       </p:ext>
     </p:extLst>
   </p:cSld>
@@ -695,7 +695,7 @@
           <a:p>
             <a:fld id="{9FE185F7-9B28-9F45-9F43-9CB5A0B99390}" type="datetimeFigureOut">
               <a:rPr lang="en-US" smtClean="0"/>
-              <a:t>5/15/22</a:t>
+              <a:t>9/15/2023</a:t>
             </a:fld>
             <a:endParaRPr lang="en-US"/>
           </a:p>
@@ -893,7 +893,7 @@
           <a:p>
             <a:fld id="{9FE185F7-9B28-9F45-9F43-9CB5A0B99390}" type="datetimeFigureOut">
               <a:rPr lang="en-US" smtClean="0"/>
-              <a:t>5/15/22</a:t>
+              <a:t>9/15/2023</a:t>
             </a:fld>
             <a:endParaRPr lang="en-US"/>
           </a:p>
@@ -1101,7 +1101,7 @@
           <a:p>
             <a:fld id="{9FE185F7-9B28-9F45-9F43-9CB5A0B99390}" type="datetimeFigureOut">
               <a:rPr lang="en-US" smtClean="0"/>
-              <a:t>5/15/22</a:t>
+              <a:t>9/15/2023</a:t>
             </a:fld>
             <a:endParaRPr lang="en-US"/>
           </a:p>
@@ -1299,7 +1299,7 @@
           <a:p>
             <a:fld id="{9FE185F7-9B28-9F45-9F43-9CB5A0B99390}" type="datetimeFigureOut">
               <a:rPr lang="en-US" smtClean="0"/>
-              <a:t>5/15/22</a:t>
+              <a:t>9/15/2023</a:t>
             </a:fld>
             <a:endParaRPr lang="en-US"/>
           </a:p>
@@ -1574,7 +1574,7 @@
           <a:p>
             <a:fld id="{9FE185F7-9B28-9F45-9F43-9CB5A0B99390}" type="datetimeFigureOut">
               <a:rPr lang="en-US" smtClean="0"/>
-              <a:t>5/15/22</a:t>
+              <a:t>9/15/2023</a:t>
             </a:fld>
             <a:endParaRPr lang="en-US"/>
           </a:p>
@@ -1839,7 +1839,7 @@
           <a:p>
             <a:fld id="{9FE185F7-9B28-9F45-9F43-9CB5A0B99390}" type="datetimeFigureOut">
               <a:rPr lang="en-US" smtClean="0"/>
-              <a:t>5/15/22</a:t>
+              <a:t>9/15/2023</a:t>
             </a:fld>
             <a:endParaRPr lang="en-US"/>
           </a:p>
@@ -2251,7 +2251,7 @@
           <a:p>
             <a:fld id="{9FE185F7-9B28-9F45-9F43-9CB5A0B99390}" type="datetimeFigureOut">
               <a:rPr lang="en-US" smtClean="0"/>
-              <a:t>5/15/22</a:t>
+              <a:t>9/15/2023</a:t>
             </a:fld>
             <a:endParaRPr lang="en-US"/>
           </a:p>
@@ -2392,7 +2392,7 @@
           <a:p>
             <a:fld id="{9FE185F7-9B28-9F45-9F43-9CB5A0B99390}" type="datetimeFigureOut">
               <a:rPr lang="en-US" smtClean="0"/>
-              <a:t>5/15/22</a:t>
+              <a:t>9/15/2023</a:t>
             </a:fld>
             <a:endParaRPr lang="en-US"/>
           </a:p>
@@ -2505,7 +2505,7 @@
           <a:p>
             <a:fld id="{9FE185F7-9B28-9F45-9F43-9CB5A0B99390}" type="datetimeFigureOut">
               <a:rPr lang="en-US" smtClean="0"/>
-              <a:t>5/15/22</a:t>
+              <a:t>9/15/2023</a:t>
             </a:fld>
             <a:endParaRPr lang="en-US"/>
           </a:p>
@@ -2816,7 +2816,7 @@
           <a:p>
             <a:fld id="{9FE185F7-9B28-9F45-9F43-9CB5A0B99390}" type="datetimeFigureOut">
               <a:rPr lang="en-US" smtClean="0"/>
-              <a:t>5/15/22</a:t>
+              <a:t>9/15/2023</a:t>
             </a:fld>
             <a:endParaRPr lang="en-US"/>
           </a:p>
@@ -3104,7 +3104,7 @@
           <a:p>
             <a:fld id="{9FE185F7-9B28-9F45-9F43-9CB5A0B99390}" type="datetimeFigureOut">
               <a:rPr lang="en-US" smtClean="0"/>
-              <a:t>5/15/22</a:t>
+              <a:t>9/15/2023</a:t>
             </a:fld>
             <a:endParaRPr lang="en-US"/>
           </a:p>
@@ -3345,7 +3345,7 @@
           <a:p>
             <a:fld id="{9FE185F7-9B28-9F45-9F43-9CB5A0B99390}" type="datetimeFigureOut">
               <a:rPr lang="en-US" smtClean="0"/>
-              <a:t>5/15/22</a:t>
+              <a:t>9/15/2023</a:t>
             </a:fld>
             <a:endParaRPr lang="en-US"/>
           </a:p>
@@ -3775,10 +3775,10 @@
       </p:grpSpPr>
       <p:sp>
         <p:nvSpPr>
-          <p:cNvPr id="125" name="Rectangle 124">
-            <a:extLst>
-              <a:ext uri="{FF2B5EF4-FFF2-40B4-BE49-F238E27FC236}">
-                <a16:creationId xmlns:a16="http://schemas.microsoft.com/office/drawing/2014/main" id="{09FB3F18-5D37-9F42-BE21-657A66F925D2}"/>
+          <p:cNvPr id="185" name="Rectangle 184">
+            <a:extLst>
+              <a:ext uri="{FF2B5EF4-FFF2-40B4-BE49-F238E27FC236}">
+                <a16:creationId xmlns:a16="http://schemas.microsoft.com/office/drawing/2014/main" id="{9BC0488A-E829-4E2D-A2E8-65F10AD7B35F}"/>
               </a:ext>
             </a:extLst>
           </p:cNvPr>
@@ -3787,8 +3787,8 @@
         </p:nvSpPr>
         <p:spPr>
           <a:xfrm>
-            <a:off x="623010" y="650310"/>
-            <a:ext cx="10942480" cy="5982837"/>
+            <a:off x="503604" y="158633"/>
+            <a:ext cx="10985663" cy="5606753"/>
           </a:xfrm>
           <a:prstGeom prst="rect">
             <a:avLst/>
@@ -3819,108 +3819,20 @@
           </a:fontRef>
         </p:style>
         <p:txBody>
-          <a:bodyPr rot="0" spcFirstLastPara="0" vert="horz" wrap="square" lIns="457200" tIns="91440" rIns="91440" bIns="45720" numCol="1" spcCol="0" rtlCol="0" fromWordArt="0" anchor="t" anchorCtr="0" forceAA="0" compatLnSpc="1">
-            <a:prstTxWarp prst="textNoShape">
-              <a:avLst/>
-            </a:prstTxWarp>
-            <a:noAutofit/>
-          </a:bodyPr>
-          <a:lstStyle>
-            <a:lvl1pPr>
-              <a:defRPr>
-                <a:solidFill>
-                  <a:schemeClr val="lt1"/>
-                </a:solidFill>
-                <a:latin typeface="+mn-lt"/>
-                <a:ea typeface="+mn-ea"/>
-                <a:cs typeface="+mn-cs"/>
-              </a:defRPr>
-            </a:lvl1pPr>
-            <a:lvl2pPr>
-              <a:defRPr>
-                <a:solidFill>
-                  <a:schemeClr val="lt1"/>
-                </a:solidFill>
-                <a:latin typeface="+mn-lt"/>
-                <a:ea typeface="+mn-ea"/>
-                <a:cs typeface="+mn-cs"/>
-              </a:defRPr>
-            </a:lvl2pPr>
-            <a:lvl3pPr>
-              <a:defRPr>
-                <a:solidFill>
-                  <a:schemeClr val="lt1"/>
-                </a:solidFill>
-                <a:latin typeface="+mn-lt"/>
-                <a:ea typeface="+mn-ea"/>
-                <a:cs typeface="+mn-cs"/>
-              </a:defRPr>
-            </a:lvl3pPr>
-            <a:lvl4pPr>
-              <a:defRPr>
-                <a:solidFill>
-                  <a:schemeClr val="lt1"/>
-                </a:solidFill>
-                <a:latin typeface="+mn-lt"/>
-                <a:ea typeface="+mn-ea"/>
-                <a:cs typeface="+mn-cs"/>
-              </a:defRPr>
-            </a:lvl4pPr>
-            <a:lvl5pPr>
-              <a:defRPr>
-                <a:solidFill>
-                  <a:schemeClr val="lt1"/>
-                </a:solidFill>
-                <a:latin typeface="+mn-lt"/>
-                <a:ea typeface="+mn-ea"/>
-                <a:cs typeface="+mn-cs"/>
-              </a:defRPr>
-            </a:lvl5pPr>
-            <a:lvl6pPr>
-              <a:defRPr>
-                <a:solidFill>
-                  <a:schemeClr val="lt1"/>
-                </a:solidFill>
-                <a:latin typeface="+mn-lt"/>
-                <a:ea typeface="+mn-ea"/>
-                <a:cs typeface="+mn-cs"/>
-              </a:defRPr>
-            </a:lvl6pPr>
-            <a:lvl7pPr>
-              <a:defRPr>
-                <a:solidFill>
-                  <a:schemeClr val="lt1"/>
-                </a:solidFill>
-                <a:latin typeface="+mn-lt"/>
-                <a:ea typeface="+mn-ea"/>
-                <a:cs typeface="+mn-cs"/>
-              </a:defRPr>
-            </a:lvl7pPr>
-            <a:lvl8pPr>
-              <a:defRPr>
-                <a:solidFill>
-                  <a:schemeClr val="lt1"/>
-                </a:solidFill>
-                <a:latin typeface="+mn-lt"/>
-                <a:ea typeface="+mn-ea"/>
-                <a:cs typeface="+mn-cs"/>
-              </a:defRPr>
-            </a:lvl8pPr>
-            <a:lvl9pPr>
-              <a:defRPr>
-                <a:solidFill>
-                  <a:schemeClr val="lt1"/>
-                </a:solidFill>
-                <a:latin typeface="+mn-lt"/>
-                <a:ea typeface="+mn-ea"/>
-                <a:cs typeface="+mn-cs"/>
-              </a:defRPr>
-            </a:lvl9pPr>
-          </a:lstStyle>
-          <a:p>
-            <a:pPr algn="l"/>
-            <a:r>
-              <a:rPr lang="en-US" sz="1400" dirty="0">
+          <a:bodyPr lIns="502920" tIns="91440"/>
+          <a:lstStyle/>
+          <a:p>
+            <a:pPr eaLnBrk="1" fontAlgn="auto" hangingPunct="1">
+              <a:spcBef>
+                <a:spcPts val="0"/>
+              </a:spcBef>
+              <a:spcAft>
+                <a:spcPts val="0"/>
+              </a:spcAft>
+              <a:defRPr/>
+            </a:pPr>
+            <a:r>
+              <a:rPr lang="en-US" sz="1200" dirty="0">
                 <a:solidFill>
                   <a:sysClr val="windowText" lastClr="000000"/>
                 </a:solidFill>
@@ -3932,12 +3844,51 @@
           </a:p>
         </p:txBody>
       </p:sp>
+      <p:sp>
+        <p:nvSpPr>
+          <p:cNvPr id="108" name="TextBox 107">
+            <a:extLst>
+              <a:ext uri="{FF2B5EF4-FFF2-40B4-BE49-F238E27FC236}">
+                <a16:creationId xmlns:a16="http://schemas.microsoft.com/office/drawing/2014/main" id="{B5BD843E-4A99-344F-B2BC-AB0E5E2CB733}"/>
+              </a:ext>
+            </a:extLst>
+          </p:cNvPr>
+          <p:cNvSpPr txBox="1"/>
+          <p:nvPr/>
+        </p:nvSpPr>
+        <p:spPr>
+          <a:xfrm>
+            <a:off x="7905272" y="3107133"/>
+            <a:ext cx="1288498" cy="430887"/>
+          </a:xfrm>
+          <a:prstGeom prst="rect">
+            <a:avLst/>
+          </a:prstGeom>
+          <a:noFill/>
+        </p:spPr>
+        <p:txBody>
+          <a:bodyPr wrap="square" rtlCol="0">
+            <a:spAutoFit/>
+          </a:bodyPr>
+          <a:lstStyle/>
+          <a:p>
+            <a:pPr algn="ctr"/>
+            <a:r>
+              <a:rPr lang="en-US" sz="1100" dirty="0">
+                <a:latin typeface="Arial" panose="020B0604020202020204" pitchFamily="34" charset="0"/>
+                <a:cs typeface="Arial" panose="020B0604020202020204" pitchFamily="34" charset="0"/>
+              </a:rPr>
+              <a:t>AWS CloudFormation</a:t>
+            </a:r>
+          </a:p>
+        </p:txBody>
+      </p:sp>
       <p:pic>
         <p:nvPicPr>
-          <p:cNvPr id="126" name="Graphic 2">
-            <a:extLst>
-              <a:ext uri="{FF2B5EF4-FFF2-40B4-BE49-F238E27FC236}">
-                <a16:creationId xmlns:a16="http://schemas.microsoft.com/office/drawing/2014/main" id="{F04267D0-7955-2C4A-842B-D8A3A9599CC0}"/>
+          <p:cNvPr id="109" name="Graphic 108">
+            <a:extLst>
+              <a:ext uri="{FF2B5EF4-FFF2-40B4-BE49-F238E27FC236}">
+                <a16:creationId xmlns:a16="http://schemas.microsoft.com/office/drawing/2014/main" id="{A640C55B-F6FD-3640-965F-605AEAB778BE}"/>
               </a:ext>
             </a:extLst>
           </p:cNvPr>
@@ -3960,8 +3911,8 @@
         </p:blipFill>
         <p:spPr>
           <a:xfrm>
-            <a:off x="627603" y="654483"/>
-            <a:ext cx="330200" cy="330200"/>
+            <a:off x="8306559" y="2649933"/>
+            <a:ext cx="457200" cy="457200"/>
           </a:xfrm>
           <a:prstGeom prst="rect">
             <a:avLst/>
@@ -3970,10 +3921,10 @@
       </p:pic>
       <p:sp>
         <p:nvSpPr>
-          <p:cNvPr id="129" name="Rectangle 128">
-            <a:extLst>
-              <a:ext uri="{FF2B5EF4-FFF2-40B4-BE49-F238E27FC236}">
-                <a16:creationId xmlns:a16="http://schemas.microsoft.com/office/drawing/2014/main" id="{FB73AA4D-BE37-B546-8168-72555838077A}"/>
+          <p:cNvPr id="111" name="Oval 110">
+            <a:extLst>
+              <a:ext uri="{FF2B5EF4-FFF2-40B4-BE49-F238E27FC236}">
+                <a16:creationId xmlns:a16="http://schemas.microsoft.com/office/drawing/2014/main" id="{FB20F0D1-0CBE-9546-BAA5-F1447A9E8B2F}"/>
               </a:ext>
             </a:extLst>
           </p:cNvPr>
@@ -3982,18 +3933,19 @@
         </p:nvSpPr>
         <p:spPr>
           <a:xfrm>
-            <a:off x="803361" y="1065737"/>
-            <a:ext cx="6813952" cy="5072735"/>
-          </a:xfrm>
-          <a:prstGeom prst="rect">
+            <a:off x="8321785" y="2658440"/>
+            <a:ext cx="253435" cy="212902"/>
+          </a:xfrm>
+          <a:prstGeom prst="ellipse">
             <a:avLst/>
           </a:prstGeom>
-          <a:noFill/>
-          <a:ln w="12700">
+          <a:solidFill>
+            <a:schemeClr val="tx1"/>
+          </a:solidFill>
+          <a:ln>
             <a:solidFill>
               <a:schemeClr val="tx1"/>
             </a:solidFill>
-            <a:prstDash val="solid"/>
           </a:ln>
         </p:spPr>
         <p:style>
@@ -4013,609 +3965,6 @@
           </a:fontRef>
         </p:style>
         <p:txBody>
-          <a:bodyPr rot="0" spcFirstLastPara="0" vertOverflow="overflow" horzOverflow="overflow" vert="horz" wrap="square" lIns="91440" tIns="91440" rIns="91440" bIns="45720" numCol="1" spcCol="0" rtlCol="0" fromWordArt="0" anchor="t" anchorCtr="0" forceAA="0" compatLnSpc="1">
-            <a:prstTxWarp prst="textNoShape">
-              <a:avLst/>
-            </a:prstTxWarp>
-            <a:noAutofit/>
-          </a:bodyPr>
-          <a:lstStyle/>
-          <a:p>
-            <a:pPr algn="ctr"/>
-            <a:r>
-              <a:rPr lang="en-US" sz="1400" dirty="0">
-                <a:solidFill>
-                  <a:schemeClr val="tx1"/>
-                </a:solidFill>
-                <a:latin typeface="Arial" panose="020B0604020202020204" pitchFamily="34" charset="0"/>
-                <a:cs typeface="Arial" panose="020B0604020202020204" pitchFamily="34" charset="0"/>
-              </a:rPr>
-              <a:t>Organization Management Account</a:t>
-            </a:r>
-          </a:p>
-        </p:txBody>
-      </p:sp>
-      <p:sp>
-        <p:nvSpPr>
-          <p:cNvPr id="128" name="Rectangle 127">
-            <a:extLst>
-              <a:ext uri="{FF2B5EF4-FFF2-40B4-BE49-F238E27FC236}">
-                <a16:creationId xmlns:a16="http://schemas.microsoft.com/office/drawing/2014/main" id="{747041A4-100F-0D48-87F9-E63DDDFD96C6}"/>
-              </a:ext>
-            </a:extLst>
-          </p:cNvPr>
-          <p:cNvSpPr/>
-          <p:nvPr/>
-        </p:nvSpPr>
-        <p:spPr>
-          <a:xfrm>
-            <a:off x="7741279" y="1065737"/>
-            <a:ext cx="3612636" cy="3794589"/>
-          </a:xfrm>
-          <a:prstGeom prst="rect">
-            <a:avLst/>
-          </a:prstGeom>
-          <a:noFill/>
-          <a:ln w="12700">
-            <a:solidFill>
-              <a:schemeClr val="tx1"/>
-            </a:solidFill>
-            <a:prstDash val="solid"/>
-          </a:ln>
-        </p:spPr>
-        <p:style>
-          <a:lnRef idx="2">
-            <a:schemeClr val="accent1">
-              <a:shade val="50000"/>
-            </a:schemeClr>
-          </a:lnRef>
-          <a:fillRef idx="1">
-            <a:schemeClr val="accent1"/>
-          </a:fillRef>
-          <a:effectRef idx="0">
-            <a:schemeClr val="accent1"/>
-          </a:effectRef>
-          <a:fontRef idx="minor">
-            <a:schemeClr val="lt1"/>
-          </a:fontRef>
-        </p:style>
-        <p:txBody>
-          <a:bodyPr rot="0" spcFirstLastPara="0" vertOverflow="overflow" horzOverflow="overflow" vert="horz" wrap="square" lIns="91440" tIns="91440" rIns="91440" bIns="45720" numCol="1" spcCol="0" rtlCol="0" fromWordArt="0" anchor="t" anchorCtr="0" forceAA="0" compatLnSpc="1">
-            <a:prstTxWarp prst="textNoShape">
-              <a:avLst/>
-            </a:prstTxWarp>
-            <a:noAutofit/>
-          </a:bodyPr>
-          <a:lstStyle/>
-          <a:p>
-            <a:pPr algn="ctr"/>
-            <a:r>
-              <a:rPr lang="en-US" sz="1400" dirty="0">
-                <a:solidFill>
-                  <a:schemeClr val="tx1"/>
-                </a:solidFill>
-                <a:latin typeface="Arial" panose="020B0604020202020204" pitchFamily="34" charset="0"/>
-                <a:cs typeface="Arial" panose="020B0604020202020204" pitchFamily="34" charset="0"/>
-              </a:rPr>
-              <a:t>All Existing and Future </a:t>
-            </a:r>
-          </a:p>
-          <a:p>
-            <a:pPr algn="ctr"/>
-            <a:r>
-              <a:rPr lang="en-US" sz="1400" dirty="0">
-                <a:solidFill>
-                  <a:schemeClr val="tx1"/>
-                </a:solidFill>
-                <a:latin typeface="Arial" panose="020B0604020202020204" pitchFamily="34" charset="0"/>
-                <a:cs typeface="Arial" panose="020B0604020202020204" pitchFamily="34" charset="0"/>
-              </a:rPr>
-              <a:t>Organization Member Accounts</a:t>
-            </a:r>
-          </a:p>
-        </p:txBody>
-      </p:sp>
-      <p:sp>
-        <p:nvSpPr>
-          <p:cNvPr id="151" name="TextBox 150">
-            <a:extLst>
-              <a:ext uri="{FF2B5EF4-FFF2-40B4-BE49-F238E27FC236}">
-                <a16:creationId xmlns:a16="http://schemas.microsoft.com/office/drawing/2014/main" id="{08B67E83-7D09-C748-AEEF-49786315014A}"/>
-              </a:ext>
-            </a:extLst>
-          </p:cNvPr>
-          <p:cNvSpPr txBox="1"/>
-          <p:nvPr/>
-        </p:nvSpPr>
-        <p:spPr>
-          <a:xfrm>
-            <a:off x="851082" y="2193667"/>
-            <a:ext cx="1250336" cy="430887"/>
-          </a:xfrm>
-          <a:prstGeom prst="rect">
-            <a:avLst/>
-          </a:prstGeom>
-          <a:noFill/>
-        </p:spPr>
-        <p:txBody>
-          <a:bodyPr wrap="square" rtlCol="0">
-            <a:spAutoFit/>
-          </a:bodyPr>
-          <a:lstStyle/>
-          <a:p>
-            <a:pPr algn="ctr"/>
-            <a:r>
-              <a:rPr lang="en-US" sz="1100" dirty="0">
-                <a:latin typeface="Arial" panose="020B0604020202020204" pitchFamily="34" charset="0"/>
-                <a:cs typeface="Arial" panose="020B0604020202020204" pitchFamily="34" charset="0"/>
-              </a:rPr>
-              <a:t>AWS CloudFormation</a:t>
-            </a:r>
-          </a:p>
-        </p:txBody>
-      </p:sp>
-      <p:pic>
-        <p:nvPicPr>
-          <p:cNvPr id="152" name="Graphic 151">
-            <a:extLst>
-              <a:ext uri="{FF2B5EF4-FFF2-40B4-BE49-F238E27FC236}">
-                <a16:creationId xmlns:a16="http://schemas.microsoft.com/office/drawing/2014/main" id="{399FFB55-9DC7-0642-93ED-51225281247C}"/>
-              </a:ext>
-            </a:extLst>
-          </p:cNvPr>
-          <p:cNvPicPr>
-            <a:picLocks noChangeAspect="1"/>
-          </p:cNvPicPr>
-          <p:nvPr/>
-        </p:nvPicPr>
-        <p:blipFill>
-          <a:blip r:embed="rId5">
-            <a:extLst>
-              <a:ext uri="{96DAC541-7B7A-43D3-8B79-37D633B846F1}">
-                <asvg:svgBlip xmlns:asvg="http://schemas.microsoft.com/office/drawing/2016/SVG/main" r:embed="rId6"/>
-              </a:ext>
-            </a:extLst>
-          </a:blip>
-          <a:stretch>
-            <a:fillRect/>
-          </a:stretch>
-        </p:blipFill>
-        <p:spPr>
-          <a:xfrm>
-            <a:off x="1245788" y="1743819"/>
-            <a:ext cx="457200" cy="457200"/>
-          </a:xfrm>
-          <a:prstGeom prst="rect">
-            <a:avLst/>
-          </a:prstGeom>
-        </p:spPr>
-      </p:pic>
-      <p:sp>
-        <p:nvSpPr>
-          <p:cNvPr id="153" name="Rectangle 152">
-            <a:extLst>
-              <a:ext uri="{FF2B5EF4-FFF2-40B4-BE49-F238E27FC236}">
-                <a16:creationId xmlns:a16="http://schemas.microsoft.com/office/drawing/2014/main" id="{CB91CC3D-9B41-4F4E-A36E-8EBAE5690590}"/>
-              </a:ext>
-            </a:extLst>
-          </p:cNvPr>
-          <p:cNvSpPr/>
-          <p:nvPr/>
-        </p:nvSpPr>
-        <p:spPr>
-          <a:xfrm>
-            <a:off x="953241" y="1507790"/>
-            <a:ext cx="6494832" cy="3352536"/>
-          </a:xfrm>
-          <a:prstGeom prst="rect">
-            <a:avLst/>
-          </a:prstGeom>
-          <a:noFill/>
-          <a:ln w="12700">
-            <a:solidFill>
-              <a:schemeClr val="tx1"/>
-            </a:solidFill>
-            <a:prstDash val="dash"/>
-          </a:ln>
-        </p:spPr>
-        <p:style>
-          <a:lnRef idx="2">
-            <a:schemeClr val="accent1">
-              <a:shade val="50000"/>
-            </a:schemeClr>
-          </a:lnRef>
-          <a:fillRef idx="1">
-            <a:schemeClr val="accent1"/>
-          </a:fillRef>
-          <a:effectRef idx="0">
-            <a:schemeClr val="accent1"/>
-          </a:effectRef>
-          <a:fontRef idx="minor">
-            <a:schemeClr val="lt1"/>
-          </a:fontRef>
-        </p:style>
-        <p:txBody>
-          <a:bodyPr rot="0" spcFirstLastPara="0" vertOverflow="overflow" horzOverflow="overflow" vert="horz" wrap="square" lIns="91440" tIns="0" rIns="91440" bIns="45720" numCol="1" spcCol="0" rtlCol="0" fromWordArt="0" anchor="t" anchorCtr="0" forceAA="0" compatLnSpc="1">
-            <a:prstTxWarp prst="textNoShape">
-              <a:avLst/>
-            </a:prstTxWarp>
-            <a:noAutofit/>
-          </a:bodyPr>
-          <a:lstStyle/>
-          <a:p>
-            <a:r>
-              <a:rPr lang="en-US" sz="1200" b="1" dirty="0">
-                <a:solidFill>
-                  <a:schemeClr val="tx1"/>
-                </a:solidFill>
-              </a:rPr>
-              <a:t>Home-region</a:t>
-            </a:r>
-          </a:p>
-        </p:txBody>
-      </p:sp>
-      <p:sp>
-        <p:nvSpPr>
-          <p:cNvPr id="226" name="Oval 225">
-            <a:extLst>
-              <a:ext uri="{FF2B5EF4-FFF2-40B4-BE49-F238E27FC236}">
-                <a16:creationId xmlns:a16="http://schemas.microsoft.com/office/drawing/2014/main" id="{B075B0CF-8F6A-3947-BD02-50EB6DA85CEE}"/>
-              </a:ext>
-            </a:extLst>
-          </p:cNvPr>
-          <p:cNvSpPr/>
-          <p:nvPr/>
-        </p:nvSpPr>
-        <p:spPr>
-          <a:xfrm>
-            <a:off x="825323" y="1093168"/>
-            <a:ext cx="253435" cy="212902"/>
-          </a:xfrm>
-          <a:prstGeom prst="ellipse">
-            <a:avLst/>
-          </a:prstGeom>
-          <a:solidFill>
-            <a:schemeClr val="tx1"/>
-          </a:solidFill>
-          <a:ln>
-            <a:solidFill>
-              <a:schemeClr val="tx1"/>
-            </a:solidFill>
-          </a:ln>
-        </p:spPr>
-        <p:style>
-          <a:lnRef idx="2">
-            <a:schemeClr val="accent1">
-              <a:shade val="50000"/>
-            </a:schemeClr>
-          </a:lnRef>
-          <a:fillRef idx="1">
-            <a:schemeClr val="accent1"/>
-          </a:fillRef>
-          <a:effectRef idx="0">
-            <a:schemeClr val="accent1"/>
-          </a:effectRef>
-          <a:fontRef idx="minor">
-            <a:schemeClr val="lt1"/>
-          </a:fontRef>
-        </p:style>
-        <p:txBody>
-          <a:bodyPr lIns="0" tIns="0" rIns="0" bIns="0" rtlCol="0" anchor="ctr"/>
-          <a:lstStyle/>
-          <a:p>
-            <a:pPr algn="ctr"/>
-            <a:r>
-              <a:rPr lang="en-US" sz="800" dirty="0">
-                <a:latin typeface="Arial" panose="020B0604020202020204" pitchFamily="34" charset="0"/>
-                <a:cs typeface="Arial" panose="020B0604020202020204" pitchFamily="34" charset="0"/>
-              </a:rPr>
-              <a:t>1.0</a:t>
-            </a:r>
-          </a:p>
-        </p:txBody>
-      </p:sp>
-      <p:sp>
-        <p:nvSpPr>
-          <p:cNvPr id="227" name="Oval 226">
-            <a:extLst>
-              <a:ext uri="{FF2B5EF4-FFF2-40B4-BE49-F238E27FC236}">
-                <a16:creationId xmlns:a16="http://schemas.microsoft.com/office/drawing/2014/main" id="{F0D1735B-0005-B145-8C48-3E3934A1D64E}"/>
-              </a:ext>
-            </a:extLst>
-          </p:cNvPr>
-          <p:cNvSpPr/>
-          <p:nvPr/>
-        </p:nvSpPr>
-        <p:spPr>
-          <a:xfrm>
-            <a:off x="1255747" y="1754156"/>
-            <a:ext cx="253435" cy="212902"/>
-          </a:xfrm>
-          <a:prstGeom prst="ellipse">
-            <a:avLst/>
-          </a:prstGeom>
-          <a:solidFill>
-            <a:schemeClr val="tx1"/>
-          </a:solidFill>
-          <a:ln>
-            <a:solidFill>
-              <a:schemeClr val="tx1"/>
-            </a:solidFill>
-          </a:ln>
-        </p:spPr>
-        <p:style>
-          <a:lnRef idx="2">
-            <a:schemeClr val="accent1">
-              <a:shade val="50000"/>
-            </a:schemeClr>
-          </a:lnRef>
-          <a:fillRef idx="1">
-            <a:schemeClr val="accent1"/>
-          </a:fillRef>
-          <a:effectRef idx="0">
-            <a:schemeClr val="accent1"/>
-          </a:effectRef>
-          <a:fontRef idx="minor">
-            <a:schemeClr val="lt1"/>
-          </a:fontRef>
-        </p:style>
-        <p:txBody>
-          <a:bodyPr lIns="0" tIns="0" rIns="0" bIns="0" rtlCol="0" anchor="ctr"/>
-          <a:lstStyle/>
-          <a:p>
-            <a:pPr algn="ctr"/>
-            <a:r>
-              <a:rPr lang="en-US" sz="800" dirty="0">
-                <a:latin typeface="Arial" panose="020B0604020202020204" pitchFamily="34" charset="0"/>
-                <a:cs typeface="Arial" panose="020B0604020202020204" pitchFamily="34" charset="0"/>
-              </a:rPr>
-              <a:t>1.1</a:t>
-            </a:r>
-          </a:p>
-        </p:txBody>
-      </p:sp>
-      <p:sp>
-        <p:nvSpPr>
-          <p:cNvPr id="233" name="Oval 232">
-            <a:extLst>
-              <a:ext uri="{FF2B5EF4-FFF2-40B4-BE49-F238E27FC236}">
-                <a16:creationId xmlns:a16="http://schemas.microsoft.com/office/drawing/2014/main" id="{4E5E3A8F-6978-7E4A-B538-0774C0EF83DA}"/>
-              </a:ext>
-            </a:extLst>
-          </p:cNvPr>
-          <p:cNvSpPr/>
-          <p:nvPr/>
-        </p:nvSpPr>
-        <p:spPr>
-          <a:xfrm>
-            <a:off x="7760735" y="1085536"/>
-            <a:ext cx="253435" cy="212902"/>
-          </a:xfrm>
-          <a:prstGeom prst="ellipse">
-            <a:avLst/>
-          </a:prstGeom>
-          <a:solidFill>
-            <a:schemeClr val="tx1"/>
-          </a:solidFill>
-          <a:ln>
-            <a:solidFill>
-              <a:schemeClr val="tx1"/>
-            </a:solidFill>
-          </a:ln>
-        </p:spPr>
-        <p:style>
-          <a:lnRef idx="2">
-            <a:schemeClr val="accent1">
-              <a:shade val="50000"/>
-            </a:schemeClr>
-          </a:lnRef>
-          <a:fillRef idx="1">
-            <a:schemeClr val="accent1"/>
-          </a:fillRef>
-          <a:effectRef idx="0">
-            <a:schemeClr val="accent1"/>
-          </a:effectRef>
-          <a:fontRef idx="minor">
-            <a:schemeClr val="lt1"/>
-          </a:fontRef>
-        </p:style>
-        <p:txBody>
-          <a:bodyPr lIns="0" tIns="0" rIns="0" bIns="0" rtlCol="0" anchor="ctr"/>
-          <a:lstStyle/>
-          <a:p>
-            <a:pPr algn="ctr"/>
-            <a:r>
-              <a:rPr lang="en-US" sz="800" dirty="0"/>
-              <a:t>2.0</a:t>
-            </a:r>
-          </a:p>
-        </p:txBody>
-      </p:sp>
-      <p:sp>
-        <p:nvSpPr>
-          <p:cNvPr id="107" name="Rectangle 106">
-            <a:extLst>
-              <a:ext uri="{FF2B5EF4-FFF2-40B4-BE49-F238E27FC236}">
-                <a16:creationId xmlns:a16="http://schemas.microsoft.com/office/drawing/2014/main" id="{F987F7DF-6CB9-144D-9E1D-1E6008DD66FB}"/>
-              </a:ext>
-            </a:extLst>
-          </p:cNvPr>
-          <p:cNvSpPr/>
-          <p:nvPr/>
-        </p:nvSpPr>
-        <p:spPr>
-          <a:xfrm>
-            <a:off x="7915632" y="1646823"/>
-            <a:ext cx="3260751" cy="3090069"/>
-          </a:xfrm>
-          <a:prstGeom prst="rect">
-            <a:avLst/>
-          </a:prstGeom>
-          <a:noFill/>
-          <a:ln w="12700">
-            <a:solidFill>
-              <a:schemeClr val="tx1"/>
-            </a:solidFill>
-            <a:prstDash val="dash"/>
-          </a:ln>
-        </p:spPr>
-        <p:style>
-          <a:lnRef idx="2">
-            <a:schemeClr val="accent1">
-              <a:shade val="50000"/>
-            </a:schemeClr>
-          </a:lnRef>
-          <a:fillRef idx="1">
-            <a:schemeClr val="accent1"/>
-          </a:fillRef>
-          <a:effectRef idx="0">
-            <a:schemeClr val="accent1"/>
-          </a:effectRef>
-          <a:fontRef idx="minor">
-            <a:schemeClr val="lt1"/>
-          </a:fontRef>
-        </p:style>
-        <p:txBody>
-          <a:bodyPr rot="0" spcFirstLastPara="0" vertOverflow="overflow" horzOverflow="overflow" vert="horz" wrap="square" lIns="91440" tIns="0" rIns="91440" bIns="45720" numCol="1" spcCol="0" rtlCol="0" fromWordArt="0" anchor="t" anchorCtr="0" forceAA="0" compatLnSpc="1">
-            <a:prstTxWarp prst="textNoShape">
-              <a:avLst/>
-            </a:prstTxWarp>
-            <a:noAutofit/>
-          </a:bodyPr>
-          <a:lstStyle/>
-          <a:p>
-            <a:r>
-              <a:rPr lang="en-US" sz="1200" b="1" dirty="0">
-                <a:solidFill>
-                  <a:schemeClr val="tx1"/>
-                </a:solidFill>
-              </a:rPr>
-              <a:t>Home-region</a:t>
-            </a:r>
-          </a:p>
-        </p:txBody>
-      </p:sp>
-      <p:sp>
-        <p:nvSpPr>
-          <p:cNvPr id="108" name="TextBox 107">
-            <a:extLst>
-              <a:ext uri="{FF2B5EF4-FFF2-40B4-BE49-F238E27FC236}">
-                <a16:creationId xmlns:a16="http://schemas.microsoft.com/office/drawing/2014/main" id="{B5BD843E-4A99-344F-B2BC-AB0E5E2CB733}"/>
-              </a:ext>
-            </a:extLst>
-          </p:cNvPr>
-          <p:cNvSpPr txBox="1"/>
-          <p:nvPr/>
-        </p:nvSpPr>
-        <p:spPr>
-          <a:xfrm>
-            <a:off x="7905272" y="3107133"/>
-            <a:ext cx="1288498" cy="430887"/>
-          </a:xfrm>
-          <a:prstGeom prst="rect">
-            <a:avLst/>
-          </a:prstGeom>
-          <a:noFill/>
-        </p:spPr>
-        <p:txBody>
-          <a:bodyPr wrap="square" rtlCol="0">
-            <a:spAutoFit/>
-          </a:bodyPr>
-          <a:lstStyle/>
-          <a:p>
-            <a:pPr algn="ctr"/>
-            <a:r>
-              <a:rPr lang="en-US" sz="1100" dirty="0">
-                <a:latin typeface="Arial" panose="020B0604020202020204" pitchFamily="34" charset="0"/>
-                <a:cs typeface="Arial" panose="020B0604020202020204" pitchFamily="34" charset="0"/>
-              </a:rPr>
-              <a:t>AWS CloudFormation</a:t>
-            </a:r>
-          </a:p>
-        </p:txBody>
-      </p:sp>
-      <p:pic>
-        <p:nvPicPr>
-          <p:cNvPr id="109" name="Graphic 108">
-            <a:extLst>
-              <a:ext uri="{FF2B5EF4-FFF2-40B4-BE49-F238E27FC236}">
-                <a16:creationId xmlns:a16="http://schemas.microsoft.com/office/drawing/2014/main" id="{A640C55B-F6FD-3640-965F-605AEAB778BE}"/>
-              </a:ext>
-            </a:extLst>
-          </p:cNvPr>
-          <p:cNvPicPr>
-            <a:picLocks noChangeAspect="1"/>
-          </p:cNvPicPr>
-          <p:nvPr/>
-        </p:nvPicPr>
-        <p:blipFill>
-          <a:blip r:embed="rId5">
-            <a:extLst>
-              <a:ext uri="{96DAC541-7B7A-43D3-8B79-37D633B846F1}">
-                <asvg:svgBlip xmlns:asvg="http://schemas.microsoft.com/office/drawing/2016/SVG/main" r:embed="rId6"/>
-              </a:ext>
-            </a:extLst>
-          </a:blip>
-          <a:stretch>
-            <a:fillRect/>
-          </a:stretch>
-        </p:blipFill>
-        <p:spPr>
-          <a:xfrm>
-            <a:off x="8306559" y="2649933"/>
-            <a:ext cx="457200" cy="457200"/>
-          </a:xfrm>
-          <a:prstGeom prst="rect">
-            <a:avLst/>
-          </a:prstGeom>
-        </p:spPr>
-      </p:pic>
-      <p:sp>
-        <p:nvSpPr>
-          <p:cNvPr id="111" name="Oval 110">
-            <a:extLst>
-              <a:ext uri="{FF2B5EF4-FFF2-40B4-BE49-F238E27FC236}">
-                <a16:creationId xmlns:a16="http://schemas.microsoft.com/office/drawing/2014/main" id="{FB20F0D1-0CBE-9546-BAA5-F1447A9E8B2F}"/>
-              </a:ext>
-            </a:extLst>
-          </p:cNvPr>
-          <p:cNvSpPr/>
-          <p:nvPr/>
-        </p:nvSpPr>
-        <p:spPr>
-          <a:xfrm>
-            <a:off x="8321785" y="2658440"/>
-            <a:ext cx="253435" cy="212902"/>
-          </a:xfrm>
-          <a:prstGeom prst="ellipse">
-            <a:avLst/>
-          </a:prstGeom>
-          <a:solidFill>
-            <a:schemeClr val="tx1"/>
-          </a:solidFill>
-          <a:ln>
-            <a:solidFill>
-              <a:schemeClr val="tx1"/>
-            </a:solidFill>
-          </a:ln>
-        </p:spPr>
-        <p:style>
-          <a:lnRef idx="2">
-            <a:schemeClr val="accent1">
-              <a:shade val="50000"/>
-            </a:schemeClr>
-          </a:lnRef>
-          <a:fillRef idx="1">
-            <a:schemeClr val="accent1"/>
-          </a:fillRef>
-          <a:effectRef idx="0">
-            <a:schemeClr val="accent1"/>
-          </a:effectRef>
-          <a:fontRef idx="minor">
-            <a:schemeClr val="lt1"/>
-          </a:fontRef>
-        </p:style>
-        <p:txBody>
           <a:bodyPr lIns="0" tIns="0" rIns="0" bIns="0" rtlCol="0" anchor="ctr"/>
           <a:lstStyle/>
           <a:p>
@@ -4646,7 +3995,7 @@
         </p:nvSpPr>
         <p:spPr bwMode="auto">
           <a:xfrm>
-            <a:off x="9424734" y="2287865"/>
+            <a:off x="9222262" y="4938122"/>
             <a:ext cx="1521364" cy="430887"/>
           </a:xfrm>
           <a:prstGeom prst="rect">
@@ -4806,7 +4155,7 @@
           <p:nvPr/>
         </p:nvPicPr>
         <p:blipFill>
-          <a:blip r:embed="rId7">
+          <a:blip r:embed="rId5">
             <a:extLst>
               <a:ext uri="{28A0092B-C50C-407E-A947-70E740481C1C}">
                 <a14:useLocalDpi xmlns:a14="http://schemas.microsoft.com/office/drawing/2010/main" val="0"/>
@@ -4820,7 +4169,7 @@
         </p:blipFill>
         <p:spPr bwMode="auto">
           <a:xfrm>
-            <a:off x="9956816" y="1919092"/>
+            <a:off x="9754344" y="4569349"/>
             <a:ext cx="457200" cy="457200"/>
           </a:xfrm>
           <a:prstGeom prst="rect">
@@ -4851,24 +4200,37 @@
           </a:extLst>
         </p:spPr>
       </p:pic>
-      <p:sp>
-        <p:nvSpPr>
-          <p:cNvPr id="62" name="TextBox 17">
-            <a:extLst>
-              <a:ext uri="{FF2B5EF4-FFF2-40B4-BE49-F238E27FC236}">
-                <a16:creationId xmlns:a16="http://schemas.microsoft.com/office/drawing/2014/main" id="{C27B09C0-4CF5-2042-835C-09CB7BEF2842}"/>
-              </a:ext>
-            </a:extLst>
-          </p:cNvPr>
-          <p:cNvSpPr txBox="1">
-            <a:spLocks noChangeArrowheads="1"/>
-          </p:cNvSpPr>
+      <p:pic>
+        <p:nvPicPr>
+          <p:cNvPr id="64" name="Graphic 7">
+            <a:extLst>
+              <a:ext uri="{FF2B5EF4-FFF2-40B4-BE49-F238E27FC236}">
+                <a16:creationId xmlns:a16="http://schemas.microsoft.com/office/drawing/2014/main" id="{323145FD-C8DF-254B-A24D-00876CC45B93}"/>
+              </a:ext>
+            </a:extLst>
+          </p:cNvPr>
+          <p:cNvPicPr>
+            <a:picLocks noChangeAspect="1" noChangeArrowheads="1"/>
+          </p:cNvPicPr>
           <p:nvPr/>
-        </p:nvSpPr>
+        </p:nvPicPr>
+        <p:blipFill>
+          <a:blip r:embed="rId6">
+            <a:extLst>
+              <a:ext uri="{28A0092B-C50C-407E-A947-70E740481C1C}">
+                <a14:useLocalDpi xmlns:a14="http://schemas.microsoft.com/office/drawing/2010/main" val="0"/>
+              </a:ext>
+            </a:extLst>
+          </a:blip>
+          <a:srcRect/>
+          <a:stretch>
+            <a:fillRect/>
+          </a:stretch>
+        </p:blipFill>
         <p:spPr bwMode="auto">
           <a:xfrm>
-            <a:off x="3513053" y="3229829"/>
-            <a:ext cx="1362074" cy="261610"/>
+            <a:off x="3760299" y="3374604"/>
+            <a:ext cx="457200" cy="457200"/>
           </a:xfrm>
           <a:prstGeom prst="rect">
             <a:avLst/>
@@ -4897,152 +4259,25 @@
             </a:ext>
           </a:extLst>
         </p:spPr>
-        <p:txBody>
-          <a:bodyPr wrap="square">
-            <a:spAutoFit/>
-          </a:bodyPr>
-          <a:lstStyle>
-            <a:lvl1pPr>
-              <a:defRPr>
-                <a:solidFill>
-                  <a:schemeClr val="tx1"/>
-                </a:solidFill>
-                <a:latin typeface="Calibri" panose="020F0502020204030204" pitchFamily="34" charset="0"/>
-              </a:defRPr>
-            </a:lvl1pPr>
-            <a:lvl2pPr marL="742950" indent="-285750">
-              <a:defRPr>
-                <a:solidFill>
-                  <a:schemeClr val="tx1"/>
-                </a:solidFill>
-                <a:latin typeface="Calibri" panose="020F0502020204030204" pitchFamily="34" charset="0"/>
-              </a:defRPr>
-            </a:lvl2pPr>
-            <a:lvl3pPr marL="1143000" indent="-228600">
-              <a:defRPr>
-                <a:solidFill>
-                  <a:schemeClr val="tx1"/>
-                </a:solidFill>
-                <a:latin typeface="Calibri" panose="020F0502020204030204" pitchFamily="34" charset="0"/>
-              </a:defRPr>
-            </a:lvl3pPr>
-            <a:lvl4pPr marL="1600200" indent="-228600">
-              <a:defRPr>
-                <a:solidFill>
-                  <a:schemeClr val="tx1"/>
-                </a:solidFill>
-                <a:latin typeface="Calibri" panose="020F0502020204030204" pitchFamily="34" charset="0"/>
-              </a:defRPr>
-            </a:lvl4pPr>
-            <a:lvl5pPr marL="2057400" indent="-228600">
-              <a:defRPr>
-                <a:solidFill>
-                  <a:schemeClr val="tx1"/>
-                </a:solidFill>
-                <a:latin typeface="Calibri" panose="020F0502020204030204" pitchFamily="34" charset="0"/>
-              </a:defRPr>
-            </a:lvl5pPr>
-            <a:lvl6pPr marL="2514600" indent="-228600" eaLnBrk="0" fontAlgn="base" hangingPunct="0">
-              <a:spcBef>
-                <a:spcPct val="0"/>
-              </a:spcBef>
-              <a:spcAft>
-                <a:spcPct val="0"/>
-              </a:spcAft>
-              <a:defRPr>
-                <a:solidFill>
-                  <a:schemeClr val="tx1"/>
-                </a:solidFill>
-                <a:latin typeface="Calibri" panose="020F0502020204030204" pitchFamily="34" charset="0"/>
-              </a:defRPr>
-            </a:lvl6pPr>
-            <a:lvl7pPr marL="2971800" indent="-228600" eaLnBrk="0" fontAlgn="base" hangingPunct="0">
-              <a:spcBef>
-                <a:spcPct val="0"/>
-              </a:spcBef>
-              <a:spcAft>
-                <a:spcPct val="0"/>
-              </a:spcAft>
-              <a:defRPr>
-                <a:solidFill>
-                  <a:schemeClr val="tx1"/>
-                </a:solidFill>
-                <a:latin typeface="Calibri" panose="020F0502020204030204" pitchFamily="34" charset="0"/>
-              </a:defRPr>
-            </a:lvl7pPr>
-            <a:lvl8pPr marL="3429000" indent="-228600" eaLnBrk="0" fontAlgn="base" hangingPunct="0">
-              <a:spcBef>
-                <a:spcPct val="0"/>
-              </a:spcBef>
-              <a:spcAft>
-                <a:spcPct val="0"/>
-              </a:spcAft>
-              <a:defRPr>
-                <a:solidFill>
-                  <a:schemeClr val="tx1"/>
-                </a:solidFill>
-                <a:latin typeface="Calibri" panose="020F0502020204030204" pitchFamily="34" charset="0"/>
-              </a:defRPr>
-            </a:lvl8pPr>
-            <a:lvl9pPr marL="3886200" indent="-228600" eaLnBrk="0" fontAlgn="base" hangingPunct="0">
-              <a:spcBef>
-                <a:spcPct val="0"/>
-              </a:spcBef>
-              <a:spcAft>
-                <a:spcPct val="0"/>
-              </a:spcAft>
-              <a:defRPr>
-                <a:solidFill>
-                  <a:schemeClr val="tx1"/>
-                </a:solidFill>
-                <a:latin typeface="Calibri" panose="020F0502020204030204" pitchFamily="34" charset="0"/>
-              </a:defRPr>
-            </a:lvl9pPr>
-          </a:lstStyle>
-          <a:p>
-            <a:pPr algn="ctr" eaLnBrk="1" hangingPunct="1"/>
-            <a:r>
-              <a:rPr lang="en-US" altLang="en-US" sz="1100" dirty="0">
-                <a:latin typeface="Arial" panose="020B0604020202020204" pitchFamily="34" charset="0"/>
-                <a:ea typeface="Amazon Ember" panose="020B0603020204020204" pitchFamily="34" charset="0"/>
-                <a:cs typeface="Arial" panose="020B0604020202020204" pitchFamily="34" charset="0"/>
-              </a:rPr>
-              <a:t>Lambda Function</a:t>
-            </a:r>
-          </a:p>
-        </p:txBody>
-      </p:sp>
-      <p:pic>
-        <p:nvPicPr>
-          <p:cNvPr id="63" name="Graphic 13">
-            <a:extLst>
-              <a:ext uri="{FF2B5EF4-FFF2-40B4-BE49-F238E27FC236}">
-                <a16:creationId xmlns:a16="http://schemas.microsoft.com/office/drawing/2014/main" id="{F956D650-C517-B043-A7F7-96C1963A21A0}"/>
-              </a:ext>
-            </a:extLst>
-          </p:cNvPr>
-          <p:cNvPicPr>
-            <a:picLocks noChangeAspect="1" noChangeArrowheads="1"/>
-          </p:cNvPicPr>
+      </p:pic>
+      <p:sp>
+        <p:nvSpPr>
+          <p:cNvPr id="65" name="TextBox 31">
+            <a:extLst>
+              <a:ext uri="{FF2B5EF4-FFF2-40B4-BE49-F238E27FC236}">
+                <a16:creationId xmlns:a16="http://schemas.microsoft.com/office/drawing/2014/main" id="{E56420B5-7428-9044-8F07-51CF19F1FC4F}"/>
+              </a:ext>
+            </a:extLst>
+          </p:cNvPr>
+          <p:cNvSpPr txBox="1">
+            <a:spLocks noChangeArrowheads="1"/>
+          </p:cNvSpPr>
           <p:nvPr/>
-        </p:nvPicPr>
-        <p:blipFill>
-          <a:blip r:embed="rId8">
-            <a:extLst>
-              <a:ext uri="{28A0092B-C50C-407E-A947-70E740481C1C}">
-                <a14:useLocalDpi xmlns:a14="http://schemas.microsoft.com/office/drawing/2010/main" val="0"/>
-              </a:ext>
-            </a:extLst>
-          </a:blip>
-          <a:srcRect/>
-          <a:stretch>
-            <a:fillRect/>
-          </a:stretch>
-        </p:blipFill>
+        </p:nvSpPr>
         <p:spPr bwMode="auto">
           <a:xfrm>
-            <a:off x="3973979" y="2750404"/>
-            <a:ext cx="457200" cy="457200"/>
+            <a:off x="3326162" y="3825455"/>
+            <a:ext cx="1163639" cy="430887"/>
           </a:xfrm>
           <a:prstGeom prst="rect">
             <a:avLst/>
@@ -5071,13 +4306,127 @@
             </a:ext>
           </a:extLst>
         </p:spPr>
-      </p:pic>
+        <p:txBody>
+          <a:bodyPr wrap="square">
+            <a:spAutoFit/>
+          </a:bodyPr>
+          <a:lstStyle>
+            <a:lvl1pPr>
+              <a:defRPr>
+                <a:solidFill>
+                  <a:schemeClr val="tx1"/>
+                </a:solidFill>
+                <a:latin typeface="Calibri" panose="020F0502020204030204" pitchFamily="34" charset="0"/>
+              </a:defRPr>
+            </a:lvl1pPr>
+            <a:lvl2pPr marL="742950" indent="-285750">
+              <a:defRPr>
+                <a:solidFill>
+                  <a:schemeClr val="tx1"/>
+                </a:solidFill>
+                <a:latin typeface="Calibri" panose="020F0502020204030204" pitchFamily="34" charset="0"/>
+              </a:defRPr>
+            </a:lvl2pPr>
+            <a:lvl3pPr marL="1143000" indent="-228600">
+              <a:defRPr>
+                <a:solidFill>
+                  <a:schemeClr val="tx1"/>
+                </a:solidFill>
+                <a:latin typeface="Calibri" panose="020F0502020204030204" pitchFamily="34" charset="0"/>
+              </a:defRPr>
+            </a:lvl3pPr>
+            <a:lvl4pPr marL="1600200" indent="-228600">
+              <a:defRPr>
+                <a:solidFill>
+                  <a:schemeClr val="tx1"/>
+                </a:solidFill>
+                <a:latin typeface="Calibri" panose="020F0502020204030204" pitchFamily="34" charset="0"/>
+              </a:defRPr>
+            </a:lvl4pPr>
+            <a:lvl5pPr marL="2057400" indent="-228600">
+              <a:defRPr>
+                <a:solidFill>
+                  <a:schemeClr val="tx1"/>
+                </a:solidFill>
+                <a:latin typeface="Calibri" panose="020F0502020204030204" pitchFamily="34" charset="0"/>
+              </a:defRPr>
+            </a:lvl5pPr>
+            <a:lvl6pPr marL="2514600" indent="-228600" eaLnBrk="0" fontAlgn="base" hangingPunct="0">
+              <a:spcBef>
+                <a:spcPct val="0"/>
+              </a:spcBef>
+              <a:spcAft>
+                <a:spcPct val="0"/>
+              </a:spcAft>
+              <a:defRPr>
+                <a:solidFill>
+                  <a:schemeClr val="tx1"/>
+                </a:solidFill>
+                <a:latin typeface="Calibri" panose="020F0502020204030204" pitchFamily="34" charset="0"/>
+              </a:defRPr>
+            </a:lvl6pPr>
+            <a:lvl7pPr marL="2971800" indent="-228600" eaLnBrk="0" fontAlgn="base" hangingPunct="0">
+              <a:spcBef>
+                <a:spcPct val="0"/>
+              </a:spcBef>
+              <a:spcAft>
+                <a:spcPct val="0"/>
+              </a:spcAft>
+              <a:defRPr>
+                <a:solidFill>
+                  <a:schemeClr val="tx1"/>
+                </a:solidFill>
+                <a:latin typeface="Calibri" panose="020F0502020204030204" pitchFamily="34" charset="0"/>
+              </a:defRPr>
+            </a:lvl7pPr>
+            <a:lvl8pPr marL="3429000" indent="-228600" eaLnBrk="0" fontAlgn="base" hangingPunct="0">
+              <a:spcBef>
+                <a:spcPct val="0"/>
+              </a:spcBef>
+              <a:spcAft>
+                <a:spcPct val="0"/>
+              </a:spcAft>
+              <a:defRPr>
+                <a:solidFill>
+                  <a:schemeClr val="tx1"/>
+                </a:solidFill>
+                <a:latin typeface="Calibri" panose="020F0502020204030204" pitchFamily="34" charset="0"/>
+              </a:defRPr>
+            </a:lvl8pPr>
+            <a:lvl9pPr marL="3886200" indent="-228600" eaLnBrk="0" fontAlgn="base" hangingPunct="0">
+              <a:spcBef>
+                <a:spcPct val="0"/>
+              </a:spcBef>
+              <a:spcAft>
+                <a:spcPct val="0"/>
+              </a:spcAft>
+              <a:defRPr>
+                <a:solidFill>
+                  <a:schemeClr val="tx1"/>
+                </a:solidFill>
+                <a:latin typeface="Calibri" panose="020F0502020204030204" pitchFamily="34" charset="0"/>
+              </a:defRPr>
+            </a:lvl9pPr>
+          </a:lstStyle>
+          <a:p>
+            <a:pPr algn="ctr" eaLnBrk="1" hangingPunct="1"/>
+            <a:r>
+              <a:rPr lang="en-US" altLang="en-US" sz="1100" dirty="0">
+                <a:latin typeface="Arial" panose="020B0604020202020204" pitchFamily="34" charset="0"/>
+                <a:ea typeface="Amazon Ember" panose="020B0603020204020204" pitchFamily="34" charset="0"/>
+                <a:cs typeface="Arial" panose="020B0604020202020204" pitchFamily="34" charset="0"/>
+              </a:rPr>
+              <a:t>CloudWatch Log Group</a:t>
+            </a:r>
+          </a:p>
+        </p:txBody>
+      </p:sp>
       <p:pic>
         <p:nvPicPr>
-          <p:cNvPr id="64" name="Graphic 7">
-            <a:extLst>
-              <a:ext uri="{FF2B5EF4-FFF2-40B4-BE49-F238E27FC236}">
-                <a16:creationId xmlns:a16="http://schemas.microsoft.com/office/drawing/2014/main" id="{323145FD-C8DF-254B-A24D-00876CC45B93}"/>
+          <p:cNvPr id="167" name="Graphic 13">
+            <a:extLst>
+              <a:ext uri="{FF2B5EF4-FFF2-40B4-BE49-F238E27FC236}">
+                <a16:creationId xmlns:a16="http://schemas.microsoft.com/office/drawing/2014/main" id="{53B7741F-B87E-42CF-8D00-F51167BBB230}"/>
               </a:ext>
             </a:extLst>
           </p:cNvPr>
@@ -5087,10 +4436,10 @@
           <p:nvPr/>
         </p:nvPicPr>
         <p:blipFill>
-          <a:blip r:embed="rId9">
+          <a:blip r:embed="rId7">
             <a:extLst>
               <a:ext uri="{28A0092B-C50C-407E-A947-70E740481C1C}">
-                <a14:useLocalDpi xmlns:a14="http://schemas.microsoft.com/office/drawing/2010/main" val="0"/>
+                <a14:useLocalDpi xmlns:a14="http://schemas.microsoft.com/office/drawing/2010/main"/>
               </a:ext>
             </a:extLst>
           </a:blip>
@@ -5101,7 +4450,7 @@
         </p:blipFill>
         <p:spPr bwMode="auto">
           <a:xfrm>
-            <a:off x="3965339" y="3938831"/>
+            <a:off x="3694589" y="2287061"/>
             <a:ext cx="457200" cy="457200"/>
           </a:xfrm>
           <a:prstGeom prst="rect">
@@ -5134,10 +4483,130 @@
       </p:pic>
       <p:sp>
         <p:nvSpPr>
-          <p:cNvPr id="65" name="TextBox 31">
-            <a:extLst>
-              <a:ext uri="{FF2B5EF4-FFF2-40B4-BE49-F238E27FC236}">
-                <a16:creationId xmlns:a16="http://schemas.microsoft.com/office/drawing/2014/main" id="{E56420B5-7428-9044-8F07-51CF19F1FC4F}"/>
+          <p:cNvPr id="131" name="Oval 130">
+            <a:extLst>
+              <a:ext uri="{FF2B5EF4-FFF2-40B4-BE49-F238E27FC236}">
+                <a16:creationId xmlns:a16="http://schemas.microsoft.com/office/drawing/2014/main" id="{E66ECBF1-FAAE-6942-900E-AFF12412B233}"/>
+              </a:ext>
+            </a:extLst>
+          </p:cNvPr>
+          <p:cNvSpPr/>
+          <p:nvPr/>
+        </p:nvSpPr>
+        <p:spPr>
+          <a:xfrm>
+            <a:off x="3613809" y="3332020"/>
+            <a:ext cx="253435" cy="212902"/>
+          </a:xfrm>
+          <a:prstGeom prst="ellipse">
+            <a:avLst/>
+          </a:prstGeom>
+          <a:solidFill>
+            <a:schemeClr val="tx1"/>
+          </a:solidFill>
+          <a:ln>
+            <a:solidFill>
+              <a:schemeClr val="tx1"/>
+            </a:solidFill>
+          </a:ln>
+        </p:spPr>
+        <p:style>
+          <a:lnRef idx="2">
+            <a:schemeClr val="accent1">
+              <a:shade val="50000"/>
+            </a:schemeClr>
+          </a:lnRef>
+          <a:fillRef idx="1">
+            <a:schemeClr val="accent1"/>
+          </a:fillRef>
+          <a:effectRef idx="0">
+            <a:schemeClr val="accent1"/>
+          </a:effectRef>
+          <a:fontRef idx="minor">
+            <a:schemeClr val="lt1"/>
+          </a:fontRef>
+        </p:style>
+        <p:txBody>
+          <a:bodyPr lIns="0" tIns="0" rIns="0" bIns="0" rtlCol="0" anchor="ctr"/>
+          <a:lstStyle/>
+          <a:p>
+            <a:pPr algn="ctr"/>
+            <a:r>
+              <a:rPr lang="en-US" sz="800" dirty="0">
+                <a:latin typeface="Arial" panose="020B0604020202020204" pitchFamily="34" charset="0"/>
+                <a:cs typeface="Arial" panose="020B0604020202020204" pitchFamily="34" charset="0"/>
+              </a:rPr>
+              <a:t>1.7</a:t>
+            </a:r>
+          </a:p>
+        </p:txBody>
+      </p:sp>
+      <p:sp>
+        <p:nvSpPr>
+          <p:cNvPr id="136" name="Oval 135">
+            <a:extLst>
+              <a:ext uri="{FF2B5EF4-FFF2-40B4-BE49-F238E27FC236}">
+                <a16:creationId xmlns:a16="http://schemas.microsoft.com/office/drawing/2014/main" id="{8883E90E-2B69-9B42-B954-561E833F7F65}"/>
+              </a:ext>
+            </a:extLst>
+          </p:cNvPr>
+          <p:cNvSpPr/>
+          <p:nvPr/>
+        </p:nvSpPr>
+        <p:spPr>
+          <a:xfrm>
+            <a:off x="9585387" y="4627389"/>
+            <a:ext cx="253435" cy="212902"/>
+          </a:xfrm>
+          <a:prstGeom prst="ellipse">
+            <a:avLst/>
+          </a:prstGeom>
+          <a:solidFill>
+            <a:schemeClr val="tx1"/>
+          </a:solidFill>
+          <a:ln>
+            <a:solidFill>
+              <a:schemeClr val="tx1"/>
+            </a:solidFill>
+          </a:ln>
+        </p:spPr>
+        <p:style>
+          <a:lnRef idx="2">
+            <a:schemeClr val="accent1">
+              <a:shade val="50000"/>
+            </a:schemeClr>
+          </a:lnRef>
+          <a:fillRef idx="1">
+            <a:schemeClr val="accent1"/>
+          </a:fillRef>
+          <a:effectRef idx="0">
+            <a:schemeClr val="accent1"/>
+          </a:effectRef>
+          <a:fontRef idx="minor">
+            <a:schemeClr val="lt1"/>
+          </a:fontRef>
+        </p:style>
+        <p:txBody>
+          <a:bodyPr lIns="0" tIns="0" rIns="0" bIns="0" rtlCol="0" anchor="ctr"/>
+          <a:lstStyle/>
+          <a:p>
+            <a:pPr algn="ctr"/>
+            <a:r>
+              <a:rPr lang="en-US" sz="800" dirty="0">
+                <a:latin typeface="Arial" panose="020B0604020202020204" pitchFamily="34" charset="0"/>
+                <a:cs typeface="Arial" panose="020B0604020202020204" pitchFamily="34" charset="0"/>
+              </a:rPr>
+              <a:t>2.2</a:t>
+            </a:r>
+          </a:p>
+        </p:txBody>
+      </p:sp>
+      <p:sp>
+        <p:nvSpPr>
+          <p:cNvPr id="68" name="TextBox 29">
+            <a:extLst>
+              <a:ext uri="{FF2B5EF4-FFF2-40B4-BE49-F238E27FC236}">
+                <a16:creationId xmlns:a16="http://schemas.microsoft.com/office/drawing/2014/main" id="{7CEA0EB2-6C8A-B542-9593-BCD9EE8F81BF}"/>
               </a:ext>
             </a:extLst>
           </p:cNvPr>
@@ -5148,8 +4617,8 @@
         </p:nvSpPr>
         <p:spPr bwMode="auto">
           <a:xfrm>
-            <a:off x="3531202" y="4389682"/>
-            <a:ext cx="1163639" cy="430887"/>
+            <a:off x="2719871" y="5097521"/>
+            <a:ext cx="1119613" cy="261610"/>
           </a:xfrm>
           <a:prstGeom prst="rect">
             <a:avLst/>
@@ -5288,240 +4757,17 @@
                 <a:ea typeface="Amazon Ember" panose="020B0603020204020204" pitchFamily="34" charset="0"/>
                 <a:cs typeface="Arial" panose="020B0604020202020204" pitchFamily="34" charset="0"/>
               </a:rPr>
-              <a:t>CloudWatch Log Group</a:t>
-            </a:r>
-          </a:p>
-        </p:txBody>
-      </p:sp>
-      <p:cxnSp>
-        <p:nvCxnSpPr>
-          <p:cNvPr id="72" name="Straight Arrow Connector 71">
-            <a:extLst>
-              <a:ext uri="{FF2B5EF4-FFF2-40B4-BE49-F238E27FC236}">
-                <a16:creationId xmlns:a16="http://schemas.microsoft.com/office/drawing/2014/main" id="{B7182CD6-CC59-1444-B9F0-3A68FF14F0D4}"/>
-              </a:ext>
-            </a:extLst>
-          </p:cNvPr>
-          <p:cNvCxnSpPr>
-            <a:cxnSpLocks/>
-            <a:stCxn id="62" idx="2"/>
-            <a:endCxn id="64" idx="0"/>
-          </p:cNvCxnSpPr>
-          <p:nvPr/>
-        </p:nvCxnSpPr>
-        <p:spPr>
-          <a:xfrm flipH="1">
-            <a:off x="4193939" y="3491439"/>
-            <a:ext cx="151" cy="447392"/>
-          </a:xfrm>
-          <a:prstGeom prst="straightConnector1">
-            <a:avLst/>
-          </a:prstGeom>
-          <a:ln>
-            <a:tailEnd type="triangle"/>
-          </a:ln>
-        </p:spPr>
-        <p:style>
-          <a:lnRef idx="1">
-            <a:schemeClr val="dk1"/>
-          </a:lnRef>
-          <a:fillRef idx="0">
-            <a:schemeClr val="dk1"/>
-          </a:fillRef>
-          <a:effectRef idx="0">
-            <a:schemeClr val="dk1"/>
-          </a:effectRef>
-          <a:fontRef idx="minor">
-            <a:schemeClr val="tx1"/>
-          </a:fontRef>
-        </p:style>
-      </p:cxnSp>
-      <p:sp>
-        <p:nvSpPr>
-          <p:cNvPr id="124" name="Oval 123">
-            <a:extLst>
-              <a:ext uri="{FF2B5EF4-FFF2-40B4-BE49-F238E27FC236}">
-                <a16:creationId xmlns:a16="http://schemas.microsoft.com/office/drawing/2014/main" id="{D40D4053-4594-9844-A27B-00A3CD0AAC49}"/>
-              </a:ext>
-            </a:extLst>
-          </p:cNvPr>
-          <p:cNvSpPr/>
-          <p:nvPr/>
-        </p:nvSpPr>
-        <p:spPr>
-          <a:xfrm>
-            <a:off x="3804978" y="2627164"/>
-            <a:ext cx="253435" cy="212902"/>
-          </a:xfrm>
-          <a:prstGeom prst="ellipse">
-            <a:avLst/>
-          </a:prstGeom>
-          <a:solidFill>
-            <a:schemeClr val="tx1"/>
-          </a:solidFill>
-          <a:ln>
-            <a:solidFill>
-              <a:schemeClr val="tx1"/>
-            </a:solidFill>
-          </a:ln>
-        </p:spPr>
-        <p:style>
-          <a:lnRef idx="2">
-            <a:schemeClr val="accent1">
-              <a:shade val="50000"/>
-            </a:schemeClr>
-          </a:lnRef>
-          <a:fillRef idx="1">
-            <a:schemeClr val="accent1"/>
-          </a:fillRef>
-          <a:effectRef idx="0">
-            <a:schemeClr val="accent1"/>
-          </a:effectRef>
-          <a:fontRef idx="minor">
-            <a:schemeClr val="lt1"/>
-          </a:fontRef>
-        </p:style>
-        <p:txBody>
-          <a:bodyPr lIns="0" tIns="0" rIns="0" bIns="0" rtlCol="0" anchor="ctr"/>
-          <a:lstStyle/>
-          <a:p>
-            <a:pPr algn="ctr"/>
-            <a:r>
-              <a:rPr lang="en-US" sz="800" dirty="0">
-                <a:latin typeface="Arial" panose="020B0604020202020204" pitchFamily="34" charset="0"/>
-                <a:cs typeface="Arial" panose="020B0604020202020204" pitchFamily="34" charset="0"/>
-              </a:rPr>
-              <a:t>1.6</a:t>
-            </a:r>
-          </a:p>
-        </p:txBody>
-      </p:sp>
-      <p:sp>
-        <p:nvSpPr>
-          <p:cNvPr id="131" name="Oval 130">
-            <a:extLst>
-              <a:ext uri="{FF2B5EF4-FFF2-40B4-BE49-F238E27FC236}">
-                <a16:creationId xmlns:a16="http://schemas.microsoft.com/office/drawing/2014/main" id="{E66ECBF1-FAAE-6942-900E-AFF12412B233}"/>
-              </a:ext>
-            </a:extLst>
-          </p:cNvPr>
-          <p:cNvSpPr/>
-          <p:nvPr/>
-        </p:nvSpPr>
-        <p:spPr>
-          <a:xfrm>
-            <a:off x="3818849" y="3896247"/>
-            <a:ext cx="253435" cy="212902"/>
-          </a:xfrm>
-          <a:prstGeom prst="ellipse">
-            <a:avLst/>
-          </a:prstGeom>
-          <a:solidFill>
-            <a:schemeClr val="tx1"/>
-          </a:solidFill>
-          <a:ln>
-            <a:solidFill>
-              <a:schemeClr val="tx1"/>
-            </a:solidFill>
-          </a:ln>
-        </p:spPr>
-        <p:style>
-          <a:lnRef idx="2">
-            <a:schemeClr val="accent1">
-              <a:shade val="50000"/>
-            </a:schemeClr>
-          </a:lnRef>
-          <a:fillRef idx="1">
-            <a:schemeClr val="accent1"/>
-          </a:fillRef>
-          <a:effectRef idx="0">
-            <a:schemeClr val="accent1"/>
-          </a:effectRef>
-          <a:fontRef idx="minor">
-            <a:schemeClr val="lt1"/>
-          </a:fontRef>
-        </p:style>
-        <p:txBody>
-          <a:bodyPr lIns="0" tIns="0" rIns="0" bIns="0" rtlCol="0" anchor="ctr"/>
-          <a:lstStyle/>
-          <a:p>
-            <a:pPr algn="ctr"/>
-            <a:r>
-              <a:rPr lang="en-US" sz="800" dirty="0">
-                <a:latin typeface="Arial" panose="020B0604020202020204" pitchFamily="34" charset="0"/>
-                <a:cs typeface="Arial" panose="020B0604020202020204" pitchFamily="34" charset="0"/>
-              </a:rPr>
-              <a:t>1.7</a:t>
-            </a:r>
-          </a:p>
-        </p:txBody>
-      </p:sp>
-      <p:sp>
-        <p:nvSpPr>
-          <p:cNvPr id="136" name="Oval 135">
-            <a:extLst>
-              <a:ext uri="{FF2B5EF4-FFF2-40B4-BE49-F238E27FC236}">
-                <a16:creationId xmlns:a16="http://schemas.microsoft.com/office/drawing/2014/main" id="{8883E90E-2B69-9B42-B954-561E833F7F65}"/>
-              </a:ext>
-            </a:extLst>
-          </p:cNvPr>
-          <p:cNvSpPr/>
-          <p:nvPr/>
-        </p:nvSpPr>
-        <p:spPr>
-          <a:xfrm>
-            <a:off x="9787859" y="1977132"/>
-            <a:ext cx="253435" cy="212902"/>
-          </a:xfrm>
-          <a:prstGeom prst="ellipse">
-            <a:avLst/>
-          </a:prstGeom>
-          <a:solidFill>
-            <a:schemeClr val="tx1"/>
-          </a:solidFill>
-          <a:ln>
-            <a:solidFill>
-              <a:schemeClr val="tx1"/>
-            </a:solidFill>
-          </a:ln>
-        </p:spPr>
-        <p:style>
-          <a:lnRef idx="2">
-            <a:schemeClr val="accent1">
-              <a:shade val="50000"/>
-            </a:schemeClr>
-          </a:lnRef>
-          <a:fillRef idx="1">
-            <a:schemeClr val="accent1"/>
-          </a:fillRef>
-          <a:effectRef idx="0">
-            <a:schemeClr val="accent1"/>
-          </a:effectRef>
-          <a:fontRef idx="minor">
-            <a:schemeClr val="lt1"/>
-          </a:fontRef>
-        </p:style>
-        <p:txBody>
-          <a:bodyPr lIns="0" tIns="0" rIns="0" bIns="0" rtlCol="0" anchor="ctr"/>
-          <a:lstStyle/>
-          <a:p>
-            <a:pPr algn="ctr"/>
-            <a:r>
-              <a:rPr lang="en-US" sz="800" dirty="0">
-                <a:latin typeface="Arial" panose="020B0604020202020204" pitchFamily="34" charset="0"/>
-                <a:cs typeface="Arial" panose="020B0604020202020204" pitchFamily="34" charset="0"/>
-              </a:rPr>
-              <a:t>2.2</a:t>
+              <a:t>IAM Roles</a:t>
             </a:r>
           </a:p>
         </p:txBody>
       </p:sp>
       <p:pic>
         <p:nvPicPr>
-          <p:cNvPr id="50" name="Graphic 5">
-            <a:extLst>
-              <a:ext uri="{FF2B5EF4-FFF2-40B4-BE49-F238E27FC236}">
-                <a16:creationId xmlns:a16="http://schemas.microsoft.com/office/drawing/2014/main" id="{40FBFA55-9063-8443-A476-F12F12A13B55}"/>
+          <p:cNvPr id="83" name="Graphic 49">
+            <a:extLst>
+              <a:ext uri="{FF2B5EF4-FFF2-40B4-BE49-F238E27FC236}">
+                <a16:creationId xmlns:a16="http://schemas.microsoft.com/office/drawing/2014/main" id="{9AFC43DD-B9D3-124F-82EA-3AAEE4439606}"/>
               </a:ext>
             </a:extLst>
           </p:cNvPr>
@@ -5531,7 +4777,7 @@
           <p:nvPr/>
         </p:nvPicPr>
         <p:blipFill>
-          <a:blip r:embed="rId10">
+          <a:blip r:embed="rId5">
             <a:extLst>
               <a:ext uri="{28A0092B-C50C-407E-A947-70E740481C1C}">
                 <a14:useLocalDpi xmlns:a14="http://schemas.microsoft.com/office/drawing/2010/main" val="0"/>
@@ -5545,7 +4791,7 @@
         </p:blipFill>
         <p:spPr bwMode="auto">
           <a:xfrm>
-            <a:off x="10059303" y="3592934"/>
+            <a:off x="3051077" y="4711351"/>
             <a:ext cx="457200" cy="457200"/>
           </a:xfrm>
           <a:prstGeom prst="rect">
@@ -5578,10 +4824,10 @@
       </p:pic>
       <p:sp>
         <p:nvSpPr>
-          <p:cNvPr id="51" name="Rectangle 50">
-            <a:extLst>
-              <a:ext uri="{FF2B5EF4-FFF2-40B4-BE49-F238E27FC236}">
-                <a16:creationId xmlns:a16="http://schemas.microsoft.com/office/drawing/2014/main" id="{94E4C51E-7A98-6F4B-822A-7AA7100FCB0A}"/>
+          <p:cNvPr id="84" name="Oval 83">
+            <a:extLst>
+              <a:ext uri="{FF2B5EF4-FFF2-40B4-BE49-F238E27FC236}">
+                <a16:creationId xmlns:a16="http://schemas.microsoft.com/office/drawing/2014/main" id="{4D67D902-86F6-DC4A-9F15-79C10AFBF6E5}"/>
               </a:ext>
             </a:extLst>
           </p:cNvPr>
@@ -5590,18 +4836,19 @@
         </p:nvSpPr>
         <p:spPr>
           <a:xfrm>
-            <a:off x="9457281" y="2878112"/>
-            <a:ext cx="1430803" cy="1729326"/>
-          </a:xfrm>
-          <a:prstGeom prst="rect">
+            <a:off x="2917694" y="4694039"/>
+            <a:ext cx="253435" cy="212902"/>
+          </a:xfrm>
+          <a:prstGeom prst="ellipse">
             <a:avLst/>
           </a:prstGeom>
-          <a:noFill/>
-          <a:ln w="12700">
+          <a:solidFill>
+            <a:schemeClr val="tx1"/>
+          </a:solidFill>
+          <a:ln>
             <a:solidFill>
               <a:schemeClr val="tx1"/>
             </a:solidFill>
-            <a:prstDash val="dash"/>
           </a:ln>
         </p:spPr>
         <p:style>
@@ -5621,30 +4868,26 @@
           </a:fontRef>
         </p:style>
         <p:txBody>
-          <a:bodyPr rot="0" spcFirstLastPara="0" vertOverflow="overflow" horzOverflow="overflow" vert="horz" wrap="square" lIns="91440" tIns="0" rIns="91440" bIns="45720" numCol="1" spcCol="0" rtlCol="0" fromWordArt="0" anchor="t" anchorCtr="0" forceAA="0" compatLnSpc="1">
-            <a:noAutofit/>
-          </a:bodyPr>
+          <a:bodyPr lIns="0" tIns="0" rIns="0" bIns="0" rtlCol="0" anchor="ctr"/>
           <a:lstStyle/>
           <a:p>
-            <a:r>
-              <a:rPr lang="en-US" sz="1100" b="1" dirty="0">
-                <a:solidFill>
-                  <a:schemeClr val="tx1"/>
-                </a:solidFill>
+            <a:pPr algn="ctr"/>
+            <a:r>
+              <a:rPr lang="en-US" sz="800" dirty="0">
                 <a:latin typeface="Arial" panose="020B0604020202020204" pitchFamily="34" charset="0"/>
                 <a:cs typeface="Arial" panose="020B0604020202020204" pitchFamily="34" charset="0"/>
               </a:rPr>
-              <a:t>region-1</a:t>
-            </a:r>
-          </a:p>
-        </p:txBody>
-      </p:sp>
-      <p:sp>
-        <p:nvSpPr>
-          <p:cNvPr id="69" name="TextBox 68">
-            <a:extLst>
-              <a:ext uri="{FF2B5EF4-FFF2-40B4-BE49-F238E27FC236}">
-                <a16:creationId xmlns:a16="http://schemas.microsoft.com/office/drawing/2014/main" id="{0BCE4DBB-2EDB-8A43-B1A1-2E6E67E20ECB}"/>
+              <a:t>1.2</a:t>
+            </a:r>
+          </a:p>
+        </p:txBody>
+      </p:sp>
+      <p:sp>
+        <p:nvSpPr>
+          <p:cNvPr id="165" name="TextBox 2">
+            <a:extLst>
+              <a:ext uri="{FF2B5EF4-FFF2-40B4-BE49-F238E27FC236}">
+                <a16:creationId xmlns:a16="http://schemas.microsoft.com/office/drawing/2014/main" id="{A0E471D1-7658-4051-89C8-0238715C43D7}"/>
               </a:ext>
             </a:extLst>
           </p:cNvPr>
@@ -5653,14 +4896,129 @@
         </p:nvSpPr>
         <p:spPr>
           <a:xfrm>
-            <a:off x="9592345" y="4047042"/>
-            <a:ext cx="1387582" cy="430887"/>
+            <a:off x="3285104" y="2700357"/>
+            <a:ext cx="1273984" cy="261610"/>
           </a:xfrm>
           <a:prstGeom prst="rect">
             <a:avLst/>
           </a:prstGeom>
           <a:noFill/>
         </p:spPr>
+        <p:style>
+          <a:lnRef idx="0">
+            <a:scrgbClr r="0" g="0" b="0"/>
+          </a:lnRef>
+          <a:fillRef idx="0">
+            <a:scrgbClr r="0" g="0" b="0"/>
+          </a:fillRef>
+          <a:effectRef idx="0">
+            <a:scrgbClr r="0" g="0" b="0"/>
+          </a:effectRef>
+          <a:fontRef idx="major"/>
+        </p:style>
+        <p:txBody>
+          <a:bodyPr wrap="square" rtlCol="0">
+            <a:spAutoFit/>
+          </a:bodyPr>
+          <a:lstStyle>
+            <a:lvl1pPr>
+              <a:defRPr>
+                <a:latin typeface="+mj-lt"/>
+                <a:ea typeface="+mj-ea"/>
+                <a:cs typeface="+mj-cs"/>
+              </a:defRPr>
+            </a:lvl1pPr>
+            <a:lvl2pPr>
+              <a:defRPr>
+                <a:latin typeface="+mj-lt"/>
+                <a:ea typeface="+mj-ea"/>
+                <a:cs typeface="+mj-cs"/>
+              </a:defRPr>
+            </a:lvl2pPr>
+            <a:lvl3pPr>
+              <a:defRPr>
+                <a:latin typeface="+mj-lt"/>
+                <a:ea typeface="+mj-ea"/>
+                <a:cs typeface="+mj-cs"/>
+              </a:defRPr>
+            </a:lvl3pPr>
+            <a:lvl4pPr>
+              <a:defRPr>
+                <a:latin typeface="+mj-lt"/>
+                <a:ea typeface="+mj-ea"/>
+                <a:cs typeface="+mj-cs"/>
+              </a:defRPr>
+            </a:lvl4pPr>
+            <a:lvl5pPr>
+              <a:defRPr>
+                <a:latin typeface="+mj-lt"/>
+                <a:ea typeface="+mj-ea"/>
+                <a:cs typeface="+mj-cs"/>
+              </a:defRPr>
+            </a:lvl5pPr>
+            <a:lvl6pPr>
+              <a:defRPr>
+                <a:latin typeface="+mj-lt"/>
+                <a:ea typeface="+mj-ea"/>
+                <a:cs typeface="+mj-cs"/>
+              </a:defRPr>
+            </a:lvl6pPr>
+            <a:lvl7pPr>
+              <a:defRPr>
+                <a:latin typeface="+mj-lt"/>
+                <a:ea typeface="+mj-ea"/>
+                <a:cs typeface="+mj-cs"/>
+              </a:defRPr>
+            </a:lvl7pPr>
+            <a:lvl8pPr>
+              <a:defRPr>
+                <a:latin typeface="+mj-lt"/>
+                <a:ea typeface="+mj-ea"/>
+                <a:cs typeface="+mj-cs"/>
+              </a:defRPr>
+            </a:lvl8pPr>
+            <a:lvl9pPr>
+              <a:defRPr>
+                <a:latin typeface="+mj-lt"/>
+                <a:ea typeface="+mj-ea"/>
+                <a:cs typeface="+mj-cs"/>
+              </a:defRPr>
+            </a:lvl9pPr>
+          </a:lstStyle>
+          <a:p>
+            <a:pPr algn="ctr"/>
+            <a:r>
+              <a:rPr lang="en-US" sz="1100" dirty="0">
+                <a:latin typeface="Arial" panose="020B0604020202020204" pitchFamily="34" charset="0"/>
+                <a:cs typeface="Arial" panose="020B0604020202020204" pitchFamily="34" charset="0"/>
+              </a:rPr>
+              <a:t>Lambda Function</a:t>
+            </a:r>
+          </a:p>
+        </p:txBody>
+      </p:sp>
+      <p:sp>
+        <p:nvSpPr>
+          <p:cNvPr id="166" name="TextBox 165">
+            <a:extLst>
+              <a:ext uri="{FF2B5EF4-FFF2-40B4-BE49-F238E27FC236}">
+                <a16:creationId xmlns:a16="http://schemas.microsoft.com/office/drawing/2014/main" id="{60A1615A-D983-457D-BD8E-0806CE2953CD}"/>
+              </a:ext>
+            </a:extLst>
+          </p:cNvPr>
+          <p:cNvSpPr txBox="1"/>
+          <p:nvPr/>
+        </p:nvSpPr>
+        <p:spPr>
+          <a:xfrm>
+            <a:off x="1228753" y="2056209"/>
+            <a:ext cx="1233913" cy="430887"/>
+          </a:xfrm>
+          <a:prstGeom prst="rect">
+            <a:avLst/>
+          </a:prstGeom>
+          <a:noFill/>
+        </p:spPr>
         <p:txBody>
           <a:bodyPr wrap="square" rtlCol="0">
             <a:spAutoFit/>
@@ -5669,22 +5027,21 @@
           <a:p>
             <a:pPr algn="ctr"/>
             <a:r>
-              <a:rPr lang="en-US" altLang="en-US" sz="1100" dirty="0">
+              <a:rPr lang="en-US" sz="1100" dirty="0">
                 <a:latin typeface="Arial" panose="020B0604020202020204" pitchFamily="34" charset="0"/>
-                <a:ea typeface="Amazon Ember" panose="020B0603020204020204" pitchFamily="34" charset="0"/>
                 <a:cs typeface="Arial" panose="020B0604020202020204" pitchFamily="34" charset="0"/>
               </a:rPr>
-              <a:t>EC2 EBS Default Encryption</a:t>
-            </a:r>
-          </a:p>
-        </p:txBody>
-      </p:sp>
-      <p:sp>
-        <p:nvSpPr>
-          <p:cNvPr id="70" name="Rectangle 69">
-            <a:extLst>
-              <a:ext uri="{FF2B5EF4-FFF2-40B4-BE49-F238E27FC236}">
-                <a16:creationId xmlns:a16="http://schemas.microsoft.com/office/drawing/2014/main" id="{B9B0DB77-AA27-F240-9DBA-0C4D391FE38F}"/>
+              <a:t>AWS CloudFormation</a:t>
+            </a:r>
+          </a:p>
+        </p:txBody>
+      </p:sp>
+      <p:sp>
+        <p:nvSpPr>
+          <p:cNvPr id="168" name="Oval 167">
+            <a:extLst>
+              <a:ext uri="{FF2B5EF4-FFF2-40B4-BE49-F238E27FC236}">
+                <a16:creationId xmlns:a16="http://schemas.microsoft.com/office/drawing/2014/main" id="{1FD829E5-614F-4AF8-B844-D2FD8E6C8BEA}"/>
               </a:ext>
             </a:extLst>
           </p:cNvPr>
@@ -5693,18 +5050,19 @@
         </p:nvSpPr>
         <p:spPr>
           <a:xfrm>
-            <a:off x="9575019" y="3107133"/>
-            <a:ext cx="1313065" cy="1499203"/>
-          </a:xfrm>
-          <a:prstGeom prst="rect">
+            <a:off x="4004830" y="2225432"/>
+            <a:ext cx="253435" cy="212902"/>
+          </a:xfrm>
+          <a:prstGeom prst="ellipse">
             <a:avLst/>
           </a:prstGeom>
-          <a:noFill/>
-          <a:ln w="12700">
+          <a:solidFill>
+            <a:schemeClr val="tx1"/>
+          </a:solidFill>
+          <a:ln>
             <a:solidFill>
               <a:schemeClr val="tx1"/>
             </a:solidFill>
-            <a:prstDash val="dash"/>
           </a:ln>
         </p:spPr>
         <p:style>
@@ -5724,133 +5082,6 @@
           </a:fontRef>
         </p:style>
         <p:txBody>
-          <a:bodyPr rot="0" spcFirstLastPara="0" vertOverflow="overflow" horzOverflow="overflow" vert="horz" wrap="square" lIns="91440" tIns="0" rIns="91440" bIns="45720" numCol="1" spcCol="0" rtlCol="0" fromWordArt="0" anchor="t" anchorCtr="0" forceAA="0" compatLnSpc="1">
-            <a:noAutofit/>
-          </a:bodyPr>
-          <a:lstStyle/>
-          <a:p>
-            <a:r>
-              <a:rPr lang="en-US" sz="1100" b="1" dirty="0">
-                <a:solidFill>
-                  <a:schemeClr val="tx1"/>
-                </a:solidFill>
-                <a:latin typeface="Arial" panose="020B0604020202020204" pitchFamily="34" charset="0"/>
-                <a:cs typeface="Arial" panose="020B0604020202020204" pitchFamily="34" charset="0"/>
-              </a:rPr>
-              <a:t>region-2</a:t>
-            </a:r>
-          </a:p>
-        </p:txBody>
-      </p:sp>
-      <p:sp>
-        <p:nvSpPr>
-          <p:cNvPr id="71" name="Rectangle 70">
-            <a:extLst>
-              <a:ext uri="{FF2B5EF4-FFF2-40B4-BE49-F238E27FC236}">
-                <a16:creationId xmlns:a16="http://schemas.microsoft.com/office/drawing/2014/main" id="{CED78D6A-CD89-5346-873D-908A31D1183D}"/>
-              </a:ext>
-            </a:extLst>
-          </p:cNvPr>
-          <p:cNvSpPr/>
-          <p:nvPr/>
-        </p:nvSpPr>
-        <p:spPr>
-          <a:xfrm>
-            <a:off x="9670907" y="3320081"/>
-            <a:ext cx="1217178" cy="1286256"/>
-          </a:xfrm>
-          <a:prstGeom prst="rect">
-            <a:avLst/>
-          </a:prstGeom>
-          <a:noFill/>
-          <a:ln w="12700">
-            <a:solidFill>
-              <a:schemeClr val="tx1"/>
-            </a:solidFill>
-            <a:prstDash val="dash"/>
-          </a:ln>
-        </p:spPr>
-        <p:style>
-          <a:lnRef idx="2">
-            <a:schemeClr val="accent1">
-              <a:shade val="50000"/>
-            </a:schemeClr>
-          </a:lnRef>
-          <a:fillRef idx="1">
-            <a:schemeClr val="accent1"/>
-          </a:fillRef>
-          <a:effectRef idx="0">
-            <a:schemeClr val="accent1"/>
-          </a:effectRef>
-          <a:fontRef idx="minor">
-            <a:schemeClr val="lt1"/>
-          </a:fontRef>
-        </p:style>
-        <p:txBody>
-          <a:bodyPr rot="0" spcFirstLastPara="0" vertOverflow="overflow" horzOverflow="overflow" vert="horz" wrap="square" lIns="91440" tIns="0" rIns="91440" bIns="45720" numCol="1" spcCol="0" rtlCol="0" fromWordArt="0" anchor="t" anchorCtr="0" forceAA="0" compatLnSpc="1">
-            <a:noAutofit/>
-          </a:bodyPr>
-          <a:lstStyle/>
-          <a:p>
-            <a:r>
-              <a:rPr lang="en-US" sz="1100" b="1" dirty="0">
-                <a:solidFill>
-                  <a:schemeClr val="tx1"/>
-                </a:solidFill>
-                <a:latin typeface="Arial" panose="020B0604020202020204" pitchFamily="34" charset="0"/>
-                <a:cs typeface="Arial" panose="020B0604020202020204" pitchFamily="34" charset="0"/>
-              </a:rPr>
-              <a:t>region-n</a:t>
-            </a:r>
-          </a:p>
-        </p:txBody>
-      </p:sp>
-      <p:sp>
-        <p:nvSpPr>
-          <p:cNvPr id="73" name="Oval 72">
-            <a:extLst>
-              <a:ext uri="{FF2B5EF4-FFF2-40B4-BE49-F238E27FC236}">
-                <a16:creationId xmlns:a16="http://schemas.microsoft.com/office/drawing/2014/main" id="{AA167E33-5B13-4D4A-988F-A0AE7C434191}"/>
-              </a:ext>
-            </a:extLst>
-          </p:cNvPr>
-          <p:cNvSpPr/>
-          <p:nvPr/>
-        </p:nvSpPr>
-        <p:spPr>
-          <a:xfrm>
-            <a:off x="10070446" y="3601607"/>
-            <a:ext cx="253435" cy="212902"/>
-          </a:xfrm>
-          <a:prstGeom prst="ellipse">
-            <a:avLst/>
-          </a:prstGeom>
-          <a:solidFill>
-            <a:schemeClr val="tx1"/>
-          </a:solidFill>
-          <a:ln>
-            <a:solidFill>
-              <a:schemeClr val="tx1"/>
-            </a:solidFill>
-          </a:ln>
-        </p:spPr>
-        <p:style>
-          <a:lnRef idx="2">
-            <a:schemeClr val="accent1">
-              <a:shade val="50000"/>
-            </a:schemeClr>
-          </a:lnRef>
-          <a:fillRef idx="1">
-            <a:schemeClr val="accent1"/>
-          </a:fillRef>
-          <a:effectRef idx="0">
-            <a:schemeClr val="accent1"/>
-          </a:effectRef>
-          <a:fontRef idx="minor">
-            <a:schemeClr val="lt1"/>
-          </a:fontRef>
-        </p:style>
-        <p:txBody>
           <a:bodyPr lIns="0" tIns="0" rIns="0" bIns="0" rtlCol="0" anchor="ctr"/>
           <a:lstStyle/>
           <a:p>
@@ -5860,17 +5091,58 @@
                 <a:latin typeface="Arial" panose="020B0604020202020204" pitchFamily="34" charset="0"/>
                 <a:cs typeface="Arial" panose="020B0604020202020204" pitchFamily="34" charset="0"/>
               </a:rPr>
-              <a:t>2.3</a:t>
-            </a:r>
-          </a:p>
-        </p:txBody>
-      </p:sp>
+              <a:t>1.6</a:t>
+            </a:r>
+          </a:p>
+        </p:txBody>
+      </p:sp>
+      <p:cxnSp>
+        <p:nvCxnSpPr>
+          <p:cNvPr id="169" name="Straight Arrow Connector 168">
+            <a:extLst>
+              <a:ext uri="{FF2B5EF4-FFF2-40B4-BE49-F238E27FC236}">
+                <a16:creationId xmlns:a16="http://schemas.microsoft.com/office/drawing/2014/main" id="{138F6776-7B1B-49FC-912B-536D532BC24D}"/>
+              </a:ext>
+            </a:extLst>
+          </p:cNvPr>
+          <p:cNvCxnSpPr>
+            <a:cxnSpLocks/>
+          </p:cNvCxnSpPr>
+          <p:nvPr/>
+        </p:nvCxnSpPr>
+        <p:spPr>
+          <a:xfrm flipH="1" flipV="1">
+            <a:off x="3305857" y="1757763"/>
+            <a:ext cx="419539" cy="563401"/>
+          </a:xfrm>
+          <a:prstGeom prst="straightConnector1">
+            <a:avLst/>
+          </a:prstGeom>
+          <a:ln>
+            <a:tailEnd type="triangle"/>
+          </a:ln>
+        </p:spPr>
+        <p:style>
+          <a:lnRef idx="1">
+            <a:schemeClr val="dk1"/>
+          </a:lnRef>
+          <a:fillRef idx="0">
+            <a:schemeClr val="dk1"/>
+          </a:fillRef>
+          <a:effectRef idx="0">
+            <a:schemeClr val="dk1"/>
+          </a:effectRef>
+          <a:fontRef idx="minor">
+            <a:schemeClr val="tx1"/>
+          </a:fontRef>
+        </p:style>
+      </p:cxnSp>
       <p:pic>
         <p:nvPicPr>
-          <p:cNvPr id="74" name="Graphic 5">
-            <a:extLst>
-              <a:ext uri="{FF2B5EF4-FFF2-40B4-BE49-F238E27FC236}">
-                <a16:creationId xmlns:a16="http://schemas.microsoft.com/office/drawing/2014/main" id="{FC38848A-1989-AC45-91A2-AC9852851B18}"/>
+          <p:cNvPr id="170" name="Graphic 17">
+            <a:extLst>
+              <a:ext uri="{FF2B5EF4-FFF2-40B4-BE49-F238E27FC236}">
+                <a16:creationId xmlns:a16="http://schemas.microsoft.com/office/drawing/2014/main" id="{FA090CD3-A3B8-4DDE-A161-DF2AA9BD4174}"/>
               </a:ext>
             </a:extLst>
           </p:cNvPr>
@@ -5880,10 +5152,10 @@
           <p:nvPr/>
         </p:nvPicPr>
         <p:blipFill>
-          <a:blip r:embed="rId10">
+          <a:blip r:embed="rId8">
             <a:extLst>
               <a:ext uri="{28A0092B-C50C-407E-A947-70E740481C1C}">
-                <a14:useLocalDpi xmlns:a14="http://schemas.microsoft.com/office/drawing/2010/main" val="0"/>
+                <a14:useLocalDpi xmlns:a14="http://schemas.microsoft.com/office/drawing/2010/main"/>
               </a:ext>
             </a:extLst>
           </a:blip>
@@ -5894,7 +5166,7 @@
         </p:blipFill>
         <p:spPr bwMode="auto">
           <a:xfrm>
-            <a:off x="6461061" y="2920822"/>
+            <a:off x="2798925" y="1547364"/>
             <a:ext cx="457200" cy="457200"/>
           </a:xfrm>
           <a:prstGeom prst="rect">
@@ -5927,303 +5199,166 @@
       </p:pic>
       <p:sp>
         <p:nvSpPr>
-          <p:cNvPr id="77" name="Rectangle 76">
-            <a:extLst>
-              <a:ext uri="{FF2B5EF4-FFF2-40B4-BE49-F238E27FC236}">
-                <a16:creationId xmlns:a16="http://schemas.microsoft.com/office/drawing/2014/main" id="{03AED725-6341-C04F-9CED-CBAE8EBE8D05}"/>
-              </a:ext>
-            </a:extLst>
-          </p:cNvPr>
-          <p:cNvSpPr/>
+          <p:cNvPr id="171" name="TextBox 2">
+            <a:extLst>
+              <a:ext uri="{FF2B5EF4-FFF2-40B4-BE49-F238E27FC236}">
+                <a16:creationId xmlns:a16="http://schemas.microsoft.com/office/drawing/2014/main" id="{FA796802-B60A-438F-A8AF-1212545BBE63}"/>
+              </a:ext>
+            </a:extLst>
+          </p:cNvPr>
+          <p:cNvSpPr txBox="1"/>
           <p:nvPr/>
         </p:nvSpPr>
         <p:spPr>
           <a:xfrm>
-            <a:off x="5876436" y="2247185"/>
-            <a:ext cx="1400549" cy="1675999"/>
+            <a:off x="2418161" y="1972048"/>
+            <a:ext cx="1273984" cy="261610"/>
           </a:xfrm>
           <a:prstGeom prst="rect">
             <a:avLst/>
           </a:prstGeom>
           <a:noFill/>
-          <a:ln w="12700">
-            <a:solidFill>
-              <a:schemeClr val="tx1"/>
-            </a:solidFill>
-            <a:prstDash val="dash"/>
-          </a:ln>
         </p:spPr>
         <p:style>
-          <a:lnRef idx="2">
-            <a:schemeClr val="accent1">
-              <a:shade val="50000"/>
-            </a:schemeClr>
+          <a:lnRef idx="0">
+            <a:scrgbClr r="0" g="0" b="0"/>
           </a:lnRef>
-          <a:fillRef idx="1">
-            <a:schemeClr val="accent1"/>
+          <a:fillRef idx="0">
+            <a:scrgbClr r="0" g="0" b="0"/>
           </a:fillRef>
           <a:effectRef idx="0">
-            <a:schemeClr val="accent1"/>
+            <a:scrgbClr r="0" g="0" b="0"/>
           </a:effectRef>
-          <a:fontRef idx="minor">
-            <a:schemeClr val="lt1"/>
-          </a:fontRef>
+          <a:fontRef idx="major"/>
         </p:style>
         <p:txBody>
-          <a:bodyPr rot="0" spcFirstLastPara="0" vertOverflow="overflow" horzOverflow="overflow" vert="horz" wrap="square" lIns="91440" tIns="0" rIns="91440" bIns="45720" numCol="1" spcCol="0" rtlCol="0" fromWordArt="0" anchor="t" anchorCtr="0" forceAA="0" compatLnSpc="1">
-            <a:noAutofit/>
+          <a:bodyPr wrap="square" rtlCol="0">
+            <a:spAutoFit/>
           </a:bodyPr>
-          <a:lstStyle/>
-          <a:p>
-            <a:r>
-              <a:rPr lang="en-US" sz="1100" b="1" dirty="0">
-                <a:solidFill>
-                  <a:schemeClr val="tx1"/>
-                </a:solidFill>
+          <a:lstStyle>
+            <a:lvl1pPr>
+              <a:defRPr>
+                <a:latin typeface="+mj-lt"/>
+                <a:ea typeface="+mj-ea"/>
+                <a:cs typeface="+mj-cs"/>
+              </a:defRPr>
+            </a:lvl1pPr>
+            <a:lvl2pPr>
+              <a:defRPr>
+                <a:latin typeface="+mj-lt"/>
+                <a:ea typeface="+mj-ea"/>
+                <a:cs typeface="+mj-cs"/>
+              </a:defRPr>
+            </a:lvl2pPr>
+            <a:lvl3pPr>
+              <a:defRPr>
+                <a:latin typeface="+mj-lt"/>
+                <a:ea typeface="+mj-ea"/>
+                <a:cs typeface="+mj-cs"/>
+              </a:defRPr>
+            </a:lvl3pPr>
+            <a:lvl4pPr>
+              <a:defRPr>
+                <a:latin typeface="+mj-lt"/>
+                <a:ea typeface="+mj-ea"/>
+                <a:cs typeface="+mj-cs"/>
+              </a:defRPr>
+            </a:lvl4pPr>
+            <a:lvl5pPr>
+              <a:defRPr>
+                <a:latin typeface="+mj-lt"/>
+                <a:ea typeface="+mj-ea"/>
+                <a:cs typeface="+mj-cs"/>
+              </a:defRPr>
+            </a:lvl5pPr>
+            <a:lvl6pPr>
+              <a:defRPr>
+                <a:latin typeface="+mj-lt"/>
+                <a:ea typeface="+mj-ea"/>
+                <a:cs typeface="+mj-cs"/>
+              </a:defRPr>
+            </a:lvl6pPr>
+            <a:lvl7pPr>
+              <a:defRPr>
+                <a:latin typeface="+mj-lt"/>
+                <a:ea typeface="+mj-ea"/>
+                <a:cs typeface="+mj-cs"/>
+              </a:defRPr>
+            </a:lvl7pPr>
+            <a:lvl8pPr>
+              <a:defRPr>
+                <a:latin typeface="+mj-lt"/>
+                <a:ea typeface="+mj-ea"/>
+                <a:cs typeface="+mj-cs"/>
+              </a:defRPr>
+            </a:lvl8pPr>
+            <a:lvl9pPr>
+              <a:defRPr>
+                <a:latin typeface="+mj-lt"/>
+                <a:ea typeface="+mj-ea"/>
+                <a:cs typeface="+mj-cs"/>
+              </a:defRPr>
+            </a:lvl9pPr>
+          </a:lstStyle>
+          <a:p>
+            <a:pPr algn="ctr"/>
+            <a:r>
+              <a:rPr lang="en-US" sz="1100" dirty="0">
                 <a:latin typeface="Arial" panose="020B0604020202020204" pitchFamily="34" charset="0"/>
                 <a:cs typeface="Arial" panose="020B0604020202020204" pitchFamily="34" charset="0"/>
               </a:rPr>
-              <a:t>region-1</a:t>
-            </a:r>
-          </a:p>
-        </p:txBody>
-      </p:sp>
-      <p:sp>
-        <p:nvSpPr>
-          <p:cNvPr id="78" name="TextBox 77">
-            <a:extLst>
-              <a:ext uri="{FF2B5EF4-FFF2-40B4-BE49-F238E27FC236}">
-                <a16:creationId xmlns:a16="http://schemas.microsoft.com/office/drawing/2014/main" id="{A99BC746-6897-BF4A-9EDC-5C13AE02CFD6}"/>
-              </a:ext>
-            </a:extLst>
-          </p:cNvPr>
-          <p:cNvSpPr txBox="1"/>
+              <a:t>SNS Topic</a:t>
+            </a:r>
+          </a:p>
+        </p:txBody>
+      </p:sp>
+      <p:cxnSp>
+        <p:nvCxnSpPr>
+          <p:cNvPr id="172" name="Straight Arrow Connector 171">
+            <a:extLst>
+              <a:ext uri="{FF2B5EF4-FFF2-40B4-BE49-F238E27FC236}">
+                <a16:creationId xmlns:a16="http://schemas.microsoft.com/office/drawing/2014/main" id="{573D3A80-8B52-4BE0-9741-073E791D929E}"/>
+              </a:ext>
+            </a:extLst>
+          </p:cNvPr>
+          <p:cNvCxnSpPr>
+            <a:cxnSpLocks/>
+          </p:cNvCxnSpPr>
           <p:nvPr/>
-        </p:nvSpPr>
+        </p:nvCxnSpPr>
         <p:spPr>
-          <a:xfrm>
-            <a:off x="6030761" y="3376031"/>
-            <a:ext cx="1313223" cy="430887"/>
-          </a:xfrm>
-          <a:prstGeom prst="rect">
+          <a:xfrm flipV="1">
+            <a:off x="3923575" y="1689376"/>
+            <a:ext cx="0" cy="536056"/>
+          </a:xfrm>
+          <a:prstGeom prst="straightConnector1">
             <a:avLst/>
           </a:prstGeom>
-          <a:noFill/>
-        </p:spPr>
-        <p:txBody>
-          <a:bodyPr wrap="square" rtlCol="0">
-            <a:spAutoFit/>
-          </a:bodyPr>
-          <a:lstStyle/>
-          <a:p>
-            <a:pPr algn="ctr"/>
-            <a:r>
-              <a:rPr lang="en-US" altLang="en-US" sz="1100" dirty="0">
-                <a:latin typeface="Arial" panose="020B0604020202020204" pitchFamily="34" charset="0"/>
-                <a:ea typeface="Amazon Ember" panose="020B0603020204020204" pitchFamily="34" charset="0"/>
-                <a:cs typeface="Arial" panose="020B0604020202020204" pitchFamily="34" charset="0"/>
-              </a:rPr>
-              <a:t>EC2 EBS Default Encryption</a:t>
-            </a:r>
-          </a:p>
-        </p:txBody>
-      </p:sp>
-      <p:sp>
-        <p:nvSpPr>
-          <p:cNvPr id="79" name="Rectangle 78">
-            <a:extLst>
-              <a:ext uri="{FF2B5EF4-FFF2-40B4-BE49-F238E27FC236}">
-                <a16:creationId xmlns:a16="http://schemas.microsoft.com/office/drawing/2014/main" id="{4C83918F-345A-D04B-9632-7A1BB4B88B3B}"/>
-              </a:ext>
-            </a:extLst>
-          </p:cNvPr>
-          <p:cNvSpPr/>
-          <p:nvPr/>
-        </p:nvSpPr>
-        <p:spPr>
-          <a:xfrm>
-            <a:off x="5994088" y="2442057"/>
-            <a:ext cx="1282898" cy="1481128"/>
-          </a:xfrm>
-          <a:prstGeom prst="rect">
-            <a:avLst/>
-          </a:prstGeom>
-          <a:noFill/>
-          <a:ln w="12700">
-            <a:solidFill>
-              <a:schemeClr val="tx1"/>
-            </a:solidFill>
-            <a:prstDash val="dash"/>
+          <a:ln>
+            <a:tailEnd type="triangle"/>
           </a:ln>
         </p:spPr>
         <p:style>
-          <a:lnRef idx="2">
-            <a:schemeClr val="accent1">
-              <a:shade val="50000"/>
-            </a:schemeClr>
+          <a:lnRef idx="1">
+            <a:schemeClr val="dk1"/>
           </a:lnRef>
-          <a:fillRef idx="1">
-            <a:schemeClr val="accent1"/>
+          <a:fillRef idx="0">
+            <a:schemeClr val="dk1"/>
           </a:fillRef>
           <a:effectRef idx="0">
-            <a:schemeClr val="accent1"/>
+            <a:schemeClr val="dk1"/>
           </a:effectRef>
           <a:fontRef idx="minor">
-            <a:schemeClr val="lt1"/>
+            <a:schemeClr val="tx1"/>
           </a:fontRef>
         </p:style>
-        <p:txBody>
-          <a:bodyPr rot="0" spcFirstLastPara="0" vertOverflow="overflow" horzOverflow="overflow" vert="horz" wrap="square" lIns="91440" tIns="0" rIns="91440" bIns="45720" numCol="1" spcCol="0" rtlCol="0" fromWordArt="0" anchor="t" anchorCtr="0" forceAA="0" compatLnSpc="1">
-            <a:noAutofit/>
-          </a:bodyPr>
-          <a:lstStyle/>
-          <a:p>
-            <a:r>
-              <a:rPr lang="en-US" sz="1100" b="1" dirty="0">
-                <a:solidFill>
-                  <a:schemeClr val="tx1"/>
-                </a:solidFill>
-                <a:latin typeface="Arial" panose="020B0604020202020204" pitchFamily="34" charset="0"/>
-                <a:cs typeface="Arial" panose="020B0604020202020204" pitchFamily="34" charset="0"/>
-              </a:rPr>
-              <a:t>region-2</a:t>
-            </a:r>
-          </a:p>
-        </p:txBody>
-      </p:sp>
-      <p:sp>
-        <p:nvSpPr>
-          <p:cNvPr id="80" name="Rectangle 79">
-            <a:extLst>
-              <a:ext uri="{FF2B5EF4-FFF2-40B4-BE49-F238E27FC236}">
-                <a16:creationId xmlns:a16="http://schemas.microsoft.com/office/drawing/2014/main" id="{A394C27D-1D38-6947-A9B3-603FEF0E565D}"/>
-              </a:ext>
-            </a:extLst>
-          </p:cNvPr>
-          <p:cNvSpPr/>
-          <p:nvPr/>
-        </p:nvSpPr>
-        <p:spPr>
-          <a:xfrm>
-            <a:off x="6096000" y="2636929"/>
-            <a:ext cx="1180986" cy="1286256"/>
-          </a:xfrm>
-          <a:prstGeom prst="rect">
-            <a:avLst/>
-          </a:prstGeom>
-          <a:noFill/>
-          <a:ln w="12700">
-            <a:solidFill>
-              <a:schemeClr val="tx1"/>
-            </a:solidFill>
-            <a:prstDash val="dash"/>
-          </a:ln>
-        </p:spPr>
-        <p:style>
-          <a:lnRef idx="2">
-            <a:schemeClr val="accent1">
-              <a:shade val="50000"/>
-            </a:schemeClr>
-          </a:lnRef>
-          <a:fillRef idx="1">
-            <a:schemeClr val="accent1"/>
-          </a:fillRef>
-          <a:effectRef idx="0">
-            <a:schemeClr val="accent1"/>
-          </a:effectRef>
-          <a:fontRef idx="minor">
-            <a:schemeClr val="lt1"/>
-          </a:fontRef>
-        </p:style>
-        <p:txBody>
-          <a:bodyPr rot="0" spcFirstLastPara="0" vertOverflow="overflow" horzOverflow="overflow" vert="horz" wrap="square" lIns="91440" tIns="0" rIns="91440" bIns="45720" numCol="1" spcCol="0" rtlCol="0" fromWordArt="0" anchor="t" anchorCtr="0" forceAA="0" compatLnSpc="1">
-            <a:noAutofit/>
-          </a:bodyPr>
-          <a:lstStyle/>
-          <a:p>
-            <a:r>
-              <a:rPr lang="en-US" sz="1100" b="1" dirty="0">
-                <a:solidFill>
-                  <a:schemeClr val="tx1"/>
-                </a:solidFill>
-                <a:latin typeface="Arial" panose="020B0604020202020204" pitchFamily="34" charset="0"/>
-                <a:cs typeface="Arial" panose="020B0604020202020204" pitchFamily="34" charset="0"/>
-              </a:rPr>
-              <a:t>region-n</a:t>
-            </a:r>
-          </a:p>
-        </p:txBody>
-      </p:sp>
-      <p:sp>
-        <p:nvSpPr>
-          <p:cNvPr id="56" name="Rectangle 55">
-            <a:extLst>
-              <a:ext uri="{FF2B5EF4-FFF2-40B4-BE49-F238E27FC236}">
-                <a16:creationId xmlns:a16="http://schemas.microsoft.com/office/drawing/2014/main" id="{AA9949FB-40D0-6E4E-A7FC-0F014B92188A}"/>
-              </a:ext>
-            </a:extLst>
-          </p:cNvPr>
-          <p:cNvSpPr/>
-          <p:nvPr/>
-        </p:nvSpPr>
-        <p:spPr>
-          <a:xfrm>
-            <a:off x="953401" y="4950049"/>
-            <a:ext cx="6494672" cy="1049233"/>
-          </a:xfrm>
-          <a:prstGeom prst="rect">
-            <a:avLst/>
-          </a:prstGeom>
-          <a:noFill/>
-          <a:ln w="12700">
-            <a:solidFill>
-              <a:schemeClr val="tx1"/>
-            </a:solidFill>
-            <a:prstDash val="dash"/>
-          </a:ln>
-        </p:spPr>
-        <p:style>
-          <a:lnRef idx="2">
-            <a:schemeClr val="accent1">
-              <a:shade val="50000"/>
-            </a:schemeClr>
-          </a:lnRef>
-          <a:fillRef idx="1">
-            <a:schemeClr val="accent1"/>
-          </a:fillRef>
-          <a:effectRef idx="0">
-            <a:schemeClr val="accent1"/>
-          </a:effectRef>
-          <a:fontRef idx="minor">
-            <a:schemeClr val="lt1"/>
-          </a:fontRef>
-        </p:style>
-        <p:txBody>
-          <a:bodyPr rot="0" spcFirstLastPara="0" vertOverflow="overflow" horzOverflow="overflow" vert="horz" wrap="square" lIns="91440" tIns="0" rIns="91440" bIns="45720" numCol="1" spcCol="0" rtlCol="0" fromWordArt="0" anchor="t" anchorCtr="0" forceAA="0" compatLnSpc="1">
-            <a:prstTxWarp prst="textNoShape">
-              <a:avLst/>
-            </a:prstTxWarp>
-            <a:noAutofit/>
-          </a:bodyPr>
-          <a:lstStyle/>
-          <a:p>
-            <a:r>
-              <a:rPr lang="en-US" sz="1200" b="1" dirty="0">
-                <a:solidFill>
-                  <a:schemeClr val="tx1"/>
-                </a:solidFill>
-              </a:rPr>
-              <a:t>Global-region</a:t>
-            </a:r>
-          </a:p>
-        </p:txBody>
-      </p:sp>
+      </p:cxnSp>
       <p:pic>
         <p:nvPicPr>
-          <p:cNvPr id="57" name="Graphic 24">
-            <a:extLst>
-              <a:ext uri="{FF2B5EF4-FFF2-40B4-BE49-F238E27FC236}">
-                <a16:creationId xmlns:a16="http://schemas.microsoft.com/office/drawing/2014/main" id="{1212C2E4-D250-C240-BC81-C3A771B0A257}"/>
+          <p:cNvPr id="173" name="Graphic 17">
+            <a:extLst>
+              <a:ext uri="{FF2B5EF4-FFF2-40B4-BE49-F238E27FC236}">
+                <a16:creationId xmlns:a16="http://schemas.microsoft.com/office/drawing/2014/main" id="{2CCAD756-B84C-4C08-AB3B-1776C9FA3A27}"/>
               </a:ext>
             </a:extLst>
           </p:cNvPr>
@@ -6233,10 +5368,10 @@
           <p:nvPr/>
         </p:nvPicPr>
         <p:blipFill>
-          <a:blip r:embed="rId11">
+          <a:blip r:embed="rId8">
             <a:extLst>
               <a:ext uri="{28A0092B-C50C-407E-A947-70E740481C1C}">
-                <a14:useLocalDpi xmlns:a14="http://schemas.microsoft.com/office/drawing/2010/main" val="0"/>
+                <a14:useLocalDpi xmlns:a14="http://schemas.microsoft.com/office/drawing/2010/main"/>
               </a:ext>
             </a:extLst>
           </a:blip>
@@ -6247,7 +5382,7 @@
         </p:blipFill>
         <p:spPr bwMode="auto">
           <a:xfrm>
-            <a:off x="2457390" y="5121473"/>
+            <a:off x="4647879" y="1092614"/>
             <a:ext cx="457200" cy="457200"/>
           </a:xfrm>
           <a:prstGeom prst="rect">
@@ -6280,22 +5415,150 @@
       </p:pic>
       <p:sp>
         <p:nvSpPr>
-          <p:cNvPr id="58" name="TextBox 26">
-            <a:extLst>
-              <a:ext uri="{FF2B5EF4-FFF2-40B4-BE49-F238E27FC236}">
-                <a16:creationId xmlns:a16="http://schemas.microsoft.com/office/drawing/2014/main" id="{40F86E1C-3557-FF47-BC38-B6FF9D59A222}"/>
-              </a:ext>
-            </a:extLst>
-          </p:cNvPr>
-          <p:cNvSpPr txBox="1">
-            <a:spLocks noChangeArrowheads="1"/>
-          </p:cNvSpPr>
+          <p:cNvPr id="174" name="TextBox 2">
+            <a:extLst>
+              <a:ext uri="{FF2B5EF4-FFF2-40B4-BE49-F238E27FC236}">
+                <a16:creationId xmlns:a16="http://schemas.microsoft.com/office/drawing/2014/main" id="{93616F1C-ECC3-47FA-BDB6-12BE86A6659D}"/>
+              </a:ext>
+            </a:extLst>
+          </p:cNvPr>
+          <p:cNvSpPr txBox="1"/>
           <p:nvPr/>
         </p:nvSpPr>
+        <p:spPr>
+          <a:xfrm>
+            <a:off x="4388422" y="1497362"/>
+            <a:ext cx="932275" cy="261610"/>
+          </a:xfrm>
+          <a:prstGeom prst="rect">
+            <a:avLst/>
+          </a:prstGeom>
+          <a:noFill/>
+        </p:spPr>
+        <p:style>
+          <a:lnRef idx="0">
+            <a:scrgbClr r="0" g="0" b="0"/>
+          </a:lnRef>
+          <a:fillRef idx="0">
+            <a:scrgbClr r="0" g="0" b="0"/>
+          </a:fillRef>
+          <a:effectRef idx="0">
+            <a:scrgbClr r="0" g="0" b="0"/>
+          </a:effectRef>
+          <a:fontRef idx="major"/>
+        </p:style>
+        <p:txBody>
+          <a:bodyPr wrap="square" rtlCol="0">
+            <a:spAutoFit/>
+          </a:bodyPr>
+          <a:lstStyle>
+            <a:lvl1pPr>
+              <a:defRPr>
+                <a:latin typeface="+mj-lt"/>
+                <a:ea typeface="+mj-ea"/>
+                <a:cs typeface="+mj-cs"/>
+              </a:defRPr>
+            </a:lvl1pPr>
+            <a:lvl2pPr>
+              <a:defRPr>
+                <a:latin typeface="+mj-lt"/>
+                <a:ea typeface="+mj-ea"/>
+                <a:cs typeface="+mj-cs"/>
+              </a:defRPr>
+            </a:lvl2pPr>
+            <a:lvl3pPr>
+              <a:defRPr>
+                <a:latin typeface="+mj-lt"/>
+                <a:ea typeface="+mj-ea"/>
+                <a:cs typeface="+mj-cs"/>
+              </a:defRPr>
+            </a:lvl3pPr>
+            <a:lvl4pPr>
+              <a:defRPr>
+                <a:latin typeface="+mj-lt"/>
+                <a:ea typeface="+mj-ea"/>
+                <a:cs typeface="+mj-cs"/>
+              </a:defRPr>
+            </a:lvl4pPr>
+            <a:lvl5pPr>
+              <a:defRPr>
+                <a:latin typeface="+mj-lt"/>
+                <a:ea typeface="+mj-ea"/>
+                <a:cs typeface="+mj-cs"/>
+              </a:defRPr>
+            </a:lvl5pPr>
+            <a:lvl6pPr>
+              <a:defRPr>
+                <a:latin typeface="+mj-lt"/>
+                <a:ea typeface="+mj-ea"/>
+                <a:cs typeface="+mj-cs"/>
+              </a:defRPr>
+            </a:lvl6pPr>
+            <a:lvl7pPr>
+              <a:defRPr>
+                <a:latin typeface="+mj-lt"/>
+                <a:ea typeface="+mj-ea"/>
+                <a:cs typeface="+mj-cs"/>
+              </a:defRPr>
+            </a:lvl7pPr>
+            <a:lvl8pPr>
+              <a:defRPr>
+                <a:latin typeface="+mj-lt"/>
+                <a:ea typeface="+mj-ea"/>
+                <a:cs typeface="+mj-cs"/>
+              </a:defRPr>
+            </a:lvl8pPr>
+            <a:lvl9pPr>
+              <a:defRPr>
+                <a:latin typeface="+mj-lt"/>
+                <a:ea typeface="+mj-ea"/>
+                <a:cs typeface="+mj-cs"/>
+              </a:defRPr>
+            </a:lvl9pPr>
+          </a:lstStyle>
+          <a:p>
+            <a:pPr algn="ctr"/>
+            <a:r>
+              <a:rPr lang="en-US" sz="1100" dirty="0">
+                <a:latin typeface="Arial" panose="020B0604020202020204" pitchFamily="34" charset="0"/>
+                <a:cs typeface="Arial" panose="020B0604020202020204" pitchFamily="34" charset="0"/>
+              </a:rPr>
+              <a:t>Alarm Topic</a:t>
+            </a:r>
+          </a:p>
+        </p:txBody>
+      </p:sp>
+      <p:pic>
+        <p:nvPicPr>
+          <p:cNvPr id="175" name="Graphic 29">
+            <a:extLst>
+              <a:ext uri="{FF2B5EF4-FFF2-40B4-BE49-F238E27FC236}">
+                <a16:creationId xmlns:a16="http://schemas.microsoft.com/office/drawing/2014/main" id="{2B1AE12D-BEE0-47C8-85F0-700345BDE01B}"/>
+              </a:ext>
+            </a:extLst>
+          </p:cNvPr>
+          <p:cNvPicPr>
+            <a:picLocks noChangeAspect="1" noChangeArrowheads="1"/>
+          </p:cNvPicPr>
+          <p:nvPr/>
+        </p:nvPicPr>
+        <p:blipFill>
+          <a:blip r:embed="rId9">
+            <a:extLst>
+              <a:ext uri="{28A0092B-C50C-407E-A947-70E740481C1C}">
+                <a14:useLocalDpi xmlns:a14="http://schemas.microsoft.com/office/drawing/2010/main"/>
+              </a:ext>
+            </a:extLst>
+          </a:blip>
+          <a:srcRect/>
+          <a:stretch>
+            <a:fillRect/>
+          </a:stretch>
+        </p:blipFill>
         <p:spPr bwMode="auto">
           <a:xfrm>
-            <a:off x="2112064" y="5510278"/>
-            <a:ext cx="1143852" cy="430887"/>
+            <a:off x="3740789" y="1090164"/>
+            <a:ext cx="457200" cy="457200"/>
           </a:xfrm>
           <a:prstGeom prst="rect">
             <a:avLst/>
@@ -6324,127 +5587,169 @@
             </a:ext>
           </a:extLst>
         </p:spPr>
-        <p:txBody>
-          <a:bodyPr wrap="square">
+      </p:pic>
+      <p:sp>
+        <p:nvSpPr>
+          <p:cNvPr id="176" name="TextBox 2">
+            <a:extLst>
+              <a:ext uri="{FF2B5EF4-FFF2-40B4-BE49-F238E27FC236}">
+                <a16:creationId xmlns:a16="http://schemas.microsoft.com/office/drawing/2014/main" id="{EB26B823-6917-455F-9F04-0BA51DBCA27B}"/>
+              </a:ext>
+            </a:extLst>
+          </p:cNvPr>
+          <p:cNvSpPr txBox="1"/>
+          <p:nvPr/>
+        </p:nvSpPr>
+        <p:spPr>
+          <a:xfrm>
+            <a:off x="3701919" y="1430610"/>
+            <a:ext cx="475182" cy="261610"/>
+          </a:xfrm>
+          <a:prstGeom prst="rect">
+            <a:avLst/>
+          </a:prstGeom>
+          <a:noFill/>
+        </p:spPr>
+        <p:style>
+          <a:lnRef idx="0">
+            <a:scrgbClr r="0" g="0" b="0"/>
+          </a:lnRef>
+          <a:fillRef idx="0">
+            <a:scrgbClr r="0" g="0" b="0"/>
+          </a:fillRef>
+          <a:effectRef idx="0">
+            <a:scrgbClr r="0" g="0" b="0"/>
+          </a:effectRef>
+          <a:fontRef idx="major"/>
+        </p:style>
+        <p:txBody>
+          <a:bodyPr wrap="square" rtlCol="0">
             <a:spAutoFit/>
           </a:bodyPr>
           <a:lstStyle>
             <a:lvl1pPr>
               <a:defRPr>
-                <a:solidFill>
-                  <a:schemeClr val="tx1"/>
-                </a:solidFill>
-                <a:latin typeface="Calibri" panose="020F0502020204030204" pitchFamily="34" charset="0"/>
+                <a:latin typeface="+mj-lt"/>
+                <a:ea typeface="+mj-ea"/>
+                <a:cs typeface="+mj-cs"/>
               </a:defRPr>
             </a:lvl1pPr>
-            <a:lvl2pPr marL="742950" indent="-285750">
+            <a:lvl2pPr>
               <a:defRPr>
-                <a:solidFill>
-                  <a:schemeClr val="tx1"/>
-                </a:solidFill>
-                <a:latin typeface="Calibri" panose="020F0502020204030204" pitchFamily="34" charset="0"/>
+                <a:latin typeface="+mj-lt"/>
+                <a:ea typeface="+mj-ea"/>
+                <a:cs typeface="+mj-cs"/>
               </a:defRPr>
             </a:lvl2pPr>
-            <a:lvl3pPr marL="1143000" indent="-228600">
+            <a:lvl3pPr>
               <a:defRPr>
-                <a:solidFill>
-                  <a:schemeClr val="tx1"/>
-                </a:solidFill>
-                <a:latin typeface="Calibri" panose="020F0502020204030204" pitchFamily="34" charset="0"/>
+                <a:latin typeface="+mj-lt"/>
+                <a:ea typeface="+mj-ea"/>
+                <a:cs typeface="+mj-cs"/>
               </a:defRPr>
             </a:lvl3pPr>
-            <a:lvl4pPr marL="1600200" indent="-228600">
+            <a:lvl4pPr>
               <a:defRPr>
-                <a:solidFill>
-                  <a:schemeClr val="tx1"/>
-                </a:solidFill>
-                <a:latin typeface="Calibri" panose="020F0502020204030204" pitchFamily="34" charset="0"/>
+                <a:latin typeface="+mj-lt"/>
+                <a:ea typeface="+mj-ea"/>
+                <a:cs typeface="+mj-cs"/>
               </a:defRPr>
             </a:lvl4pPr>
-            <a:lvl5pPr marL="2057400" indent="-228600">
+            <a:lvl5pPr>
               <a:defRPr>
-                <a:solidFill>
-                  <a:schemeClr val="tx1"/>
-                </a:solidFill>
-                <a:latin typeface="Calibri" panose="020F0502020204030204" pitchFamily="34" charset="0"/>
+                <a:latin typeface="+mj-lt"/>
+                <a:ea typeface="+mj-ea"/>
+                <a:cs typeface="+mj-cs"/>
               </a:defRPr>
             </a:lvl5pPr>
-            <a:lvl6pPr marL="2514600" indent="-228600" eaLnBrk="0" fontAlgn="base" hangingPunct="0">
-              <a:spcBef>
-                <a:spcPct val="0"/>
-              </a:spcBef>
-              <a:spcAft>
-                <a:spcPct val="0"/>
-              </a:spcAft>
+            <a:lvl6pPr>
               <a:defRPr>
-                <a:solidFill>
-                  <a:schemeClr val="tx1"/>
-                </a:solidFill>
-                <a:latin typeface="Calibri" panose="020F0502020204030204" pitchFamily="34" charset="0"/>
+                <a:latin typeface="+mj-lt"/>
+                <a:ea typeface="+mj-ea"/>
+                <a:cs typeface="+mj-cs"/>
               </a:defRPr>
             </a:lvl6pPr>
-            <a:lvl7pPr marL="2971800" indent="-228600" eaLnBrk="0" fontAlgn="base" hangingPunct="0">
-              <a:spcBef>
-                <a:spcPct val="0"/>
-              </a:spcBef>
-              <a:spcAft>
-                <a:spcPct val="0"/>
-              </a:spcAft>
+            <a:lvl7pPr>
               <a:defRPr>
-                <a:solidFill>
-                  <a:schemeClr val="tx1"/>
-                </a:solidFill>
-                <a:latin typeface="Calibri" panose="020F0502020204030204" pitchFamily="34" charset="0"/>
+                <a:latin typeface="+mj-lt"/>
+                <a:ea typeface="+mj-ea"/>
+                <a:cs typeface="+mj-cs"/>
               </a:defRPr>
             </a:lvl7pPr>
-            <a:lvl8pPr marL="3429000" indent="-228600" eaLnBrk="0" fontAlgn="base" hangingPunct="0">
-              <a:spcBef>
-                <a:spcPct val="0"/>
-              </a:spcBef>
-              <a:spcAft>
-                <a:spcPct val="0"/>
-              </a:spcAft>
+            <a:lvl8pPr>
               <a:defRPr>
-                <a:solidFill>
-                  <a:schemeClr val="tx1"/>
-                </a:solidFill>
-                <a:latin typeface="Calibri" panose="020F0502020204030204" pitchFamily="34" charset="0"/>
+                <a:latin typeface="+mj-lt"/>
+                <a:ea typeface="+mj-ea"/>
+                <a:cs typeface="+mj-cs"/>
               </a:defRPr>
             </a:lvl8pPr>
-            <a:lvl9pPr marL="3886200" indent="-228600" eaLnBrk="0" fontAlgn="base" hangingPunct="0">
-              <a:spcBef>
-                <a:spcPct val="0"/>
-              </a:spcBef>
-              <a:spcAft>
-                <a:spcPct val="0"/>
-              </a:spcAft>
+            <a:lvl9pPr>
               <a:defRPr>
-                <a:solidFill>
-                  <a:schemeClr val="tx1"/>
-                </a:solidFill>
-                <a:latin typeface="Calibri" panose="020F0502020204030204" pitchFamily="34" charset="0"/>
+                <a:latin typeface="+mj-lt"/>
+                <a:ea typeface="+mj-ea"/>
+                <a:cs typeface="+mj-cs"/>
               </a:defRPr>
             </a:lvl9pPr>
           </a:lstStyle>
           <a:p>
-            <a:pPr algn="ctr" eaLnBrk="1" hangingPunct="1"/>
-            <a:r>
-              <a:rPr lang="en-US" altLang="en-US" sz="1100" dirty="0">
+            <a:pPr algn="ctr"/>
+            <a:r>
+              <a:rPr lang="en-US" sz="1100" dirty="0">
                 <a:latin typeface="Arial" panose="020B0604020202020204" pitchFamily="34" charset="0"/>
-                <a:ea typeface="Amazon Ember" panose="020B0603020204020204" pitchFamily="34" charset="0"/>
                 <a:cs typeface="Arial" panose="020B0604020202020204" pitchFamily="34" charset="0"/>
               </a:rPr>
-              <a:t>Global Event Rules</a:t>
-            </a:r>
-          </a:p>
-        </p:txBody>
-      </p:sp>
-      <p:sp>
-        <p:nvSpPr>
-          <p:cNvPr id="59" name="Oval 58">
-            <a:extLst>
-              <a:ext uri="{FF2B5EF4-FFF2-40B4-BE49-F238E27FC236}">
-                <a16:creationId xmlns:a16="http://schemas.microsoft.com/office/drawing/2014/main" id="{8F779713-2E67-6E40-9CD6-D096C25241DE}"/>
+              <a:t>DLQ</a:t>
+            </a:r>
+          </a:p>
+        </p:txBody>
+      </p:sp>
+      <p:cxnSp>
+        <p:nvCxnSpPr>
+          <p:cNvPr id="177" name="Straight Arrow Connector 176">
+            <a:extLst>
+              <a:ext uri="{FF2B5EF4-FFF2-40B4-BE49-F238E27FC236}">
+                <a16:creationId xmlns:a16="http://schemas.microsoft.com/office/drawing/2014/main" id="{0225CBF5-BB10-4359-89C6-047C3F55AE70}"/>
+              </a:ext>
+            </a:extLst>
+          </p:cNvPr>
+          <p:cNvCxnSpPr>
+            <a:cxnSpLocks/>
+          </p:cNvCxnSpPr>
+          <p:nvPr/>
+        </p:nvCxnSpPr>
+        <p:spPr>
+          <a:xfrm>
+            <a:off x="4293186" y="1350805"/>
+            <a:ext cx="318290" cy="2317"/>
+          </a:xfrm>
+          <a:prstGeom prst="straightConnector1">
+            <a:avLst/>
+          </a:prstGeom>
+          <a:ln>
+            <a:tailEnd type="triangle"/>
+          </a:ln>
+        </p:spPr>
+        <p:style>
+          <a:lnRef idx="1">
+            <a:schemeClr val="dk1"/>
+          </a:lnRef>
+          <a:fillRef idx="0">
+            <a:schemeClr val="dk1"/>
+          </a:fillRef>
+          <a:effectRef idx="0">
+            <a:schemeClr val="dk1"/>
+          </a:effectRef>
+          <a:fontRef idx="minor">
+            <a:schemeClr val="tx1"/>
+          </a:fontRef>
+        </p:style>
+      </p:cxnSp>
+      <p:sp>
+        <p:nvSpPr>
+          <p:cNvPr id="178" name="Oval 177">
+            <a:extLst>
+              <a:ext uri="{FF2B5EF4-FFF2-40B4-BE49-F238E27FC236}">
+                <a16:creationId xmlns:a16="http://schemas.microsoft.com/office/drawing/2014/main" id="{1FC34F30-99D6-4BB2-992F-93DA266830C1}"/>
               </a:ext>
             </a:extLst>
           </p:cNvPr>
@@ -6453,7 +5758,7 @@
         </p:nvSpPr>
         <p:spPr>
           <a:xfrm>
-            <a:off x="2282170" y="4990825"/>
+            <a:off x="3134388" y="1461640"/>
             <a:ext cx="253435" cy="212902"/>
           </a:xfrm>
           <a:prstGeom prst="ellipse">
@@ -6494,29 +5799,162 @@
                 <a:latin typeface="Arial" panose="020B0604020202020204" pitchFamily="34" charset="0"/>
                 <a:cs typeface="Arial" panose="020B0604020202020204" pitchFamily="34" charset="0"/>
               </a:rPr>
-              <a:t>1.4</a:t>
-            </a:r>
-          </a:p>
-        </p:txBody>
-      </p:sp>
-      <p:sp>
-        <p:nvSpPr>
-          <p:cNvPr id="68" name="TextBox 29">
-            <a:extLst>
-              <a:ext uri="{FF2B5EF4-FFF2-40B4-BE49-F238E27FC236}">
-                <a16:creationId xmlns:a16="http://schemas.microsoft.com/office/drawing/2014/main" id="{7CEA0EB2-6C8A-B542-9593-BCD9EE8F81BF}"/>
-              </a:ext>
-            </a:extLst>
-          </p:cNvPr>
-          <p:cNvSpPr txBox="1">
-            <a:spLocks noChangeArrowheads="1"/>
-          </p:cNvSpPr>
+              <a:t>1.9</a:t>
+            </a:r>
+          </a:p>
+        </p:txBody>
+      </p:sp>
+      <p:sp>
+        <p:nvSpPr>
+          <p:cNvPr id="179" name="Oval 178">
+            <a:extLst>
+              <a:ext uri="{FF2B5EF4-FFF2-40B4-BE49-F238E27FC236}">
+                <a16:creationId xmlns:a16="http://schemas.microsoft.com/office/drawing/2014/main" id="{5B7ECA28-93B0-4963-B2E8-8D7305305FA4}"/>
+              </a:ext>
+            </a:extLst>
+          </p:cNvPr>
+          <p:cNvSpPr/>
           <p:nvPr/>
         </p:nvSpPr>
+        <p:spPr>
+          <a:xfrm>
+            <a:off x="4074602" y="1040777"/>
+            <a:ext cx="253435" cy="212902"/>
+          </a:xfrm>
+          <a:prstGeom prst="ellipse">
+            <a:avLst/>
+          </a:prstGeom>
+          <a:solidFill>
+            <a:schemeClr val="tx1"/>
+          </a:solidFill>
+          <a:ln>
+            <a:solidFill>
+              <a:schemeClr val="tx1"/>
+            </a:solidFill>
+          </a:ln>
+        </p:spPr>
+        <p:style>
+          <a:lnRef idx="2">
+            <a:schemeClr val="accent1">
+              <a:shade val="50000"/>
+            </a:schemeClr>
+          </a:lnRef>
+          <a:fillRef idx="1">
+            <a:schemeClr val="accent1"/>
+          </a:fillRef>
+          <a:effectRef idx="0">
+            <a:schemeClr val="accent1"/>
+          </a:effectRef>
+          <a:fontRef idx="minor">
+            <a:schemeClr val="lt1"/>
+          </a:fontRef>
+        </p:style>
+        <p:txBody>
+          <a:bodyPr lIns="0" tIns="0" rIns="0" bIns="0" rtlCol="0" anchor="ctr"/>
+          <a:lstStyle/>
+          <a:p>
+            <a:pPr algn="ctr"/>
+            <a:r>
+              <a:rPr lang="en-US" sz="800" dirty="0">
+                <a:latin typeface="Arial" panose="020B0604020202020204" pitchFamily="34" charset="0"/>
+                <a:cs typeface="Arial" panose="020B0604020202020204" pitchFamily="34" charset="0"/>
+              </a:rPr>
+              <a:t>1.5</a:t>
+            </a:r>
+          </a:p>
+        </p:txBody>
+      </p:sp>
+      <p:sp>
+        <p:nvSpPr>
+          <p:cNvPr id="180" name="Oval 179">
+            <a:extLst>
+              <a:ext uri="{FF2B5EF4-FFF2-40B4-BE49-F238E27FC236}">
+                <a16:creationId xmlns:a16="http://schemas.microsoft.com/office/drawing/2014/main" id="{37536615-6F54-4BA3-8879-9B12ADE0D26B}"/>
+              </a:ext>
+            </a:extLst>
+          </p:cNvPr>
+          <p:cNvSpPr/>
+          <p:nvPr/>
+        </p:nvSpPr>
+        <p:spPr>
+          <a:xfrm>
+            <a:off x="4994694" y="1007953"/>
+            <a:ext cx="253435" cy="212902"/>
+          </a:xfrm>
+          <a:prstGeom prst="ellipse">
+            <a:avLst/>
+          </a:prstGeom>
+          <a:solidFill>
+            <a:schemeClr val="tx1"/>
+          </a:solidFill>
+          <a:ln>
+            <a:solidFill>
+              <a:schemeClr val="tx1"/>
+            </a:solidFill>
+          </a:ln>
+        </p:spPr>
+        <p:style>
+          <a:lnRef idx="2">
+            <a:schemeClr val="accent1">
+              <a:shade val="50000"/>
+            </a:schemeClr>
+          </a:lnRef>
+          <a:fillRef idx="1">
+            <a:schemeClr val="accent1"/>
+          </a:fillRef>
+          <a:effectRef idx="0">
+            <a:schemeClr val="accent1"/>
+          </a:effectRef>
+          <a:fontRef idx="minor">
+            <a:schemeClr val="lt1"/>
+          </a:fontRef>
+        </p:style>
+        <p:txBody>
+          <a:bodyPr lIns="0" tIns="0" rIns="0" bIns="0" rtlCol="0" anchor="ctr"/>
+          <a:lstStyle/>
+          <a:p>
+            <a:pPr algn="ctr"/>
+            <a:r>
+              <a:rPr lang="en-US" sz="800" dirty="0">
+                <a:latin typeface="Arial" panose="020B0604020202020204" pitchFamily="34" charset="0"/>
+                <a:cs typeface="Arial" panose="020B0604020202020204" pitchFamily="34" charset="0"/>
+              </a:rPr>
+              <a:t>1.8</a:t>
+            </a:r>
+          </a:p>
+        </p:txBody>
+      </p:sp>
+      <p:pic>
+        <p:nvPicPr>
+          <p:cNvPr id="181" name="Graphic 21">
+            <a:extLst>
+              <a:ext uri="{FF2B5EF4-FFF2-40B4-BE49-F238E27FC236}">
+                <a16:creationId xmlns:a16="http://schemas.microsoft.com/office/drawing/2014/main" id="{F04D5D90-2793-4944-9ABC-BF17DE23AB69}"/>
+              </a:ext>
+            </a:extLst>
+          </p:cNvPr>
+          <p:cNvPicPr>
+            <a:picLocks noChangeAspect="1" noChangeArrowheads="1"/>
+          </p:cNvPicPr>
+          <p:nvPr/>
+        </p:nvPicPr>
+        <p:blipFill>
+          <a:blip r:embed="rId10">
+            <a:extLst>
+              <a:ext uri="{28A0092B-C50C-407E-A947-70E740481C1C}">
+                <a14:useLocalDpi xmlns:a14="http://schemas.microsoft.com/office/drawing/2010/main"/>
+              </a:ext>
+            </a:extLst>
+          </a:blip>
+          <a:srcRect/>
+          <a:stretch>
+            <a:fillRect/>
+          </a:stretch>
+        </p:blipFill>
         <p:spPr bwMode="auto">
           <a:xfrm>
-            <a:off x="874544" y="4534206"/>
-            <a:ext cx="1119613" cy="261610"/>
+            <a:off x="1603306" y="1590016"/>
+            <a:ext cx="457200" cy="457200"/>
           </a:xfrm>
           <a:prstGeom prst="rect">
             <a:avLst/>
@@ -6545,127 +5983,792 @@
             </a:ext>
           </a:extLst>
         </p:spPr>
-        <p:txBody>
-          <a:bodyPr wrap="square">
-            <a:spAutoFit/>
-          </a:bodyPr>
-          <a:lstStyle>
-            <a:lvl1pPr>
-              <a:defRPr>
-                <a:solidFill>
-                  <a:schemeClr val="tx1"/>
-                </a:solidFill>
-                <a:latin typeface="Calibri" panose="020F0502020204030204" pitchFamily="34" charset="0"/>
-              </a:defRPr>
-            </a:lvl1pPr>
-            <a:lvl2pPr marL="742950" indent="-285750">
-              <a:defRPr>
-                <a:solidFill>
-                  <a:schemeClr val="tx1"/>
-                </a:solidFill>
-                <a:latin typeface="Calibri" panose="020F0502020204030204" pitchFamily="34" charset="0"/>
-              </a:defRPr>
-            </a:lvl2pPr>
-            <a:lvl3pPr marL="1143000" indent="-228600">
-              <a:defRPr>
-                <a:solidFill>
-                  <a:schemeClr val="tx1"/>
-                </a:solidFill>
-                <a:latin typeface="Calibri" panose="020F0502020204030204" pitchFamily="34" charset="0"/>
-              </a:defRPr>
-            </a:lvl3pPr>
-            <a:lvl4pPr marL="1600200" indent="-228600">
-              <a:defRPr>
-                <a:solidFill>
-                  <a:schemeClr val="tx1"/>
-                </a:solidFill>
-                <a:latin typeface="Calibri" panose="020F0502020204030204" pitchFamily="34" charset="0"/>
-              </a:defRPr>
-            </a:lvl4pPr>
-            <a:lvl5pPr marL="2057400" indent="-228600">
-              <a:defRPr>
-                <a:solidFill>
-                  <a:schemeClr val="tx1"/>
-                </a:solidFill>
-                <a:latin typeface="Calibri" panose="020F0502020204030204" pitchFamily="34" charset="0"/>
-              </a:defRPr>
-            </a:lvl5pPr>
-            <a:lvl6pPr marL="2514600" indent="-228600" eaLnBrk="0" fontAlgn="base" hangingPunct="0">
+      </p:pic>
+      <p:sp>
+        <p:nvSpPr>
+          <p:cNvPr id="182" name="Oval 181">
+            <a:extLst>
+              <a:ext uri="{FF2B5EF4-FFF2-40B4-BE49-F238E27FC236}">
+                <a16:creationId xmlns:a16="http://schemas.microsoft.com/office/drawing/2014/main" id="{18FDB5AD-E3D4-4706-82AE-82DF144ADCD0}"/>
+              </a:ext>
+            </a:extLst>
+          </p:cNvPr>
+          <p:cNvSpPr/>
+          <p:nvPr/>
+        </p:nvSpPr>
+        <p:spPr>
+          <a:xfrm>
+            <a:off x="1422534" y="1461775"/>
+            <a:ext cx="253435" cy="212902"/>
+          </a:xfrm>
+          <a:prstGeom prst="ellipse">
+            <a:avLst/>
+          </a:prstGeom>
+          <a:solidFill>
+            <a:schemeClr val="tx1"/>
+          </a:solidFill>
+          <a:ln>
+            <a:solidFill>
+              <a:schemeClr val="tx1"/>
+            </a:solidFill>
+          </a:ln>
+        </p:spPr>
+        <p:style>
+          <a:lnRef idx="2">
+            <a:schemeClr val="accent1">
+              <a:shade val="50000"/>
+            </a:schemeClr>
+          </a:lnRef>
+          <a:fillRef idx="1">
+            <a:schemeClr val="accent1"/>
+          </a:fillRef>
+          <a:effectRef idx="0">
+            <a:schemeClr val="accent1"/>
+          </a:effectRef>
+          <a:fontRef idx="minor">
+            <a:schemeClr val="lt1"/>
+          </a:fontRef>
+        </p:style>
+        <p:txBody>
+          <a:bodyPr lIns="0" tIns="0" rIns="0" bIns="0" rtlCol="0" anchor="ctr"/>
+          <a:lstStyle/>
+          <a:p>
+            <a:pPr algn="ctr"/>
+            <a:r>
+              <a:rPr lang="en-US" sz="800" dirty="0">
+                <a:latin typeface="Arial" panose="020B0604020202020204" pitchFamily="34" charset="0"/>
+                <a:cs typeface="Arial" panose="020B0604020202020204" pitchFamily="34" charset="0"/>
+              </a:rPr>
+              <a:t>1.1</a:t>
+            </a:r>
+          </a:p>
+        </p:txBody>
+      </p:sp>
+      <p:sp>
+        <p:nvSpPr>
+          <p:cNvPr id="183" name="Rectangle 182">
+            <a:extLst>
+              <a:ext uri="{FF2B5EF4-FFF2-40B4-BE49-F238E27FC236}">
+                <a16:creationId xmlns:a16="http://schemas.microsoft.com/office/drawing/2014/main" id="{EC843FDC-1736-4CC4-9810-8B8443E2C9F2}"/>
+              </a:ext>
+            </a:extLst>
+          </p:cNvPr>
+          <p:cNvSpPr/>
+          <p:nvPr/>
+        </p:nvSpPr>
+        <p:spPr>
+          <a:xfrm>
+            <a:off x="1311204" y="961325"/>
+            <a:ext cx="4168056" cy="3409580"/>
+          </a:xfrm>
+          <a:prstGeom prst="rect">
+            <a:avLst/>
+          </a:prstGeom>
+          <a:noFill/>
+          <a:ln w="12700">
+            <a:solidFill>
+              <a:srgbClr val="5B9CD5"/>
+            </a:solidFill>
+            <a:prstDash val="sysDash"/>
+          </a:ln>
+        </p:spPr>
+        <p:style>
+          <a:lnRef idx="2">
+            <a:schemeClr val="accent1">
+              <a:shade val="50000"/>
+            </a:schemeClr>
+          </a:lnRef>
+          <a:fillRef idx="1">
+            <a:schemeClr val="accent1"/>
+          </a:fillRef>
+          <a:effectRef idx="0">
+            <a:schemeClr val="accent1"/>
+          </a:effectRef>
+          <a:fontRef idx="minor">
+            <a:schemeClr val="lt1"/>
+          </a:fontRef>
+        </p:style>
+        <p:txBody>
+          <a:bodyPr lIns="502920" tIns="91440"/>
+          <a:lstStyle/>
+          <a:p>
+            <a:pPr eaLnBrk="1" fontAlgn="auto" hangingPunct="1">
               <a:spcBef>
-                <a:spcPct val="0"/>
+                <a:spcPts val="0"/>
               </a:spcBef>
               <a:spcAft>
-                <a:spcPct val="0"/>
+                <a:spcPts val="0"/>
               </a:spcAft>
-              <a:defRPr>
+              <a:defRPr/>
+            </a:pPr>
+            <a:r>
+              <a:rPr lang="en-US" sz="1200" dirty="0">
                 <a:solidFill>
-                  <a:schemeClr val="tx1"/>
+                  <a:srgbClr val="5B9CD5"/>
                 </a:solidFill>
-                <a:latin typeface="Calibri" panose="020F0502020204030204" pitchFamily="34" charset="0"/>
-              </a:defRPr>
-            </a:lvl6pPr>
-            <a:lvl7pPr marL="2971800" indent="-228600" eaLnBrk="0" fontAlgn="base" hangingPunct="0">
+                <a:latin typeface="Arial" panose="020B0604020202020204" pitchFamily="34" charset="0"/>
+                <a:cs typeface="Arial" panose="020B0604020202020204" pitchFamily="34" charset="0"/>
+              </a:rPr>
+              <a:t>Home Region</a:t>
+            </a:r>
+          </a:p>
+        </p:txBody>
+      </p:sp>
+      <p:pic>
+        <p:nvPicPr>
+          <p:cNvPr id="184" name="Graphic 183">
+            <a:extLst>
+              <a:ext uri="{FF2B5EF4-FFF2-40B4-BE49-F238E27FC236}">
+                <a16:creationId xmlns:a16="http://schemas.microsoft.com/office/drawing/2014/main" id="{8764A8F9-905B-45B2-A0CE-2E34030A2962}"/>
+              </a:ext>
+            </a:extLst>
+          </p:cNvPr>
+          <p:cNvPicPr>
+            <a:picLocks noChangeAspect="1"/>
+          </p:cNvPicPr>
+          <p:nvPr/>
+        </p:nvPicPr>
+        <p:blipFill>
+          <a:blip r:embed="rId11">
+            <a:extLst>
+              <a:ext uri="{96DAC541-7B7A-43D3-8B79-37D633B846F1}">
+                <asvg:svgBlip xmlns:asvg="http://schemas.microsoft.com/office/drawing/2016/SVG/main" r:embed="rId12"/>
+              </a:ext>
+            </a:extLst>
+          </a:blip>
+          <a:stretch>
+            <a:fillRect/>
+          </a:stretch>
+        </p:blipFill>
+        <p:spPr>
+          <a:xfrm>
+            <a:off x="1302259" y="954831"/>
+            <a:ext cx="391567" cy="391567"/>
+          </a:xfrm>
+          <a:prstGeom prst="rect">
+            <a:avLst/>
+          </a:prstGeom>
+        </p:spPr>
+      </p:pic>
+      <p:pic>
+        <p:nvPicPr>
+          <p:cNvPr id="186" name="Graphic 185">
+            <a:extLst>
+              <a:ext uri="{FF2B5EF4-FFF2-40B4-BE49-F238E27FC236}">
+                <a16:creationId xmlns:a16="http://schemas.microsoft.com/office/drawing/2014/main" id="{99F3122E-74F7-44EB-8B74-2227DA073F67}"/>
+              </a:ext>
+            </a:extLst>
+          </p:cNvPr>
+          <p:cNvPicPr>
+            <a:picLocks noChangeAspect="1"/>
+          </p:cNvPicPr>
+          <p:nvPr/>
+        </p:nvPicPr>
+        <p:blipFill>
+          <a:blip r:embed="rId13">
+            <a:extLst>
+              <a:ext uri="{96DAC541-7B7A-43D3-8B79-37D633B846F1}">
+                <asvg:svgBlip xmlns:asvg="http://schemas.microsoft.com/office/drawing/2016/SVG/main" r:embed="rId14"/>
+              </a:ext>
+            </a:extLst>
+          </a:blip>
+          <a:srcRect/>
+          <a:stretch/>
+        </p:blipFill>
+        <p:spPr>
+          <a:xfrm>
+            <a:off x="503605" y="158631"/>
+            <a:ext cx="381000" cy="381000"/>
+          </a:xfrm>
+          <a:prstGeom prst="rect">
+            <a:avLst/>
+          </a:prstGeom>
+        </p:spPr>
+      </p:pic>
+      <p:sp>
+        <p:nvSpPr>
+          <p:cNvPr id="187" name="Rectangle 186">
+            <a:extLst>
+              <a:ext uri="{FF2B5EF4-FFF2-40B4-BE49-F238E27FC236}">
+                <a16:creationId xmlns:a16="http://schemas.microsoft.com/office/drawing/2014/main" id="{6A0E8A90-7AC4-4A62-AFA9-3B09D04DB45D}"/>
+              </a:ext>
+            </a:extLst>
+          </p:cNvPr>
+          <p:cNvSpPr/>
+          <p:nvPr/>
+        </p:nvSpPr>
+        <p:spPr>
+          <a:xfrm>
+            <a:off x="897716" y="562066"/>
+            <a:ext cx="6458198" cy="5017467"/>
+          </a:xfrm>
+          <a:prstGeom prst="rect">
+            <a:avLst/>
+          </a:prstGeom>
+          <a:noFill/>
+          <a:ln w="12700">
+            <a:solidFill>
+              <a:srgbClr val="CD2264"/>
+            </a:solidFill>
+          </a:ln>
+        </p:spPr>
+        <p:style>
+          <a:lnRef idx="2">
+            <a:schemeClr val="accent1">
+              <a:shade val="50000"/>
+            </a:schemeClr>
+          </a:lnRef>
+          <a:fillRef idx="1">
+            <a:schemeClr val="accent1"/>
+          </a:fillRef>
+          <a:effectRef idx="0">
+            <a:schemeClr val="accent1"/>
+          </a:effectRef>
+          <a:fontRef idx="minor">
+            <a:schemeClr val="lt1"/>
+          </a:fontRef>
+        </p:style>
+        <p:txBody>
+          <a:bodyPr lIns="502920" tIns="91440"/>
+          <a:lstStyle/>
+          <a:p>
+            <a:pPr eaLnBrk="1" fontAlgn="auto" hangingPunct="1">
               <a:spcBef>
-                <a:spcPct val="0"/>
+                <a:spcPts val="0"/>
               </a:spcBef>
               <a:spcAft>
-                <a:spcPct val="0"/>
+                <a:spcPts val="0"/>
               </a:spcAft>
-              <a:defRPr>
+              <a:defRPr/>
+            </a:pPr>
+            <a:r>
+              <a:rPr lang="en-US" sz="1200" dirty="0">
                 <a:solidFill>
-                  <a:schemeClr val="tx1"/>
+                  <a:srgbClr val="CD2264"/>
                 </a:solidFill>
-                <a:latin typeface="Calibri" panose="020F0502020204030204" pitchFamily="34" charset="0"/>
-              </a:defRPr>
-            </a:lvl7pPr>
-            <a:lvl8pPr marL="3429000" indent="-228600" eaLnBrk="0" fontAlgn="base" hangingPunct="0">
+                <a:latin typeface="Arial" panose="020B0604020202020204" pitchFamily="34" charset="0"/>
+                <a:cs typeface="Arial" panose="020B0604020202020204" pitchFamily="34" charset="0"/>
+              </a:rPr>
+              <a:t>Organization Management Account (OU: Root)</a:t>
+            </a:r>
+          </a:p>
+        </p:txBody>
+      </p:sp>
+      <p:pic>
+        <p:nvPicPr>
+          <p:cNvPr id="188" name="Graphic 187">
+            <a:extLst>
+              <a:ext uri="{FF2B5EF4-FFF2-40B4-BE49-F238E27FC236}">
+                <a16:creationId xmlns:a16="http://schemas.microsoft.com/office/drawing/2014/main" id="{6D07FBDF-B9AD-449F-9874-208C2E86E995}"/>
+              </a:ext>
+            </a:extLst>
+          </p:cNvPr>
+          <p:cNvPicPr>
+            <a:picLocks noChangeAspect="1"/>
+          </p:cNvPicPr>
+          <p:nvPr/>
+        </p:nvPicPr>
+        <p:blipFill>
+          <a:blip r:embed="rId15">
+            <a:extLst>
+              <a:ext uri="{96DAC541-7B7A-43D3-8B79-37D633B846F1}">
+                <asvg:svgBlip xmlns:asvg="http://schemas.microsoft.com/office/drawing/2016/SVG/main" r:embed="rId16"/>
+              </a:ext>
+            </a:extLst>
+          </a:blip>
+          <a:stretch>
+            <a:fillRect/>
+          </a:stretch>
+        </p:blipFill>
+        <p:spPr>
+          <a:xfrm>
+            <a:off x="894699" y="562066"/>
+            <a:ext cx="381000" cy="381000"/>
+          </a:xfrm>
+          <a:prstGeom prst="rect">
+            <a:avLst/>
+          </a:prstGeom>
+        </p:spPr>
+      </p:pic>
+      <p:sp>
+        <p:nvSpPr>
+          <p:cNvPr id="189" name="Oval 188">
+            <a:extLst>
+              <a:ext uri="{FF2B5EF4-FFF2-40B4-BE49-F238E27FC236}">
+                <a16:creationId xmlns:a16="http://schemas.microsoft.com/office/drawing/2014/main" id="{AEF68630-5A4E-4350-928C-A6B6BD39F043}"/>
+              </a:ext>
+            </a:extLst>
+          </p:cNvPr>
+          <p:cNvSpPr/>
+          <p:nvPr/>
+        </p:nvSpPr>
+        <p:spPr>
+          <a:xfrm>
+            <a:off x="969447" y="902455"/>
+            <a:ext cx="253435" cy="212902"/>
+          </a:xfrm>
+          <a:prstGeom prst="ellipse">
+            <a:avLst/>
+          </a:prstGeom>
+          <a:solidFill>
+            <a:schemeClr val="tx1"/>
+          </a:solidFill>
+          <a:ln>
+            <a:solidFill>
+              <a:schemeClr val="tx1"/>
+            </a:solidFill>
+          </a:ln>
+        </p:spPr>
+        <p:style>
+          <a:lnRef idx="2">
+            <a:schemeClr val="accent1">
+              <a:shade val="50000"/>
+            </a:schemeClr>
+          </a:lnRef>
+          <a:fillRef idx="1">
+            <a:schemeClr val="accent1"/>
+          </a:fillRef>
+          <a:effectRef idx="0">
+            <a:schemeClr val="accent1"/>
+          </a:effectRef>
+          <a:fontRef idx="minor">
+            <a:schemeClr val="lt1"/>
+          </a:fontRef>
+        </p:style>
+        <p:txBody>
+          <a:bodyPr lIns="0" tIns="0" rIns="0" bIns="0" rtlCol="0" anchor="ctr"/>
+          <a:lstStyle/>
+          <a:p>
+            <a:pPr algn="ctr"/>
+            <a:r>
+              <a:rPr lang="en-US" sz="800" dirty="0">
+                <a:latin typeface="Arial" panose="020B0604020202020204" pitchFamily="34" charset="0"/>
+                <a:cs typeface="Arial" panose="020B0604020202020204" pitchFamily="34" charset="0"/>
+              </a:rPr>
+              <a:t>1.0</a:t>
+            </a:r>
+          </a:p>
+        </p:txBody>
+      </p:sp>
+      <p:cxnSp>
+        <p:nvCxnSpPr>
+          <p:cNvPr id="190" name="Straight Arrow Connector 189">
+            <a:extLst>
+              <a:ext uri="{FF2B5EF4-FFF2-40B4-BE49-F238E27FC236}">
+                <a16:creationId xmlns:a16="http://schemas.microsoft.com/office/drawing/2014/main" id="{B261C502-1703-4052-A707-386624B6CC77}"/>
+              </a:ext>
+            </a:extLst>
+          </p:cNvPr>
+          <p:cNvCxnSpPr>
+            <a:cxnSpLocks/>
+            <a:stCxn id="165" idx="2"/>
+          </p:cNvCxnSpPr>
+          <p:nvPr/>
+        </p:nvCxnSpPr>
+        <p:spPr>
+          <a:xfrm>
+            <a:off x="3922096" y="2961967"/>
+            <a:ext cx="0" cy="405061"/>
+          </a:xfrm>
+          <a:prstGeom prst="straightConnector1">
+            <a:avLst/>
+          </a:prstGeom>
+          <a:ln>
+            <a:tailEnd type="triangle"/>
+          </a:ln>
+        </p:spPr>
+        <p:style>
+          <a:lnRef idx="1">
+            <a:schemeClr val="dk1"/>
+          </a:lnRef>
+          <a:fillRef idx="0">
+            <a:schemeClr val="dk1"/>
+          </a:fillRef>
+          <a:effectRef idx="0">
+            <a:schemeClr val="dk1"/>
+          </a:effectRef>
+          <a:fontRef idx="minor">
+            <a:schemeClr val="tx1"/>
+          </a:fontRef>
+        </p:style>
+      </p:cxnSp>
+      <p:sp>
+        <p:nvSpPr>
+          <p:cNvPr id="194" name="Rectangle 193">
+            <a:extLst>
+              <a:ext uri="{FF2B5EF4-FFF2-40B4-BE49-F238E27FC236}">
+                <a16:creationId xmlns:a16="http://schemas.microsoft.com/office/drawing/2014/main" id="{92B53951-77F6-4B15-8F3C-E487EFCA8582}"/>
+              </a:ext>
+            </a:extLst>
+          </p:cNvPr>
+          <p:cNvSpPr/>
+          <p:nvPr/>
+        </p:nvSpPr>
+        <p:spPr>
+          <a:xfrm>
+            <a:off x="7826406" y="1162291"/>
+            <a:ext cx="1576431" cy="3208614"/>
+          </a:xfrm>
+          <a:prstGeom prst="rect">
+            <a:avLst/>
+          </a:prstGeom>
+          <a:noFill/>
+          <a:ln w="12700">
+            <a:solidFill>
+              <a:srgbClr val="5B9CD5"/>
+            </a:solidFill>
+            <a:prstDash val="sysDash"/>
+          </a:ln>
+        </p:spPr>
+        <p:style>
+          <a:lnRef idx="2">
+            <a:schemeClr val="accent1">
+              <a:shade val="50000"/>
+            </a:schemeClr>
+          </a:lnRef>
+          <a:fillRef idx="1">
+            <a:schemeClr val="accent1"/>
+          </a:fillRef>
+          <a:effectRef idx="0">
+            <a:schemeClr val="accent1"/>
+          </a:effectRef>
+          <a:fontRef idx="minor">
+            <a:schemeClr val="lt1"/>
+          </a:fontRef>
+        </p:style>
+        <p:txBody>
+          <a:bodyPr lIns="502920" tIns="91440"/>
+          <a:lstStyle/>
+          <a:p>
+            <a:pPr eaLnBrk="1" fontAlgn="auto" hangingPunct="1">
               <a:spcBef>
-                <a:spcPct val="0"/>
+                <a:spcPts val="0"/>
               </a:spcBef>
               <a:spcAft>
-                <a:spcPct val="0"/>
+                <a:spcPts val="0"/>
               </a:spcAft>
-              <a:defRPr>
+              <a:defRPr/>
+            </a:pPr>
+            <a:r>
+              <a:rPr lang="en-US" sz="1200" dirty="0">
                 <a:solidFill>
-                  <a:schemeClr val="tx1"/>
+                  <a:srgbClr val="5B9CD5"/>
                 </a:solidFill>
-                <a:latin typeface="Calibri" panose="020F0502020204030204" pitchFamily="34" charset="0"/>
-              </a:defRPr>
-            </a:lvl8pPr>
-            <a:lvl9pPr marL="3886200" indent="-228600" eaLnBrk="0" fontAlgn="base" hangingPunct="0">
+                <a:latin typeface="Arial" panose="020B0604020202020204" pitchFamily="34" charset="0"/>
+                <a:cs typeface="Arial" panose="020B0604020202020204" pitchFamily="34" charset="0"/>
+              </a:rPr>
+              <a:t>Home Region</a:t>
+            </a:r>
+          </a:p>
+        </p:txBody>
+      </p:sp>
+      <p:pic>
+        <p:nvPicPr>
+          <p:cNvPr id="195" name="Graphic 194">
+            <a:extLst>
+              <a:ext uri="{FF2B5EF4-FFF2-40B4-BE49-F238E27FC236}">
+                <a16:creationId xmlns:a16="http://schemas.microsoft.com/office/drawing/2014/main" id="{8CA760F4-4679-4FDA-A91E-A3DD0CF51B9B}"/>
+              </a:ext>
+            </a:extLst>
+          </p:cNvPr>
+          <p:cNvPicPr>
+            <a:picLocks noChangeAspect="1"/>
+          </p:cNvPicPr>
+          <p:nvPr/>
+        </p:nvPicPr>
+        <p:blipFill>
+          <a:blip r:embed="rId11">
+            <a:extLst>
+              <a:ext uri="{96DAC541-7B7A-43D3-8B79-37D633B846F1}">
+                <asvg:svgBlip xmlns:asvg="http://schemas.microsoft.com/office/drawing/2016/SVG/main" r:embed="rId12"/>
+              </a:ext>
+            </a:extLst>
+          </a:blip>
+          <a:stretch>
+            <a:fillRect/>
+          </a:stretch>
+        </p:blipFill>
+        <p:spPr>
+          <a:xfrm>
+            <a:off x="7816336" y="1155797"/>
+            <a:ext cx="391567" cy="391567"/>
+          </a:xfrm>
+          <a:prstGeom prst="rect">
+            <a:avLst/>
+          </a:prstGeom>
+        </p:spPr>
+      </p:pic>
+      <p:sp>
+        <p:nvSpPr>
+          <p:cNvPr id="196" name="Rectangle 195">
+            <a:extLst>
+              <a:ext uri="{FF2B5EF4-FFF2-40B4-BE49-F238E27FC236}">
+                <a16:creationId xmlns:a16="http://schemas.microsoft.com/office/drawing/2014/main" id="{4F69171F-2D39-4464-82EC-7B1CF86FC061}"/>
+              </a:ext>
+            </a:extLst>
+          </p:cNvPr>
+          <p:cNvSpPr/>
+          <p:nvPr/>
+        </p:nvSpPr>
+        <p:spPr>
+          <a:xfrm>
+            <a:off x="7451111" y="562687"/>
+            <a:ext cx="3701075" cy="5016846"/>
+          </a:xfrm>
+          <a:prstGeom prst="rect">
+            <a:avLst/>
+          </a:prstGeom>
+          <a:noFill/>
+          <a:ln w="12700">
+            <a:solidFill>
+              <a:srgbClr val="CD2264"/>
+            </a:solidFill>
+          </a:ln>
+        </p:spPr>
+        <p:style>
+          <a:lnRef idx="2">
+            <a:schemeClr val="accent1">
+              <a:shade val="50000"/>
+            </a:schemeClr>
+          </a:lnRef>
+          <a:fillRef idx="1">
+            <a:schemeClr val="accent1"/>
+          </a:fillRef>
+          <a:effectRef idx="0">
+            <a:schemeClr val="accent1"/>
+          </a:effectRef>
+          <a:fontRef idx="minor">
+            <a:schemeClr val="lt1"/>
+          </a:fontRef>
+        </p:style>
+        <p:txBody>
+          <a:bodyPr lIns="502920" tIns="91440"/>
+          <a:lstStyle/>
+          <a:p>
+            <a:pPr>
+              <a:defRPr/>
+            </a:pPr>
+            <a:r>
+              <a:rPr lang="en-US" sz="1200" dirty="0">
+                <a:solidFill>
+                  <a:srgbClr val="CD2264"/>
+                </a:solidFill>
+                <a:latin typeface="Arial" panose="020B0604020202020204" pitchFamily="34" charset="0"/>
+                <a:cs typeface="Arial" panose="020B0604020202020204" pitchFamily="34" charset="0"/>
+              </a:rPr>
+              <a:t>All Existing and Future Organization Member Accounts</a:t>
+            </a:r>
+          </a:p>
+        </p:txBody>
+      </p:sp>
+      <p:pic>
+        <p:nvPicPr>
+          <p:cNvPr id="197" name="Graphic 196">
+            <a:extLst>
+              <a:ext uri="{FF2B5EF4-FFF2-40B4-BE49-F238E27FC236}">
+                <a16:creationId xmlns:a16="http://schemas.microsoft.com/office/drawing/2014/main" id="{71A92FA8-71EC-4F96-BC84-E96AFF2DAB8E}"/>
+              </a:ext>
+            </a:extLst>
+          </p:cNvPr>
+          <p:cNvPicPr>
+            <a:picLocks noChangeAspect="1"/>
+          </p:cNvPicPr>
+          <p:nvPr/>
+        </p:nvPicPr>
+        <p:blipFill>
+          <a:blip r:embed="rId15">
+            <a:extLst>
+              <a:ext uri="{96DAC541-7B7A-43D3-8B79-37D633B846F1}">
+                <asvg:svgBlip xmlns:asvg="http://schemas.microsoft.com/office/drawing/2016/SVG/main" r:embed="rId16"/>
+              </a:ext>
+            </a:extLst>
+          </a:blip>
+          <a:stretch>
+            <a:fillRect/>
+          </a:stretch>
+        </p:blipFill>
+        <p:spPr>
+          <a:xfrm>
+            <a:off x="7451112" y="559830"/>
+            <a:ext cx="381000" cy="381000"/>
+          </a:xfrm>
+          <a:prstGeom prst="rect">
+            <a:avLst/>
+          </a:prstGeom>
+        </p:spPr>
+      </p:pic>
+      <p:sp>
+        <p:nvSpPr>
+          <p:cNvPr id="198" name="Oval 197">
+            <a:extLst>
+              <a:ext uri="{FF2B5EF4-FFF2-40B4-BE49-F238E27FC236}">
+                <a16:creationId xmlns:a16="http://schemas.microsoft.com/office/drawing/2014/main" id="{3D17ADC5-0F50-40A3-BB20-AD4E52D41AFC}"/>
+              </a:ext>
+            </a:extLst>
+          </p:cNvPr>
+          <p:cNvSpPr/>
+          <p:nvPr/>
+        </p:nvSpPr>
+        <p:spPr>
+          <a:xfrm>
+            <a:off x="7525860" y="900219"/>
+            <a:ext cx="253435" cy="212902"/>
+          </a:xfrm>
+          <a:prstGeom prst="ellipse">
+            <a:avLst/>
+          </a:prstGeom>
+          <a:solidFill>
+            <a:schemeClr val="tx1"/>
+          </a:solidFill>
+          <a:ln>
+            <a:solidFill>
+              <a:schemeClr val="tx1"/>
+            </a:solidFill>
+          </a:ln>
+        </p:spPr>
+        <p:style>
+          <a:lnRef idx="2">
+            <a:schemeClr val="accent1">
+              <a:shade val="50000"/>
+            </a:schemeClr>
+          </a:lnRef>
+          <a:fillRef idx="1">
+            <a:schemeClr val="accent1"/>
+          </a:fillRef>
+          <a:effectRef idx="0">
+            <a:schemeClr val="accent1"/>
+          </a:effectRef>
+          <a:fontRef idx="minor">
+            <a:schemeClr val="lt1"/>
+          </a:fontRef>
+        </p:style>
+        <p:txBody>
+          <a:bodyPr lIns="0" tIns="0" rIns="0" bIns="0" rtlCol="0" anchor="ctr"/>
+          <a:lstStyle/>
+          <a:p>
+            <a:pPr algn="ctr"/>
+            <a:r>
+              <a:rPr lang="en-US" sz="800" dirty="0">
+                <a:latin typeface="Arial" panose="020B0604020202020204" pitchFamily="34" charset="0"/>
+                <a:cs typeface="Arial" panose="020B0604020202020204" pitchFamily="34" charset="0"/>
+              </a:rPr>
+              <a:t>2.0</a:t>
+            </a:r>
+          </a:p>
+        </p:txBody>
+      </p:sp>
+      <p:sp>
+        <p:nvSpPr>
+          <p:cNvPr id="202" name="Rectangle 201">
+            <a:extLst>
+              <a:ext uri="{FF2B5EF4-FFF2-40B4-BE49-F238E27FC236}">
+                <a16:creationId xmlns:a16="http://schemas.microsoft.com/office/drawing/2014/main" id="{C16F98DA-F02E-4DCB-AAA4-B1DE24DABA41}"/>
+              </a:ext>
+            </a:extLst>
+          </p:cNvPr>
+          <p:cNvSpPr/>
+          <p:nvPr/>
+        </p:nvSpPr>
+        <p:spPr>
+          <a:xfrm>
+            <a:off x="1315352" y="4462325"/>
+            <a:ext cx="5920149" cy="972968"/>
+          </a:xfrm>
+          <a:prstGeom prst="rect">
+            <a:avLst/>
+          </a:prstGeom>
+          <a:noFill/>
+          <a:ln w="12700">
+            <a:solidFill>
+              <a:srgbClr val="5B9CD5"/>
+            </a:solidFill>
+            <a:prstDash val="sysDash"/>
+          </a:ln>
+        </p:spPr>
+        <p:style>
+          <a:lnRef idx="2">
+            <a:schemeClr val="accent1">
+              <a:shade val="50000"/>
+            </a:schemeClr>
+          </a:lnRef>
+          <a:fillRef idx="1">
+            <a:schemeClr val="accent1"/>
+          </a:fillRef>
+          <a:effectRef idx="0">
+            <a:schemeClr val="accent1"/>
+          </a:effectRef>
+          <a:fontRef idx="minor">
+            <a:schemeClr val="lt1"/>
+          </a:fontRef>
+        </p:style>
+        <p:txBody>
+          <a:bodyPr lIns="502920" tIns="91440"/>
+          <a:lstStyle/>
+          <a:p>
+            <a:pPr eaLnBrk="1" fontAlgn="auto" hangingPunct="1">
               <a:spcBef>
-                <a:spcPct val="0"/>
+                <a:spcPts val="0"/>
               </a:spcBef>
               <a:spcAft>
-                <a:spcPct val="0"/>
+                <a:spcPts val="0"/>
               </a:spcAft>
-              <a:defRPr>
+              <a:defRPr/>
+            </a:pPr>
+            <a:r>
+              <a:rPr lang="en-US" sz="1200" dirty="0">
                 <a:solidFill>
-                  <a:schemeClr val="tx1"/>
+                  <a:srgbClr val="5B9CD5"/>
                 </a:solidFill>
-                <a:latin typeface="Calibri" panose="020F0502020204030204" pitchFamily="34" charset="0"/>
-              </a:defRPr>
-            </a:lvl9pPr>
-          </a:lstStyle>
-          <a:p>
-            <a:pPr algn="ctr" eaLnBrk="1" hangingPunct="1"/>
-            <a:r>
-              <a:rPr lang="en-US" altLang="en-US" sz="1100" dirty="0">
                 <a:latin typeface="Arial" panose="020B0604020202020204" pitchFamily="34" charset="0"/>
-                <a:ea typeface="Amazon Ember" panose="020B0603020204020204" pitchFamily="34" charset="0"/>
                 <a:cs typeface="Arial" panose="020B0604020202020204" pitchFamily="34" charset="0"/>
               </a:rPr>
-              <a:t>IAM Roles</a:t>
+              <a:t>Global Region</a:t>
             </a:r>
           </a:p>
         </p:txBody>
       </p:sp>
       <p:pic>
         <p:nvPicPr>
-          <p:cNvPr id="83" name="Graphic 49">
-            <a:extLst>
-              <a:ext uri="{FF2B5EF4-FFF2-40B4-BE49-F238E27FC236}">
-                <a16:creationId xmlns:a16="http://schemas.microsoft.com/office/drawing/2014/main" id="{9AFC43DD-B9D3-124F-82EA-3AAEE4439606}"/>
+          <p:cNvPr id="203" name="Graphic 202">
+            <a:extLst>
+              <a:ext uri="{FF2B5EF4-FFF2-40B4-BE49-F238E27FC236}">
+                <a16:creationId xmlns:a16="http://schemas.microsoft.com/office/drawing/2014/main" id="{D0B42E89-F6E2-4CB6-8CE7-EE1FCA88FF93}"/>
+              </a:ext>
+            </a:extLst>
+          </p:cNvPr>
+          <p:cNvPicPr>
+            <a:picLocks noChangeAspect="1"/>
+          </p:cNvPicPr>
+          <p:nvPr/>
+        </p:nvPicPr>
+        <p:blipFill>
+          <a:blip r:embed="rId11">
+            <a:extLst>
+              <a:ext uri="{96DAC541-7B7A-43D3-8B79-37D633B846F1}">
+                <asvg:svgBlip xmlns:asvg="http://schemas.microsoft.com/office/drawing/2016/SVG/main" r:embed="rId12"/>
+              </a:ext>
+            </a:extLst>
+          </a:blip>
+          <a:stretch>
+            <a:fillRect/>
+          </a:stretch>
+        </p:blipFill>
+        <p:spPr>
+          <a:xfrm>
+            <a:off x="1306408" y="4455830"/>
+            <a:ext cx="391567" cy="391567"/>
+          </a:xfrm>
+          <a:prstGeom prst="rect">
+            <a:avLst/>
+          </a:prstGeom>
+        </p:spPr>
+      </p:pic>
+      <p:pic>
+        <p:nvPicPr>
+          <p:cNvPr id="204" name="Graphic 24">
+            <a:extLst>
+              <a:ext uri="{FF2B5EF4-FFF2-40B4-BE49-F238E27FC236}">
+                <a16:creationId xmlns:a16="http://schemas.microsoft.com/office/drawing/2014/main" id="{1D6EF314-B4F9-4A31-9A3C-D5786395CC31}"/>
               </a:ext>
             </a:extLst>
           </p:cNvPr>
@@ -6675,10 +6778,10 @@
           <p:nvPr/>
         </p:nvPicPr>
         <p:blipFill>
-          <a:blip r:embed="rId7">
+          <a:blip r:embed="rId17">
             <a:extLst>
               <a:ext uri="{28A0092B-C50C-407E-A947-70E740481C1C}">
-                <a14:useLocalDpi xmlns:a14="http://schemas.microsoft.com/office/drawing/2010/main" val="0"/>
+                <a14:useLocalDpi xmlns:a14="http://schemas.microsoft.com/office/drawing/2010/main"/>
               </a:ext>
             </a:extLst>
           </a:blip>
@@ -6689,7 +6792,7 @@
         </p:blipFill>
         <p:spPr bwMode="auto">
           <a:xfrm>
-            <a:off x="1205750" y="4148036"/>
+            <a:off x="4604964" y="4588328"/>
             <a:ext cx="457200" cy="457200"/>
           </a:xfrm>
           <a:prstGeom prst="rect">
@@ -6722,10 +6825,125 @@
       </p:pic>
       <p:sp>
         <p:nvSpPr>
-          <p:cNvPr id="84" name="Oval 83">
-            <a:extLst>
-              <a:ext uri="{FF2B5EF4-FFF2-40B4-BE49-F238E27FC236}">
-                <a16:creationId xmlns:a16="http://schemas.microsoft.com/office/drawing/2014/main" id="{4D67D902-86F6-DC4A-9F15-79C10AFBF6E5}"/>
+          <p:cNvPr id="205" name="TextBox 2">
+            <a:extLst>
+              <a:ext uri="{FF2B5EF4-FFF2-40B4-BE49-F238E27FC236}">
+                <a16:creationId xmlns:a16="http://schemas.microsoft.com/office/drawing/2014/main" id="{49A45A6A-3DB7-4B56-AB6D-080EB3959067}"/>
+              </a:ext>
+            </a:extLst>
+          </p:cNvPr>
+          <p:cNvSpPr txBox="1"/>
+          <p:nvPr/>
+        </p:nvSpPr>
+        <p:spPr>
+          <a:xfrm>
+            <a:off x="4284202" y="4992808"/>
+            <a:ext cx="1098724" cy="430887"/>
+          </a:xfrm>
+          <a:prstGeom prst="rect">
+            <a:avLst/>
+          </a:prstGeom>
+          <a:noFill/>
+        </p:spPr>
+        <p:style>
+          <a:lnRef idx="0">
+            <a:scrgbClr r="0" g="0" b="0"/>
+          </a:lnRef>
+          <a:fillRef idx="0">
+            <a:scrgbClr r="0" g="0" b="0"/>
+          </a:fillRef>
+          <a:effectRef idx="0">
+            <a:scrgbClr r="0" g="0" b="0"/>
+          </a:effectRef>
+          <a:fontRef idx="major"/>
+        </p:style>
+        <p:txBody>
+          <a:bodyPr wrap="square" rtlCol="0">
+            <a:spAutoFit/>
+          </a:bodyPr>
+          <a:lstStyle>
+            <a:lvl1pPr>
+              <a:defRPr>
+                <a:latin typeface="+mj-lt"/>
+                <a:ea typeface="+mj-ea"/>
+                <a:cs typeface="+mj-cs"/>
+              </a:defRPr>
+            </a:lvl1pPr>
+            <a:lvl2pPr>
+              <a:defRPr>
+                <a:latin typeface="+mj-lt"/>
+                <a:ea typeface="+mj-ea"/>
+                <a:cs typeface="+mj-cs"/>
+              </a:defRPr>
+            </a:lvl2pPr>
+            <a:lvl3pPr>
+              <a:defRPr>
+                <a:latin typeface="+mj-lt"/>
+                <a:ea typeface="+mj-ea"/>
+                <a:cs typeface="+mj-cs"/>
+              </a:defRPr>
+            </a:lvl3pPr>
+            <a:lvl4pPr>
+              <a:defRPr>
+                <a:latin typeface="+mj-lt"/>
+                <a:ea typeface="+mj-ea"/>
+                <a:cs typeface="+mj-cs"/>
+              </a:defRPr>
+            </a:lvl4pPr>
+            <a:lvl5pPr>
+              <a:defRPr>
+                <a:latin typeface="+mj-lt"/>
+                <a:ea typeface="+mj-ea"/>
+                <a:cs typeface="+mj-cs"/>
+              </a:defRPr>
+            </a:lvl5pPr>
+            <a:lvl6pPr>
+              <a:defRPr>
+                <a:latin typeface="+mj-lt"/>
+                <a:ea typeface="+mj-ea"/>
+                <a:cs typeface="+mj-cs"/>
+              </a:defRPr>
+            </a:lvl6pPr>
+            <a:lvl7pPr>
+              <a:defRPr>
+                <a:latin typeface="+mj-lt"/>
+                <a:ea typeface="+mj-ea"/>
+                <a:cs typeface="+mj-cs"/>
+              </a:defRPr>
+            </a:lvl7pPr>
+            <a:lvl8pPr>
+              <a:defRPr>
+                <a:latin typeface="+mj-lt"/>
+                <a:ea typeface="+mj-ea"/>
+                <a:cs typeface="+mj-cs"/>
+              </a:defRPr>
+            </a:lvl8pPr>
+            <a:lvl9pPr>
+              <a:defRPr>
+                <a:latin typeface="+mj-lt"/>
+                <a:ea typeface="+mj-ea"/>
+                <a:cs typeface="+mj-cs"/>
+              </a:defRPr>
+            </a:lvl9pPr>
+          </a:lstStyle>
+          <a:p>
+            <a:pPr algn="ctr"/>
+            <a:r>
+              <a:rPr lang="en-US" sz="1100" dirty="0">
+                <a:latin typeface="Arial" panose="020B0604020202020204" pitchFamily="34" charset="0"/>
+                <a:cs typeface="Arial" panose="020B0604020202020204" pitchFamily="34" charset="0"/>
+              </a:rPr>
+              <a:t>Global Event Rule</a:t>
+            </a:r>
+          </a:p>
+        </p:txBody>
+      </p:sp>
+      <p:sp>
+        <p:nvSpPr>
+          <p:cNvPr id="206" name="Oval 205">
+            <a:extLst>
+              <a:ext uri="{FF2B5EF4-FFF2-40B4-BE49-F238E27FC236}">
+                <a16:creationId xmlns:a16="http://schemas.microsoft.com/office/drawing/2014/main" id="{652CA37E-78DA-4818-876C-7A767F140738}"/>
               </a:ext>
             </a:extLst>
           </p:cNvPr>
@@ -6734,7 +6952,7 @@
         </p:nvSpPr>
         <p:spPr>
           <a:xfrm>
-            <a:off x="1072367" y="4130724"/>
+            <a:off x="4970122" y="4517507"/>
             <a:ext cx="253435" cy="212902"/>
           </a:xfrm>
           <a:prstGeom prst="ellipse">
@@ -6775,17 +6993,123 @@
                 <a:latin typeface="Arial" panose="020B0604020202020204" pitchFamily="34" charset="0"/>
                 <a:cs typeface="Arial" panose="020B0604020202020204" pitchFamily="34" charset="0"/>
               </a:rPr>
-              <a:t>1.2</a:t>
+              <a:t>1.4</a:t>
+            </a:r>
+          </a:p>
+        </p:txBody>
+      </p:sp>
+      <p:sp>
+        <p:nvSpPr>
+          <p:cNvPr id="207" name="Rectangle 206">
+            <a:extLst>
+              <a:ext uri="{FF2B5EF4-FFF2-40B4-BE49-F238E27FC236}">
+                <a16:creationId xmlns:a16="http://schemas.microsoft.com/office/drawing/2014/main" id="{37C5B734-2E6C-443A-BB47-E8CBBF8466EC}"/>
+              </a:ext>
+            </a:extLst>
+          </p:cNvPr>
+          <p:cNvSpPr/>
+          <p:nvPr/>
+        </p:nvSpPr>
+        <p:spPr>
+          <a:xfrm>
+            <a:off x="7826406" y="4462325"/>
+            <a:ext cx="3202638" cy="972968"/>
+          </a:xfrm>
+          <a:prstGeom prst="rect">
+            <a:avLst/>
+          </a:prstGeom>
+          <a:noFill/>
+          <a:ln w="12700">
+            <a:solidFill>
+              <a:srgbClr val="5B9CD5"/>
+            </a:solidFill>
+            <a:prstDash val="sysDash"/>
+          </a:ln>
+        </p:spPr>
+        <p:style>
+          <a:lnRef idx="2">
+            <a:schemeClr val="accent1">
+              <a:shade val="50000"/>
+            </a:schemeClr>
+          </a:lnRef>
+          <a:fillRef idx="1">
+            <a:schemeClr val="accent1"/>
+          </a:fillRef>
+          <a:effectRef idx="0">
+            <a:schemeClr val="accent1"/>
+          </a:effectRef>
+          <a:fontRef idx="minor">
+            <a:schemeClr val="lt1"/>
+          </a:fontRef>
+        </p:style>
+        <p:txBody>
+          <a:bodyPr lIns="502920" tIns="91440"/>
+          <a:lstStyle/>
+          <a:p>
+            <a:pPr eaLnBrk="1" fontAlgn="auto" hangingPunct="1">
+              <a:spcBef>
+                <a:spcPts val="0"/>
+              </a:spcBef>
+              <a:spcAft>
+                <a:spcPts val="0"/>
+              </a:spcAft>
+              <a:defRPr/>
+            </a:pPr>
+            <a:r>
+              <a:rPr lang="en-US" sz="1200" dirty="0">
+                <a:solidFill>
+                  <a:srgbClr val="5B9CD5"/>
+                </a:solidFill>
+                <a:latin typeface="Arial" panose="020B0604020202020204" pitchFamily="34" charset="0"/>
+                <a:cs typeface="Arial" panose="020B0604020202020204" pitchFamily="34" charset="0"/>
+              </a:rPr>
+              <a:t>Global Region</a:t>
             </a:r>
           </a:p>
         </p:txBody>
       </p:sp>
       <p:pic>
         <p:nvPicPr>
-          <p:cNvPr id="85" name="Graphic 24">
-            <a:extLst>
-              <a:ext uri="{FF2B5EF4-FFF2-40B4-BE49-F238E27FC236}">
-                <a16:creationId xmlns:a16="http://schemas.microsoft.com/office/drawing/2014/main" id="{221406B4-F312-5247-AD40-83761B432128}"/>
+          <p:cNvPr id="208" name="Graphic 207">
+            <a:extLst>
+              <a:ext uri="{FF2B5EF4-FFF2-40B4-BE49-F238E27FC236}">
+                <a16:creationId xmlns:a16="http://schemas.microsoft.com/office/drawing/2014/main" id="{0A71A309-A569-48C9-876A-93AC4D0312E9}"/>
+              </a:ext>
+            </a:extLst>
+          </p:cNvPr>
+          <p:cNvPicPr>
+            <a:picLocks noChangeAspect="1"/>
+          </p:cNvPicPr>
+          <p:nvPr/>
+        </p:nvPicPr>
+        <p:blipFill>
+          <a:blip r:embed="rId11">
+            <a:extLst>
+              <a:ext uri="{96DAC541-7B7A-43D3-8B79-37D633B846F1}">
+                <asvg:svgBlip xmlns:asvg="http://schemas.microsoft.com/office/drawing/2016/SVG/main" r:embed="rId12"/>
+              </a:ext>
+            </a:extLst>
+          </a:blip>
+          <a:stretch>
+            <a:fillRect/>
+          </a:stretch>
+        </p:blipFill>
+        <p:spPr>
+          <a:xfrm>
+            <a:off x="7819101" y="4460626"/>
+            <a:ext cx="391567" cy="391567"/>
+          </a:xfrm>
+          <a:prstGeom prst="rect">
+            <a:avLst/>
+          </a:prstGeom>
+        </p:spPr>
+      </p:pic>
+      <p:pic>
+        <p:nvPicPr>
+          <p:cNvPr id="209" name="Graphic 24">
+            <a:extLst>
+              <a:ext uri="{FF2B5EF4-FFF2-40B4-BE49-F238E27FC236}">
+                <a16:creationId xmlns:a16="http://schemas.microsoft.com/office/drawing/2014/main" id="{F7472DFA-F316-419A-93FA-0057D8FB8CFD}"/>
               </a:ext>
             </a:extLst>
           </p:cNvPr>
@@ -6795,10 +7119,10 @@
           <p:nvPr/>
         </p:nvPicPr>
         <p:blipFill>
-          <a:blip r:embed="rId11">
+          <a:blip r:embed="rId17">
             <a:extLst>
               <a:ext uri="{28A0092B-C50C-407E-A947-70E740481C1C}">
-                <a14:useLocalDpi xmlns:a14="http://schemas.microsoft.com/office/drawing/2010/main" val="0"/>
+                <a14:useLocalDpi xmlns:a14="http://schemas.microsoft.com/office/drawing/2010/main"/>
               </a:ext>
             </a:extLst>
           </a:blip>
@@ -6809,7 +7133,7 @@
         </p:blipFill>
         <p:spPr bwMode="auto">
           <a:xfrm>
-            <a:off x="2457390" y="2761109"/>
+            <a:off x="2065066" y="2748580"/>
             <a:ext cx="457200" cy="457200"/>
           </a:xfrm>
           <a:prstGeom prst="rect">
@@ -6842,22 +7166,619 @@
       </p:pic>
       <p:sp>
         <p:nvSpPr>
-          <p:cNvPr id="86" name="TextBox 26">
-            <a:extLst>
-              <a:ext uri="{FF2B5EF4-FFF2-40B4-BE49-F238E27FC236}">
-                <a16:creationId xmlns:a16="http://schemas.microsoft.com/office/drawing/2014/main" id="{0A866B38-0DC0-DF47-9760-4012E1CDF164}"/>
-              </a:ext>
-            </a:extLst>
-          </p:cNvPr>
-          <p:cNvSpPr txBox="1">
-            <a:spLocks noChangeArrowheads="1"/>
-          </p:cNvSpPr>
+          <p:cNvPr id="210" name="TextBox 2">
+            <a:extLst>
+              <a:ext uri="{FF2B5EF4-FFF2-40B4-BE49-F238E27FC236}">
+                <a16:creationId xmlns:a16="http://schemas.microsoft.com/office/drawing/2014/main" id="{7BAE1D1A-0824-46EE-9144-89BA17ECC29B}"/>
+              </a:ext>
+            </a:extLst>
+          </p:cNvPr>
+          <p:cNvSpPr txBox="1"/>
           <p:nvPr/>
         </p:nvSpPr>
+        <p:spPr>
+          <a:xfrm>
+            <a:off x="1744304" y="3153060"/>
+            <a:ext cx="1098724" cy="430887"/>
+          </a:xfrm>
+          <a:prstGeom prst="rect">
+            <a:avLst/>
+          </a:prstGeom>
+          <a:noFill/>
+        </p:spPr>
+        <p:style>
+          <a:lnRef idx="0">
+            <a:scrgbClr r="0" g="0" b="0"/>
+          </a:lnRef>
+          <a:fillRef idx="0">
+            <a:scrgbClr r="0" g="0" b="0"/>
+          </a:fillRef>
+          <a:effectRef idx="0">
+            <a:scrgbClr r="0" g="0" b="0"/>
+          </a:effectRef>
+          <a:fontRef idx="major"/>
+        </p:style>
+        <p:txBody>
+          <a:bodyPr wrap="square" rtlCol="0">
+            <a:spAutoFit/>
+          </a:bodyPr>
+          <a:lstStyle>
+            <a:lvl1pPr>
+              <a:defRPr>
+                <a:latin typeface="+mj-lt"/>
+                <a:ea typeface="+mj-ea"/>
+                <a:cs typeface="+mj-cs"/>
+              </a:defRPr>
+            </a:lvl1pPr>
+            <a:lvl2pPr>
+              <a:defRPr>
+                <a:latin typeface="+mj-lt"/>
+                <a:ea typeface="+mj-ea"/>
+                <a:cs typeface="+mj-cs"/>
+              </a:defRPr>
+            </a:lvl2pPr>
+            <a:lvl3pPr>
+              <a:defRPr>
+                <a:latin typeface="+mj-lt"/>
+                <a:ea typeface="+mj-ea"/>
+                <a:cs typeface="+mj-cs"/>
+              </a:defRPr>
+            </a:lvl3pPr>
+            <a:lvl4pPr>
+              <a:defRPr>
+                <a:latin typeface="+mj-lt"/>
+                <a:ea typeface="+mj-ea"/>
+                <a:cs typeface="+mj-cs"/>
+              </a:defRPr>
+            </a:lvl4pPr>
+            <a:lvl5pPr>
+              <a:defRPr>
+                <a:latin typeface="+mj-lt"/>
+                <a:ea typeface="+mj-ea"/>
+                <a:cs typeface="+mj-cs"/>
+              </a:defRPr>
+            </a:lvl5pPr>
+            <a:lvl6pPr>
+              <a:defRPr>
+                <a:latin typeface="+mj-lt"/>
+                <a:ea typeface="+mj-ea"/>
+                <a:cs typeface="+mj-cs"/>
+              </a:defRPr>
+            </a:lvl6pPr>
+            <a:lvl7pPr>
+              <a:defRPr>
+                <a:latin typeface="+mj-lt"/>
+                <a:ea typeface="+mj-ea"/>
+                <a:cs typeface="+mj-cs"/>
+              </a:defRPr>
+            </a:lvl7pPr>
+            <a:lvl8pPr>
+              <a:defRPr>
+                <a:latin typeface="+mj-lt"/>
+                <a:ea typeface="+mj-ea"/>
+                <a:cs typeface="+mj-cs"/>
+              </a:defRPr>
+            </a:lvl8pPr>
+            <a:lvl9pPr>
+              <a:defRPr>
+                <a:latin typeface="+mj-lt"/>
+                <a:ea typeface="+mj-ea"/>
+                <a:cs typeface="+mj-cs"/>
+              </a:defRPr>
+            </a:lvl9pPr>
+          </a:lstStyle>
+          <a:p>
+            <a:pPr algn="ctr"/>
+            <a:r>
+              <a:rPr lang="en-US" sz="1100" dirty="0">
+                <a:latin typeface="Arial" panose="020B0604020202020204" pitchFamily="34" charset="0"/>
+                <a:cs typeface="Arial" panose="020B0604020202020204" pitchFamily="34" charset="0"/>
+              </a:rPr>
+              <a:t>Regional Event Rule</a:t>
+            </a:r>
+          </a:p>
+        </p:txBody>
+      </p:sp>
+      <p:sp>
+        <p:nvSpPr>
+          <p:cNvPr id="211" name="Oval 210">
+            <a:extLst>
+              <a:ext uri="{FF2B5EF4-FFF2-40B4-BE49-F238E27FC236}">
+                <a16:creationId xmlns:a16="http://schemas.microsoft.com/office/drawing/2014/main" id="{9E1F2EED-7106-4B5F-AE3E-9AD1333EF8BF}"/>
+              </a:ext>
+            </a:extLst>
+          </p:cNvPr>
+          <p:cNvSpPr/>
+          <p:nvPr/>
+        </p:nvSpPr>
+        <p:spPr>
+          <a:xfrm>
+            <a:off x="2430224" y="2677759"/>
+            <a:ext cx="253435" cy="212902"/>
+          </a:xfrm>
+          <a:prstGeom prst="ellipse">
+            <a:avLst/>
+          </a:prstGeom>
+          <a:solidFill>
+            <a:schemeClr val="tx1"/>
+          </a:solidFill>
+          <a:ln>
+            <a:solidFill>
+              <a:schemeClr val="tx1"/>
+            </a:solidFill>
+          </a:ln>
+        </p:spPr>
+        <p:style>
+          <a:lnRef idx="2">
+            <a:schemeClr val="accent1">
+              <a:shade val="50000"/>
+            </a:schemeClr>
+          </a:lnRef>
+          <a:fillRef idx="1">
+            <a:schemeClr val="accent1"/>
+          </a:fillRef>
+          <a:effectRef idx="0">
+            <a:schemeClr val="accent1"/>
+          </a:effectRef>
+          <a:fontRef idx="minor">
+            <a:schemeClr val="lt1"/>
+          </a:fontRef>
+        </p:style>
+        <p:txBody>
+          <a:bodyPr lIns="0" tIns="0" rIns="0" bIns="0" rtlCol="0" anchor="ctr"/>
+          <a:lstStyle/>
+          <a:p>
+            <a:pPr algn="ctr"/>
+            <a:r>
+              <a:rPr lang="en-US" sz="800" dirty="0">
+                <a:latin typeface="Arial" panose="020B0604020202020204" pitchFamily="34" charset="0"/>
+                <a:cs typeface="Arial" panose="020B0604020202020204" pitchFamily="34" charset="0"/>
+              </a:rPr>
+              <a:t>1.3</a:t>
+            </a:r>
+          </a:p>
+        </p:txBody>
+      </p:sp>
+      <p:cxnSp>
+        <p:nvCxnSpPr>
+          <p:cNvPr id="212" name="Straight Arrow Connector 211">
+            <a:extLst>
+              <a:ext uri="{FF2B5EF4-FFF2-40B4-BE49-F238E27FC236}">
+                <a16:creationId xmlns:a16="http://schemas.microsoft.com/office/drawing/2014/main" id="{130B403E-2E77-4099-85B7-7C30DDD0CC21}"/>
+              </a:ext>
+            </a:extLst>
+          </p:cNvPr>
+          <p:cNvCxnSpPr>
+            <a:cxnSpLocks/>
+            <a:stCxn id="209" idx="3"/>
+            <a:endCxn id="167" idx="1"/>
+          </p:cNvCxnSpPr>
+          <p:nvPr/>
+        </p:nvCxnSpPr>
+        <p:spPr>
+          <a:xfrm flipV="1">
+            <a:off x="2522266" y="2515661"/>
+            <a:ext cx="1172323" cy="461519"/>
+          </a:xfrm>
+          <a:prstGeom prst="straightConnector1">
+            <a:avLst/>
+          </a:prstGeom>
+          <a:ln>
+            <a:tailEnd type="triangle"/>
+          </a:ln>
+        </p:spPr>
+        <p:style>
+          <a:lnRef idx="1">
+            <a:schemeClr val="dk1"/>
+          </a:lnRef>
+          <a:fillRef idx="0">
+            <a:schemeClr val="dk1"/>
+          </a:fillRef>
+          <a:effectRef idx="0">
+            <a:schemeClr val="dk1"/>
+          </a:effectRef>
+          <a:fontRef idx="minor">
+            <a:schemeClr val="tx1"/>
+          </a:fontRef>
+        </p:style>
+      </p:cxnSp>
+      <p:sp>
+        <p:nvSpPr>
+          <p:cNvPr id="213" name="Rectangle 212">
+            <a:extLst>
+              <a:ext uri="{FF2B5EF4-FFF2-40B4-BE49-F238E27FC236}">
+                <a16:creationId xmlns:a16="http://schemas.microsoft.com/office/drawing/2014/main" id="{8F231DEE-4EAD-40E4-B85C-A5B1A6D8BFBF}"/>
+              </a:ext>
+            </a:extLst>
+          </p:cNvPr>
+          <p:cNvSpPr/>
+          <p:nvPr/>
+        </p:nvSpPr>
+        <p:spPr>
+          <a:xfrm>
+            <a:off x="5639637" y="2186220"/>
+            <a:ext cx="1214131" cy="1307692"/>
+          </a:xfrm>
+          <a:prstGeom prst="rect">
+            <a:avLst/>
+          </a:prstGeom>
+          <a:solidFill>
+            <a:schemeClr val="bg1"/>
+          </a:solidFill>
+          <a:ln w="12700">
+            <a:solidFill>
+              <a:srgbClr val="5B9CD5"/>
+            </a:solidFill>
+            <a:prstDash val="sysDash"/>
+          </a:ln>
+          <a:effectLst>
+            <a:outerShdw blurRad="50800" dist="38100" dir="13500000" algn="br" rotWithShape="0">
+              <a:prstClr val="black">
+                <a:alpha val="40000"/>
+              </a:prstClr>
+            </a:outerShdw>
+          </a:effectLst>
+        </p:spPr>
+        <p:style>
+          <a:lnRef idx="2">
+            <a:schemeClr val="accent1">
+              <a:shade val="50000"/>
+            </a:schemeClr>
+          </a:lnRef>
+          <a:fillRef idx="1">
+            <a:schemeClr val="accent1"/>
+          </a:fillRef>
+          <a:effectRef idx="0">
+            <a:schemeClr val="accent1"/>
+          </a:effectRef>
+          <a:fontRef idx="minor">
+            <a:schemeClr val="lt1"/>
+          </a:fontRef>
+        </p:style>
+        <p:txBody>
+          <a:bodyPr lIns="502920" tIns="91440"/>
+          <a:lstStyle/>
+          <a:p>
+            <a:pPr eaLnBrk="1" fontAlgn="auto" hangingPunct="1">
+              <a:spcBef>
+                <a:spcPts val="0"/>
+              </a:spcBef>
+              <a:spcAft>
+                <a:spcPts val="0"/>
+              </a:spcAft>
+              <a:defRPr/>
+            </a:pPr>
+            <a:r>
+              <a:rPr lang="en-US" sz="1200" dirty="0">
+                <a:solidFill>
+                  <a:srgbClr val="5B9CD5"/>
+                </a:solidFill>
+                <a:latin typeface="Arial" panose="020B0604020202020204" pitchFamily="34" charset="0"/>
+                <a:cs typeface="Arial" panose="020B0604020202020204" pitchFamily="34" charset="0"/>
+              </a:rPr>
+              <a:t>Region n</a:t>
+            </a:r>
+          </a:p>
+        </p:txBody>
+      </p:sp>
+      <p:pic>
+        <p:nvPicPr>
+          <p:cNvPr id="214" name="Graphic 213">
+            <a:extLst>
+              <a:ext uri="{FF2B5EF4-FFF2-40B4-BE49-F238E27FC236}">
+                <a16:creationId xmlns:a16="http://schemas.microsoft.com/office/drawing/2014/main" id="{8CB9D29E-B4B4-4D65-83B3-E86BE199069C}"/>
+              </a:ext>
+            </a:extLst>
+          </p:cNvPr>
+          <p:cNvPicPr>
+            <a:picLocks noChangeAspect="1"/>
+          </p:cNvPicPr>
+          <p:nvPr/>
+        </p:nvPicPr>
+        <p:blipFill>
+          <a:blip r:embed="rId11">
+            <a:extLst>
+              <a:ext uri="{96DAC541-7B7A-43D3-8B79-37D633B846F1}">
+                <asvg:svgBlip xmlns:asvg="http://schemas.microsoft.com/office/drawing/2016/SVG/main" r:embed="rId12"/>
+              </a:ext>
+            </a:extLst>
+          </a:blip>
+          <a:stretch>
+            <a:fillRect/>
+          </a:stretch>
+        </p:blipFill>
+        <p:spPr>
+          <a:xfrm>
+            <a:off x="5632775" y="2183829"/>
+            <a:ext cx="442506" cy="391567"/>
+          </a:xfrm>
+          <a:prstGeom prst="rect">
+            <a:avLst/>
+          </a:prstGeom>
+          <a:effectLst>
+            <a:outerShdw blurRad="50800" dist="38100" dir="13500000" algn="br" rotWithShape="0">
+              <a:prstClr val="black">
+                <a:alpha val="40000"/>
+              </a:prstClr>
+            </a:outerShdw>
+          </a:effectLst>
+        </p:spPr>
+      </p:pic>
+      <p:sp>
+        <p:nvSpPr>
+          <p:cNvPr id="215" name="Rectangle 214">
+            <a:extLst>
+              <a:ext uri="{FF2B5EF4-FFF2-40B4-BE49-F238E27FC236}">
+                <a16:creationId xmlns:a16="http://schemas.microsoft.com/office/drawing/2014/main" id="{ADAEEB1A-6C4C-45B8-96C0-69E3D64B15E0}"/>
+              </a:ext>
+            </a:extLst>
+          </p:cNvPr>
+          <p:cNvSpPr/>
+          <p:nvPr/>
+        </p:nvSpPr>
+        <p:spPr>
+          <a:xfrm>
+            <a:off x="5749293" y="2482557"/>
+            <a:ext cx="1219493" cy="1307692"/>
+          </a:xfrm>
+          <a:prstGeom prst="rect">
+            <a:avLst/>
+          </a:prstGeom>
+          <a:solidFill>
+            <a:schemeClr val="bg1"/>
+          </a:solidFill>
+          <a:ln w="12700">
+            <a:solidFill>
+              <a:srgbClr val="5B9CD5"/>
+            </a:solidFill>
+            <a:prstDash val="sysDash"/>
+          </a:ln>
+          <a:effectLst>
+            <a:outerShdw blurRad="50800" dist="38100" dir="13500000" algn="br" rotWithShape="0">
+              <a:prstClr val="black">
+                <a:alpha val="40000"/>
+              </a:prstClr>
+            </a:outerShdw>
+          </a:effectLst>
+        </p:spPr>
+        <p:style>
+          <a:lnRef idx="2">
+            <a:schemeClr val="accent1">
+              <a:shade val="50000"/>
+            </a:schemeClr>
+          </a:lnRef>
+          <a:fillRef idx="1">
+            <a:schemeClr val="accent1"/>
+          </a:fillRef>
+          <a:effectRef idx="0">
+            <a:schemeClr val="accent1"/>
+          </a:effectRef>
+          <a:fontRef idx="minor">
+            <a:schemeClr val="lt1"/>
+          </a:fontRef>
+        </p:style>
+        <p:txBody>
+          <a:bodyPr lIns="502920" tIns="91440"/>
+          <a:lstStyle/>
+          <a:p>
+            <a:pPr eaLnBrk="1" fontAlgn="auto" hangingPunct="1">
+              <a:spcBef>
+                <a:spcPts val="0"/>
+              </a:spcBef>
+              <a:spcAft>
+                <a:spcPts val="0"/>
+              </a:spcAft>
+              <a:defRPr/>
+            </a:pPr>
+            <a:r>
+              <a:rPr lang="en-US" sz="1200" dirty="0">
+                <a:solidFill>
+                  <a:srgbClr val="5B9CD5"/>
+                </a:solidFill>
+                <a:latin typeface="Arial" panose="020B0604020202020204" pitchFamily="34" charset="0"/>
+                <a:cs typeface="Arial" panose="020B0604020202020204" pitchFamily="34" charset="0"/>
+              </a:rPr>
+              <a:t>Region 1</a:t>
+            </a:r>
+          </a:p>
+        </p:txBody>
+      </p:sp>
+      <p:pic>
+        <p:nvPicPr>
+          <p:cNvPr id="216" name="Graphic 215">
+            <a:extLst>
+              <a:ext uri="{FF2B5EF4-FFF2-40B4-BE49-F238E27FC236}">
+                <a16:creationId xmlns:a16="http://schemas.microsoft.com/office/drawing/2014/main" id="{95187FF0-D079-49EB-A3A2-D0763490FCF8}"/>
+              </a:ext>
+            </a:extLst>
+          </p:cNvPr>
+          <p:cNvPicPr>
+            <a:picLocks noChangeAspect="1"/>
+          </p:cNvPicPr>
+          <p:nvPr/>
+        </p:nvPicPr>
+        <p:blipFill>
+          <a:blip r:embed="rId11">
+            <a:extLst>
+              <a:ext uri="{96DAC541-7B7A-43D3-8B79-37D633B846F1}">
+                <asvg:svgBlip xmlns:asvg="http://schemas.microsoft.com/office/drawing/2016/SVG/main" r:embed="rId12"/>
+              </a:ext>
+            </a:extLst>
+          </a:blip>
+          <a:stretch>
+            <a:fillRect/>
+          </a:stretch>
+        </p:blipFill>
+        <p:spPr>
+          <a:xfrm>
+            <a:off x="5749293" y="2480166"/>
+            <a:ext cx="442506" cy="391567"/>
+          </a:xfrm>
+          <a:prstGeom prst="rect">
+            <a:avLst/>
+          </a:prstGeom>
+          <a:effectLst>
+            <a:outerShdw blurRad="50800" dist="38100" dir="13500000" algn="br" rotWithShape="0">
+              <a:prstClr val="black">
+                <a:alpha val="40000"/>
+              </a:prstClr>
+            </a:outerShdw>
+          </a:effectLst>
+        </p:spPr>
+      </p:pic>
+      <p:sp>
+        <p:nvSpPr>
+          <p:cNvPr id="217" name="Rectangle 216">
+            <a:extLst>
+              <a:ext uri="{FF2B5EF4-FFF2-40B4-BE49-F238E27FC236}">
+                <a16:creationId xmlns:a16="http://schemas.microsoft.com/office/drawing/2014/main" id="{BFE4DAE2-4B87-42D7-90DE-B1084E21AF8A}"/>
+              </a:ext>
+            </a:extLst>
+          </p:cNvPr>
+          <p:cNvSpPr/>
+          <p:nvPr/>
+        </p:nvSpPr>
+        <p:spPr>
+          <a:xfrm>
+            <a:off x="5858950" y="2788883"/>
+            <a:ext cx="1229019" cy="1307692"/>
+          </a:xfrm>
+          <a:prstGeom prst="rect">
+            <a:avLst/>
+          </a:prstGeom>
+          <a:solidFill>
+            <a:schemeClr val="bg1"/>
+          </a:solidFill>
+          <a:ln w="12700">
+            <a:solidFill>
+              <a:srgbClr val="5B9CD5"/>
+            </a:solidFill>
+            <a:prstDash val="sysDash"/>
+          </a:ln>
+          <a:effectLst>
+            <a:outerShdw blurRad="50800" dist="38100" dir="13500000" algn="br" rotWithShape="0">
+              <a:prstClr val="black">
+                <a:alpha val="40000"/>
+              </a:prstClr>
+            </a:outerShdw>
+          </a:effectLst>
+        </p:spPr>
+        <p:style>
+          <a:lnRef idx="2">
+            <a:schemeClr val="accent1">
+              <a:shade val="50000"/>
+            </a:schemeClr>
+          </a:lnRef>
+          <a:fillRef idx="1">
+            <a:schemeClr val="accent1"/>
+          </a:fillRef>
+          <a:effectRef idx="0">
+            <a:schemeClr val="accent1"/>
+          </a:effectRef>
+          <a:fontRef idx="minor">
+            <a:schemeClr val="lt1"/>
+          </a:fontRef>
+        </p:style>
+        <p:txBody>
+          <a:bodyPr lIns="502920" tIns="91440"/>
+          <a:lstStyle/>
+          <a:p>
+            <a:pPr eaLnBrk="1" fontAlgn="auto" hangingPunct="1">
+              <a:spcBef>
+                <a:spcPts val="0"/>
+              </a:spcBef>
+              <a:spcAft>
+                <a:spcPts val="0"/>
+              </a:spcAft>
+              <a:defRPr/>
+            </a:pPr>
+            <a:r>
+              <a:rPr lang="en-US" sz="1200" dirty="0">
+                <a:solidFill>
+                  <a:srgbClr val="5B9CD5"/>
+                </a:solidFill>
+                <a:latin typeface="Arial" panose="020B0604020202020204" pitchFamily="34" charset="0"/>
+                <a:cs typeface="Arial" panose="020B0604020202020204" pitchFamily="34" charset="0"/>
+              </a:rPr>
+              <a:t>Region 2</a:t>
+            </a:r>
+          </a:p>
+        </p:txBody>
+      </p:sp>
+      <p:pic>
+        <p:nvPicPr>
+          <p:cNvPr id="218" name="Graphic 217">
+            <a:extLst>
+              <a:ext uri="{FF2B5EF4-FFF2-40B4-BE49-F238E27FC236}">
+                <a16:creationId xmlns:a16="http://schemas.microsoft.com/office/drawing/2014/main" id="{8870CEB7-685C-48F2-ACF1-8C75C36B1F7C}"/>
+              </a:ext>
+            </a:extLst>
+          </p:cNvPr>
+          <p:cNvPicPr>
+            <a:picLocks noChangeAspect="1"/>
+          </p:cNvPicPr>
+          <p:nvPr/>
+        </p:nvPicPr>
+        <p:blipFill>
+          <a:blip r:embed="rId11">
+            <a:extLst>
+              <a:ext uri="{96DAC541-7B7A-43D3-8B79-37D633B846F1}">
+                <asvg:svgBlip xmlns:asvg="http://schemas.microsoft.com/office/drawing/2016/SVG/main" r:embed="rId12"/>
+              </a:ext>
+            </a:extLst>
+          </a:blip>
+          <a:stretch>
+            <a:fillRect/>
+          </a:stretch>
+        </p:blipFill>
+        <p:spPr>
+          <a:xfrm>
+            <a:off x="5857142" y="2786253"/>
+            <a:ext cx="442506" cy="391567"/>
+          </a:xfrm>
+          <a:prstGeom prst="rect">
+            <a:avLst/>
+          </a:prstGeom>
+          <a:effectLst>
+            <a:outerShdw blurRad="50800" dist="38100" dir="13500000" algn="br" rotWithShape="0">
+              <a:prstClr val="black">
+                <a:alpha val="40000"/>
+              </a:prstClr>
+            </a:outerShdw>
+          </a:effectLst>
+        </p:spPr>
+      </p:pic>
+      <p:pic>
+        <p:nvPicPr>
+          <p:cNvPr id="74" name="Graphic 5">
+            <a:extLst>
+              <a:ext uri="{FF2B5EF4-FFF2-40B4-BE49-F238E27FC236}">
+                <a16:creationId xmlns:a16="http://schemas.microsoft.com/office/drawing/2014/main" id="{FC38848A-1989-AC45-91A2-AC9852851B18}"/>
+              </a:ext>
+            </a:extLst>
+          </p:cNvPr>
+          <p:cNvPicPr>
+            <a:picLocks noChangeAspect="1" noChangeArrowheads="1"/>
+          </p:cNvPicPr>
+          <p:nvPr/>
+        </p:nvPicPr>
+        <p:blipFill>
+          <a:blip r:embed="rId18">
+            <a:extLst>
+              <a:ext uri="{28A0092B-C50C-407E-A947-70E740481C1C}">
+                <a14:useLocalDpi xmlns:a14="http://schemas.microsoft.com/office/drawing/2010/main" val="0"/>
+              </a:ext>
+            </a:extLst>
+          </a:blip>
+          <a:srcRect/>
+          <a:stretch>
+            <a:fillRect/>
+          </a:stretch>
+        </p:blipFill>
         <p:spPr bwMode="auto">
           <a:xfrm>
-            <a:off x="2180897" y="3171795"/>
-            <a:ext cx="1022257" cy="430887"/>
+            <a:off x="6282281" y="3237424"/>
+            <a:ext cx="457200" cy="457200"/>
           </a:xfrm>
           <a:prstGeom prst="rect">
             <a:avLst/>
@@ -6886,168 +7807,53 @@
             </a:ext>
           </a:extLst>
         </p:spPr>
-        <p:txBody>
-          <a:bodyPr wrap="square">
+      </p:pic>
+      <p:sp>
+        <p:nvSpPr>
+          <p:cNvPr id="78" name="TextBox 77">
+            <a:extLst>
+              <a:ext uri="{FF2B5EF4-FFF2-40B4-BE49-F238E27FC236}">
+                <a16:creationId xmlns:a16="http://schemas.microsoft.com/office/drawing/2014/main" id="{A99BC746-6897-BF4A-9EDC-5C13AE02CFD6}"/>
+              </a:ext>
+            </a:extLst>
+          </p:cNvPr>
+          <p:cNvSpPr txBox="1"/>
+          <p:nvPr/>
+        </p:nvSpPr>
+        <p:spPr>
+          <a:xfrm>
+            <a:off x="5851981" y="3692633"/>
+            <a:ext cx="1313223" cy="430887"/>
+          </a:xfrm>
+          <a:prstGeom prst="rect">
+            <a:avLst/>
+          </a:prstGeom>
+          <a:noFill/>
+        </p:spPr>
+        <p:txBody>
+          <a:bodyPr wrap="square" rtlCol="0">
             <a:spAutoFit/>
           </a:bodyPr>
-          <a:lstStyle>
-            <a:lvl1pPr>
-              <a:defRPr>
-                <a:solidFill>
-                  <a:schemeClr val="tx1"/>
-                </a:solidFill>
-                <a:latin typeface="Calibri" panose="020F0502020204030204" pitchFamily="34" charset="0"/>
-              </a:defRPr>
-            </a:lvl1pPr>
-            <a:lvl2pPr marL="742950" indent="-285750">
-              <a:defRPr>
-                <a:solidFill>
-                  <a:schemeClr val="tx1"/>
-                </a:solidFill>
-                <a:latin typeface="Calibri" panose="020F0502020204030204" pitchFamily="34" charset="0"/>
-              </a:defRPr>
-            </a:lvl2pPr>
-            <a:lvl3pPr marL="1143000" indent="-228600">
-              <a:defRPr>
-                <a:solidFill>
-                  <a:schemeClr val="tx1"/>
-                </a:solidFill>
-                <a:latin typeface="Calibri" panose="020F0502020204030204" pitchFamily="34" charset="0"/>
-              </a:defRPr>
-            </a:lvl3pPr>
-            <a:lvl4pPr marL="1600200" indent="-228600">
-              <a:defRPr>
-                <a:solidFill>
-                  <a:schemeClr val="tx1"/>
-                </a:solidFill>
-                <a:latin typeface="Calibri" panose="020F0502020204030204" pitchFamily="34" charset="0"/>
-              </a:defRPr>
-            </a:lvl4pPr>
-            <a:lvl5pPr marL="2057400" indent="-228600">
-              <a:defRPr>
-                <a:solidFill>
-                  <a:schemeClr val="tx1"/>
-                </a:solidFill>
-                <a:latin typeface="Calibri" panose="020F0502020204030204" pitchFamily="34" charset="0"/>
-              </a:defRPr>
-            </a:lvl5pPr>
-            <a:lvl6pPr marL="2514600" indent="-228600" eaLnBrk="0" fontAlgn="base" hangingPunct="0">
-              <a:spcBef>
-                <a:spcPct val="0"/>
-              </a:spcBef>
-              <a:spcAft>
-                <a:spcPct val="0"/>
-              </a:spcAft>
-              <a:defRPr>
-                <a:solidFill>
-                  <a:schemeClr val="tx1"/>
-                </a:solidFill>
-                <a:latin typeface="Calibri" panose="020F0502020204030204" pitchFamily="34" charset="0"/>
-              </a:defRPr>
-            </a:lvl6pPr>
-            <a:lvl7pPr marL="2971800" indent="-228600" eaLnBrk="0" fontAlgn="base" hangingPunct="0">
-              <a:spcBef>
-                <a:spcPct val="0"/>
-              </a:spcBef>
-              <a:spcAft>
-                <a:spcPct val="0"/>
-              </a:spcAft>
-              <a:defRPr>
-                <a:solidFill>
-                  <a:schemeClr val="tx1"/>
-                </a:solidFill>
-                <a:latin typeface="Calibri" panose="020F0502020204030204" pitchFamily="34" charset="0"/>
-              </a:defRPr>
-            </a:lvl7pPr>
-            <a:lvl8pPr marL="3429000" indent="-228600" eaLnBrk="0" fontAlgn="base" hangingPunct="0">
-              <a:spcBef>
-                <a:spcPct val="0"/>
-              </a:spcBef>
-              <a:spcAft>
-                <a:spcPct val="0"/>
-              </a:spcAft>
-              <a:defRPr>
-                <a:solidFill>
-                  <a:schemeClr val="tx1"/>
-                </a:solidFill>
-                <a:latin typeface="Calibri" panose="020F0502020204030204" pitchFamily="34" charset="0"/>
-              </a:defRPr>
-            </a:lvl8pPr>
-            <a:lvl9pPr marL="3886200" indent="-228600" eaLnBrk="0" fontAlgn="base" hangingPunct="0">
-              <a:spcBef>
-                <a:spcPct val="0"/>
-              </a:spcBef>
-              <a:spcAft>
-                <a:spcPct val="0"/>
-              </a:spcAft>
-              <a:defRPr>
-                <a:solidFill>
-                  <a:schemeClr val="tx1"/>
-                </a:solidFill>
-                <a:latin typeface="Calibri" panose="020F0502020204030204" pitchFamily="34" charset="0"/>
-              </a:defRPr>
-            </a:lvl9pPr>
-          </a:lstStyle>
-          <a:p>
-            <a:pPr algn="ctr" eaLnBrk="1" hangingPunct="1"/>
+          <a:lstStyle/>
+          <a:p>
+            <a:pPr algn="ctr"/>
             <a:r>
               <a:rPr lang="en-US" altLang="en-US" sz="1100" dirty="0">
                 <a:latin typeface="Arial" panose="020B0604020202020204" pitchFamily="34" charset="0"/>
                 <a:ea typeface="Amazon Ember" panose="020B0603020204020204" pitchFamily="34" charset="0"/>
                 <a:cs typeface="Arial" panose="020B0604020202020204" pitchFamily="34" charset="0"/>
               </a:rPr>
-              <a:t>Regional Event Rules</a:t>
-            </a:r>
-          </a:p>
-        </p:txBody>
-      </p:sp>
-      <p:cxnSp>
-        <p:nvCxnSpPr>
-          <p:cNvPr id="87" name="Straight Arrow Connector 86">
-            <a:extLst>
-              <a:ext uri="{FF2B5EF4-FFF2-40B4-BE49-F238E27FC236}">
-                <a16:creationId xmlns:a16="http://schemas.microsoft.com/office/drawing/2014/main" id="{52486D5B-ED07-324F-86D5-FFA18A6204BD}"/>
-              </a:ext>
-            </a:extLst>
-          </p:cNvPr>
-          <p:cNvCxnSpPr>
-            <a:cxnSpLocks/>
-          </p:cNvCxnSpPr>
-          <p:nvPr/>
-        </p:nvCxnSpPr>
-        <p:spPr>
-          <a:xfrm>
-            <a:off x="4739400" y="2972629"/>
-            <a:ext cx="787730" cy="0"/>
-          </a:xfrm>
-          <a:prstGeom prst="straightConnector1">
-            <a:avLst/>
-          </a:prstGeom>
-          <a:ln>
-            <a:tailEnd type="triangle"/>
-          </a:ln>
-        </p:spPr>
-        <p:style>
-          <a:lnRef idx="1">
-            <a:schemeClr val="dk1"/>
-          </a:lnRef>
-          <a:fillRef idx="0">
-            <a:schemeClr val="dk1"/>
-          </a:fillRef>
-          <a:effectRef idx="0">
-            <a:schemeClr val="dk1"/>
-          </a:effectRef>
-          <a:fontRef idx="minor">
-            <a:schemeClr val="tx1"/>
-          </a:fontRef>
-        </p:style>
-      </p:cxnSp>
-      <p:sp>
-        <p:nvSpPr>
-          <p:cNvPr id="88" name="Oval 87">
-            <a:extLst>
-              <a:ext uri="{FF2B5EF4-FFF2-40B4-BE49-F238E27FC236}">
-                <a16:creationId xmlns:a16="http://schemas.microsoft.com/office/drawing/2014/main" id="{7E0AA6C2-0BE2-C54B-8807-24897C098AFA}"/>
+              <a:t>EC2 EBS Default Encryption</a:t>
+            </a:r>
+          </a:p>
+        </p:txBody>
+      </p:sp>
+      <p:sp>
+        <p:nvSpPr>
+          <p:cNvPr id="102" name="Oval 101">
+            <a:extLst>
+              <a:ext uri="{FF2B5EF4-FFF2-40B4-BE49-F238E27FC236}">
+                <a16:creationId xmlns:a16="http://schemas.microsoft.com/office/drawing/2014/main" id="{613BD3F7-46F7-7A41-AE5D-A74E7EC62C3F}"/>
               </a:ext>
             </a:extLst>
           </p:cNvPr>
@@ -7056,8 +7862,8 @@
         </p:nvSpPr>
         <p:spPr>
           <a:xfrm>
-            <a:off x="2292251" y="2665210"/>
-            <a:ext cx="253435" cy="212902"/>
+            <a:off x="6586267" y="3135842"/>
+            <a:ext cx="300569" cy="204616"/>
           </a:xfrm>
           <a:prstGeom prst="ellipse">
             <a:avLst/>
@@ -7097,17 +7903,424 @@
                 <a:latin typeface="Arial" panose="020B0604020202020204" pitchFamily="34" charset="0"/>
                 <a:cs typeface="Arial" panose="020B0604020202020204" pitchFamily="34" charset="0"/>
               </a:rPr>
-              <a:t>1.3</a:t>
+              <a:t>1.10</a:t>
+            </a:r>
+          </a:p>
+        </p:txBody>
+      </p:sp>
+      <p:cxnSp>
+        <p:nvCxnSpPr>
+          <p:cNvPr id="87" name="Straight Arrow Connector 86">
+            <a:extLst>
+              <a:ext uri="{FF2B5EF4-FFF2-40B4-BE49-F238E27FC236}">
+                <a16:creationId xmlns:a16="http://schemas.microsoft.com/office/drawing/2014/main" id="{52486D5B-ED07-324F-86D5-FFA18A6204BD}"/>
+              </a:ext>
+            </a:extLst>
+          </p:cNvPr>
+          <p:cNvCxnSpPr>
+            <a:cxnSpLocks/>
+          </p:cNvCxnSpPr>
+          <p:nvPr/>
+        </p:nvCxnSpPr>
+        <p:spPr>
+          <a:xfrm>
+            <a:off x="4213525" y="2614198"/>
+            <a:ext cx="1882475" cy="760406"/>
+          </a:xfrm>
+          <a:prstGeom prst="straightConnector1">
+            <a:avLst/>
+          </a:prstGeom>
+          <a:ln>
+            <a:tailEnd type="triangle"/>
+          </a:ln>
+        </p:spPr>
+        <p:style>
+          <a:lnRef idx="1">
+            <a:schemeClr val="dk1"/>
+          </a:lnRef>
+          <a:fillRef idx="0">
+            <a:schemeClr val="dk1"/>
+          </a:fillRef>
+          <a:effectRef idx="0">
+            <a:schemeClr val="dk1"/>
+          </a:effectRef>
+          <a:fontRef idx="minor">
+            <a:schemeClr val="tx1"/>
+          </a:fontRef>
+        </p:style>
+      </p:cxnSp>
+      <p:sp>
+        <p:nvSpPr>
+          <p:cNvPr id="219" name="Rectangle 218">
+            <a:extLst>
+              <a:ext uri="{FF2B5EF4-FFF2-40B4-BE49-F238E27FC236}">
+                <a16:creationId xmlns:a16="http://schemas.microsoft.com/office/drawing/2014/main" id="{8285FC6D-3B87-4B9C-88D3-3F35940F3EB5}"/>
+              </a:ext>
+            </a:extLst>
+          </p:cNvPr>
+          <p:cNvSpPr/>
+          <p:nvPr/>
+        </p:nvSpPr>
+        <p:spPr>
+          <a:xfrm>
+            <a:off x="9514728" y="1542865"/>
+            <a:ext cx="1214131" cy="1307692"/>
+          </a:xfrm>
+          <a:prstGeom prst="rect">
+            <a:avLst/>
+          </a:prstGeom>
+          <a:solidFill>
+            <a:schemeClr val="bg1"/>
+          </a:solidFill>
+          <a:ln w="12700">
+            <a:solidFill>
+              <a:srgbClr val="5B9CD5"/>
+            </a:solidFill>
+            <a:prstDash val="sysDash"/>
+          </a:ln>
+          <a:effectLst>
+            <a:outerShdw blurRad="50800" dist="38100" dir="13500000" algn="br" rotWithShape="0">
+              <a:prstClr val="black">
+                <a:alpha val="40000"/>
+              </a:prstClr>
+            </a:outerShdw>
+          </a:effectLst>
+        </p:spPr>
+        <p:style>
+          <a:lnRef idx="2">
+            <a:schemeClr val="accent1">
+              <a:shade val="50000"/>
+            </a:schemeClr>
+          </a:lnRef>
+          <a:fillRef idx="1">
+            <a:schemeClr val="accent1"/>
+          </a:fillRef>
+          <a:effectRef idx="0">
+            <a:schemeClr val="accent1"/>
+          </a:effectRef>
+          <a:fontRef idx="minor">
+            <a:schemeClr val="lt1"/>
+          </a:fontRef>
+        </p:style>
+        <p:txBody>
+          <a:bodyPr lIns="502920" tIns="91440"/>
+          <a:lstStyle/>
+          <a:p>
+            <a:pPr eaLnBrk="1" fontAlgn="auto" hangingPunct="1">
+              <a:spcBef>
+                <a:spcPts val="0"/>
+              </a:spcBef>
+              <a:spcAft>
+                <a:spcPts val="0"/>
+              </a:spcAft>
+              <a:defRPr/>
+            </a:pPr>
+            <a:r>
+              <a:rPr lang="en-US" sz="1200" dirty="0">
+                <a:solidFill>
+                  <a:srgbClr val="5B9CD5"/>
+                </a:solidFill>
+                <a:latin typeface="Arial" panose="020B0604020202020204" pitchFamily="34" charset="0"/>
+                <a:cs typeface="Arial" panose="020B0604020202020204" pitchFamily="34" charset="0"/>
+              </a:rPr>
+              <a:t>Region n</a:t>
             </a:r>
           </a:p>
         </p:txBody>
       </p:sp>
       <p:pic>
         <p:nvPicPr>
-          <p:cNvPr id="89" name="Graphic 17">
-            <a:extLst>
-              <a:ext uri="{FF2B5EF4-FFF2-40B4-BE49-F238E27FC236}">
-                <a16:creationId xmlns:a16="http://schemas.microsoft.com/office/drawing/2014/main" id="{4E807F12-F2B9-E846-BD29-021CF8B1F96F}"/>
+          <p:cNvPr id="220" name="Graphic 219">
+            <a:extLst>
+              <a:ext uri="{FF2B5EF4-FFF2-40B4-BE49-F238E27FC236}">
+                <a16:creationId xmlns:a16="http://schemas.microsoft.com/office/drawing/2014/main" id="{AFCCB6F4-806C-4C4E-84CE-690FF90131F9}"/>
+              </a:ext>
+            </a:extLst>
+          </p:cNvPr>
+          <p:cNvPicPr>
+            <a:picLocks noChangeAspect="1"/>
+          </p:cNvPicPr>
+          <p:nvPr/>
+        </p:nvPicPr>
+        <p:blipFill>
+          <a:blip r:embed="rId11">
+            <a:extLst>
+              <a:ext uri="{96DAC541-7B7A-43D3-8B79-37D633B846F1}">
+                <asvg:svgBlip xmlns:asvg="http://schemas.microsoft.com/office/drawing/2016/SVG/main" r:embed="rId12"/>
+              </a:ext>
+            </a:extLst>
+          </a:blip>
+          <a:stretch>
+            <a:fillRect/>
+          </a:stretch>
+        </p:blipFill>
+        <p:spPr>
+          <a:xfrm>
+            <a:off x="9507866" y="1540474"/>
+            <a:ext cx="442506" cy="391567"/>
+          </a:xfrm>
+          <a:prstGeom prst="rect">
+            <a:avLst/>
+          </a:prstGeom>
+          <a:effectLst>
+            <a:outerShdw blurRad="50800" dist="38100" dir="13500000" algn="br" rotWithShape="0">
+              <a:prstClr val="black">
+                <a:alpha val="40000"/>
+              </a:prstClr>
+            </a:outerShdw>
+          </a:effectLst>
+        </p:spPr>
+      </p:pic>
+      <p:sp>
+        <p:nvSpPr>
+          <p:cNvPr id="221" name="Rectangle 220">
+            <a:extLst>
+              <a:ext uri="{FF2B5EF4-FFF2-40B4-BE49-F238E27FC236}">
+                <a16:creationId xmlns:a16="http://schemas.microsoft.com/office/drawing/2014/main" id="{F06A72F9-D2A0-425E-AA85-BFC13437F991}"/>
+              </a:ext>
+            </a:extLst>
+          </p:cNvPr>
+          <p:cNvSpPr/>
+          <p:nvPr/>
+        </p:nvSpPr>
+        <p:spPr>
+          <a:xfrm>
+            <a:off x="9624384" y="1839202"/>
+            <a:ext cx="1219493" cy="1307692"/>
+          </a:xfrm>
+          <a:prstGeom prst="rect">
+            <a:avLst/>
+          </a:prstGeom>
+          <a:solidFill>
+            <a:schemeClr val="bg1"/>
+          </a:solidFill>
+          <a:ln w="12700">
+            <a:solidFill>
+              <a:srgbClr val="5B9CD5"/>
+            </a:solidFill>
+            <a:prstDash val="sysDash"/>
+          </a:ln>
+          <a:effectLst>
+            <a:outerShdw blurRad="50800" dist="38100" dir="13500000" algn="br" rotWithShape="0">
+              <a:prstClr val="black">
+                <a:alpha val="40000"/>
+              </a:prstClr>
+            </a:outerShdw>
+          </a:effectLst>
+        </p:spPr>
+        <p:style>
+          <a:lnRef idx="2">
+            <a:schemeClr val="accent1">
+              <a:shade val="50000"/>
+            </a:schemeClr>
+          </a:lnRef>
+          <a:fillRef idx="1">
+            <a:schemeClr val="accent1"/>
+          </a:fillRef>
+          <a:effectRef idx="0">
+            <a:schemeClr val="accent1"/>
+          </a:effectRef>
+          <a:fontRef idx="minor">
+            <a:schemeClr val="lt1"/>
+          </a:fontRef>
+        </p:style>
+        <p:txBody>
+          <a:bodyPr lIns="502920" tIns="91440"/>
+          <a:lstStyle/>
+          <a:p>
+            <a:pPr eaLnBrk="1" fontAlgn="auto" hangingPunct="1">
+              <a:spcBef>
+                <a:spcPts val="0"/>
+              </a:spcBef>
+              <a:spcAft>
+                <a:spcPts val="0"/>
+              </a:spcAft>
+              <a:defRPr/>
+            </a:pPr>
+            <a:r>
+              <a:rPr lang="en-US" sz="1200" dirty="0">
+                <a:solidFill>
+                  <a:srgbClr val="5B9CD5"/>
+                </a:solidFill>
+                <a:latin typeface="Arial" panose="020B0604020202020204" pitchFamily="34" charset="0"/>
+                <a:cs typeface="Arial" panose="020B0604020202020204" pitchFamily="34" charset="0"/>
+              </a:rPr>
+              <a:t>Region 1</a:t>
+            </a:r>
+          </a:p>
+        </p:txBody>
+      </p:sp>
+      <p:pic>
+        <p:nvPicPr>
+          <p:cNvPr id="222" name="Graphic 221">
+            <a:extLst>
+              <a:ext uri="{FF2B5EF4-FFF2-40B4-BE49-F238E27FC236}">
+                <a16:creationId xmlns:a16="http://schemas.microsoft.com/office/drawing/2014/main" id="{EE953E73-7451-4F3B-BBE8-6C322C11B80E}"/>
+              </a:ext>
+            </a:extLst>
+          </p:cNvPr>
+          <p:cNvPicPr>
+            <a:picLocks noChangeAspect="1"/>
+          </p:cNvPicPr>
+          <p:nvPr/>
+        </p:nvPicPr>
+        <p:blipFill>
+          <a:blip r:embed="rId11">
+            <a:extLst>
+              <a:ext uri="{96DAC541-7B7A-43D3-8B79-37D633B846F1}">
+                <asvg:svgBlip xmlns:asvg="http://schemas.microsoft.com/office/drawing/2016/SVG/main" r:embed="rId12"/>
+              </a:ext>
+            </a:extLst>
+          </a:blip>
+          <a:stretch>
+            <a:fillRect/>
+          </a:stretch>
+        </p:blipFill>
+        <p:spPr>
+          <a:xfrm>
+            <a:off x="9624384" y="1836811"/>
+            <a:ext cx="442506" cy="391567"/>
+          </a:xfrm>
+          <a:prstGeom prst="rect">
+            <a:avLst/>
+          </a:prstGeom>
+          <a:effectLst>
+            <a:outerShdw blurRad="50800" dist="38100" dir="13500000" algn="br" rotWithShape="0">
+              <a:prstClr val="black">
+                <a:alpha val="40000"/>
+              </a:prstClr>
+            </a:outerShdw>
+          </a:effectLst>
+        </p:spPr>
+      </p:pic>
+      <p:sp>
+        <p:nvSpPr>
+          <p:cNvPr id="223" name="Rectangle 222">
+            <a:extLst>
+              <a:ext uri="{FF2B5EF4-FFF2-40B4-BE49-F238E27FC236}">
+                <a16:creationId xmlns:a16="http://schemas.microsoft.com/office/drawing/2014/main" id="{1F463182-F1CB-48CA-9B04-E3E39C3B8EA1}"/>
+              </a:ext>
+            </a:extLst>
+          </p:cNvPr>
+          <p:cNvSpPr/>
+          <p:nvPr/>
+        </p:nvSpPr>
+        <p:spPr>
+          <a:xfrm>
+            <a:off x="9734041" y="2145528"/>
+            <a:ext cx="1229019" cy="1307692"/>
+          </a:xfrm>
+          <a:prstGeom prst="rect">
+            <a:avLst/>
+          </a:prstGeom>
+          <a:solidFill>
+            <a:schemeClr val="bg1"/>
+          </a:solidFill>
+          <a:ln w="12700">
+            <a:solidFill>
+              <a:srgbClr val="5B9CD5"/>
+            </a:solidFill>
+            <a:prstDash val="sysDash"/>
+          </a:ln>
+          <a:effectLst>
+            <a:outerShdw blurRad="50800" dist="38100" dir="13500000" algn="br" rotWithShape="0">
+              <a:prstClr val="black">
+                <a:alpha val="40000"/>
+              </a:prstClr>
+            </a:outerShdw>
+          </a:effectLst>
+        </p:spPr>
+        <p:style>
+          <a:lnRef idx="2">
+            <a:schemeClr val="accent1">
+              <a:shade val="50000"/>
+            </a:schemeClr>
+          </a:lnRef>
+          <a:fillRef idx="1">
+            <a:schemeClr val="accent1"/>
+          </a:fillRef>
+          <a:effectRef idx="0">
+            <a:schemeClr val="accent1"/>
+          </a:effectRef>
+          <a:fontRef idx="minor">
+            <a:schemeClr val="lt1"/>
+          </a:fontRef>
+        </p:style>
+        <p:txBody>
+          <a:bodyPr lIns="502920" tIns="91440"/>
+          <a:lstStyle/>
+          <a:p>
+            <a:pPr eaLnBrk="1" fontAlgn="auto" hangingPunct="1">
+              <a:spcBef>
+                <a:spcPts val="0"/>
+              </a:spcBef>
+              <a:spcAft>
+                <a:spcPts val="0"/>
+              </a:spcAft>
+              <a:defRPr/>
+            </a:pPr>
+            <a:r>
+              <a:rPr lang="en-US" sz="1200" dirty="0">
+                <a:solidFill>
+                  <a:srgbClr val="5B9CD5"/>
+                </a:solidFill>
+                <a:latin typeface="Arial" panose="020B0604020202020204" pitchFamily="34" charset="0"/>
+                <a:cs typeface="Arial" panose="020B0604020202020204" pitchFamily="34" charset="0"/>
+              </a:rPr>
+              <a:t>Region 2</a:t>
+            </a:r>
+          </a:p>
+        </p:txBody>
+      </p:sp>
+      <p:pic>
+        <p:nvPicPr>
+          <p:cNvPr id="224" name="Graphic 223">
+            <a:extLst>
+              <a:ext uri="{FF2B5EF4-FFF2-40B4-BE49-F238E27FC236}">
+                <a16:creationId xmlns:a16="http://schemas.microsoft.com/office/drawing/2014/main" id="{793AD9EC-38F6-455E-9EC2-C9CC10CBDC1F}"/>
+              </a:ext>
+            </a:extLst>
+          </p:cNvPr>
+          <p:cNvPicPr>
+            <a:picLocks noChangeAspect="1"/>
+          </p:cNvPicPr>
+          <p:nvPr/>
+        </p:nvPicPr>
+        <p:blipFill>
+          <a:blip r:embed="rId11">
+            <a:extLst>
+              <a:ext uri="{96DAC541-7B7A-43D3-8B79-37D633B846F1}">
+                <asvg:svgBlip xmlns:asvg="http://schemas.microsoft.com/office/drawing/2016/SVG/main" r:embed="rId12"/>
+              </a:ext>
+            </a:extLst>
+          </a:blip>
+          <a:stretch>
+            <a:fillRect/>
+          </a:stretch>
+        </p:blipFill>
+        <p:spPr>
+          <a:xfrm>
+            <a:off x="9732233" y="2142898"/>
+            <a:ext cx="442506" cy="391567"/>
+          </a:xfrm>
+          <a:prstGeom prst="rect">
+            <a:avLst/>
+          </a:prstGeom>
+          <a:effectLst>
+            <a:outerShdw blurRad="50800" dist="38100" dir="13500000" algn="br" rotWithShape="0">
+              <a:prstClr val="black">
+                <a:alpha val="40000"/>
+              </a:prstClr>
+            </a:outerShdw>
+          </a:effectLst>
+        </p:spPr>
+      </p:pic>
+      <p:pic>
+        <p:nvPicPr>
+          <p:cNvPr id="225" name="Graphic 5">
+            <a:extLst>
+              <a:ext uri="{FF2B5EF4-FFF2-40B4-BE49-F238E27FC236}">
+                <a16:creationId xmlns:a16="http://schemas.microsoft.com/office/drawing/2014/main" id="{045C0EDA-5B78-4766-BE86-EEEA5488C7C4}"/>
               </a:ext>
             </a:extLst>
           </p:cNvPr>
@@ -7117,7 +8330,7 @@
           <p:nvPr/>
         </p:nvPicPr>
         <p:blipFill>
-          <a:blip r:embed="rId12">
+          <a:blip r:embed="rId18">
             <a:extLst>
               <a:ext uri="{28A0092B-C50C-407E-A947-70E740481C1C}">
                 <a14:useLocalDpi xmlns:a14="http://schemas.microsoft.com/office/drawing/2010/main" val="0"/>
@@ -7131,7 +8344,7 @@
         </p:blipFill>
         <p:spPr bwMode="auto">
           <a:xfrm>
-            <a:off x="5229346" y="1565081"/>
+            <a:off x="10157372" y="2594069"/>
             <a:ext cx="457200" cy="457200"/>
           </a:xfrm>
           <a:prstGeom prst="rect">
@@ -7164,10 +8377,10 @@
       </p:pic>
       <p:sp>
         <p:nvSpPr>
-          <p:cNvPr id="90" name="TextBox 2">
-            <a:extLst>
-              <a:ext uri="{FF2B5EF4-FFF2-40B4-BE49-F238E27FC236}">
-                <a16:creationId xmlns:a16="http://schemas.microsoft.com/office/drawing/2014/main" id="{1EE3938C-4E20-7749-931B-F85CCCF46788}"/>
+          <p:cNvPr id="228" name="TextBox 227">
+            <a:extLst>
+              <a:ext uri="{FF2B5EF4-FFF2-40B4-BE49-F238E27FC236}">
+                <a16:creationId xmlns:a16="http://schemas.microsoft.com/office/drawing/2014/main" id="{4B607C32-9685-4980-B601-F0C14A762EBE}"/>
               </a:ext>
             </a:extLst>
           </p:cNvPr>
@@ -7176,288 +8389,38 @@
         </p:nvSpPr>
         <p:spPr>
           <a:xfrm>
-            <a:off x="4994821" y="1967111"/>
-            <a:ext cx="932275" cy="261610"/>
+            <a:off x="9727072" y="3049278"/>
+            <a:ext cx="1313223" cy="430887"/>
           </a:xfrm>
           <a:prstGeom prst="rect">
             <a:avLst/>
           </a:prstGeom>
           <a:noFill/>
         </p:spPr>
-        <p:style>
-          <a:lnRef idx="0">
-            <a:scrgbClr r="0" g="0" b="0"/>
-          </a:lnRef>
-          <a:fillRef idx="0">
-            <a:scrgbClr r="0" g="0" b="0"/>
-          </a:fillRef>
-          <a:effectRef idx="0">
-            <a:scrgbClr r="0" g="0" b="0"/>
-          </a:effectRef>
-          <a:fontRef idx="major"/>
-        </p:style>
         <p:txBody>
           <a:bodyPr wrap="square" rtlCol="0">
             <a:spAutoFit/>
           </a:bodyPr>
-          <a:lstStyle>
-            <a:lvl1pPr>
-              <a:defRPr>
-                <a:latin typeface="+mj-lt"/>
-                <a:ea typeface="+mj-ea"/>
-                <a:cs typeface="+mj-cs"/>
-              </a:defRPr>
-            </a:lvl1pPr>
-            <a:lvl2pPr>
-              <a:defRPr>
-                <a:latin typeface="+mj-lt"/>
-                <a:ea typeface="+mj-ea"/>
-                <a:cs typeface="+mj-cs"/>
-              </a:defRPr>
-            </a:lvl2pPr>
-            <a:lvl3pPr>
-              <a:defRPr>
-                <a:latin typeface="+mj-lt"/>
-                <a:ea typeface="+mj-ea"/>
-                <a:cs typeface="+mj-cs"/>
-              </a:defRPr>
-            </a:lvl3pPr>
-            <a:lvl4pPr>
-              <a:defRPr>
-                <a:latin typeface="+mj-lt"/>
-                <a:ea typeface="+mj-ea"/>
-                <a:cs typeface="+mj-cs"/>
-              </a:defRPr>
-            </a:lvl4pPr>
-            <a:lvl5pPr>
-              <a:defRPr>
-                <a:latin typeface="+mj-lt"/>
-                <a:ea typeface="+mj-ea"/>
-                <a:cs typeface="+mj-cs"/>
-              </a:defRPr>
-            </a:lvl5pPr>
-            <a:lvl6pPr>
-              <a:defRPr>
-                <a:latin typeface="+mj-lt"/>
-                <a:ea typeface="+mj-ea"/>
-                <a:cs typeface="+mj-cs"/>
-              </a:defRPr>
-            </a:lvl6pPr>
-            <a:lvl7pPr>
-              <a:defRPr>
-                <a:latin typeface="+mj-lt"/>
-                <a:ea typeface="+mj-ea"/>
-                <a:cs typeface="+mj-cs"/>
-              </a:defRPr>
-            </a:lvl7pPr>
-            <a:lvl8pPr>
-              <a:defRPr>
-                <a:latin typeface="+mj-lt"/>
-                <a:ea typeface="+mj-ea"/>
-                <a:cs typeface="+mj-cs"/>
-              </a:defRPr>
-            </a:lvl8pPr>
-            <a:lvl9pPr>
-              <a:defRPr>
-                <a:latin typeface="+mj-lt"/>
-                <a:ea typeface="+mj-ea"/>
-                <a:cs typeface="+mj-cs"/>
-              </a:defRPr>
-            </a:lvl9pPr>
-          </a:lstStyle>
+          <a:lstStyle/>
           <a:p>
             <a:pPr algn="ctr"/>
             <a:r>
-              <a:rPr lang="en-US" sz="1100" dirty="0">
+              <a:rPr lang="en-US" altLang="en-US" sz="1100" dirty="0">
                 <a:latin typeface="Arial" panose="020B0604020202020204" pitchFamily="34" charset="0"/>
+                <a:ea typeface="Amazon Ember" panose="020B0603020204020204" pitchFamily="34" charset="0"/>
                 <a:cs typeface="Arial" panose="020B0604020202020204" pitchFamily="34" charset="0"/>
               </a:rPr>
-              <a:t>Alarm Topic</a:t>
-            </a:r>
-          </a:p>
-        </p:txBody>
-      </p:sp>
-      <p:pic>
-        <p:nvPicPr>
-          <p:cNvPr id="91" name="Graphic 29">
-            <a:extLst>
-              <a:ext uri="{FF2B5EF4-FFF2-40B4-BE49-F238E27FC236}">
-                <a16:creationId xmlns:a16="http://schemas.microsoft.com/office/drawing/2014/main" id="{C01609E9-9C04-3347-B67E-B6AB45A60054}"/>
-              </a:ext>
-            </a:extLst>
-          </p:cNvPr>
-          <p:cNvPicPr>
-            <a:picLocks noChangeAspect="1" noChangeArrowheads="1"/>
-          </p:cNvPicPr>
-          <p:nvPr/>
-        </p:nvPicPr>
-        <p:blipFill>
-          <a:blip r:embed="rId13">
-            <a:extLst>
-              <a:ext uri="{28A0092B-C50C-407E-A947-70E740481C1C}">
-                <a14:useLocalDpi xmlns:a14="http://schemas.microsoft.com/office/drawing/2010/main" val="0"/>
-              </a:ext>
-            </a:extLst>
-          </a:blip>
-          <a:srcRect/>
-          <a:stretch>
-            <a:fillRect/>
-          </a:stretch>
-        </p:blipFill>
-        <p:spPr bwMode="auto">
-          <a:xfrm>
-            <a:off x="3978266" y="1564695"/>
-            <a:ext cx="457200" cy="457200"/>
-          </a:xfrm>
-          <a:prstGeom prst="rect">
-            <a:avLst/>
-          </a:prstGeom>
-          <a:noFill/>
-          <a:ln>
-            <a:noFill/>
-          </a:ln>
-          <a:extLst>
-            <a:ext uri="{909E8E84-426E-40DD-AFC4-6F175D3DCCD1}">
-              <a14:hiddenFill xmlns:a14="http://schemas.microsoft.com/office/drawing/2010/main">
-                <a:solidFill>
-                  <a:srgbClr val="FFFFFF"/>
-                </a:solidFill>
-              </a14:hiddenFill>
-            </a:ext>
-            <a:ext uri="{91240B29-F687-4F45-9708-019B960494DF}">
-              <a14:hiddenLine xmlns:a14="http://schemas.microsoft.com/office/drawing/2010/main" w="9525">
-                <a:solidFill>
-                  <a:srgbClr val="000000"/>
-                </a:solidFill>
-                <a:miter lim="800000"/>
-                <a:headEnd/>
-                <a:tailEnd/>
-              </a14:hiddenLine>
-            </a:ext>
-          </a:extLst>
-        </p:spPr>
-      </p:pic>
-      <p:sp>
-        <p:nvSpPr>
-          <p:cNvPr id="92" name="TextBox 2">
-            <a:extLst>
-              <a:ext uri="{FF2B5EF4-FFF2-40B4-BE49-F238E27FC236}">
-                <a16:creationId xmlns:a16="http://schemas.microsoft.com/office/drawing/2014/main" id="{CD6A58A6-A8AF-5244-8BB1-6CF44D05A5C9}"/>
-              </a:ext>
-            </a:extLst>
-          </p:cNvPr>
-          <p:cNvSpPr txBox="1"/>
-          <p:nvPr/>
-        </p:nvSpPr>
-        <p:spPr>
-          <a:xfrm>
-            <a:off x="3739460" y="1939184"/>
-            <a:ext cx="932275" cy="261610"/>
-          </a:xfrm>
-          <a:prstGeom prst="rect">
-            <a:avLst/>
-          </a:prstGeom>
-          <a:noFill/>
-        </p:spPr>
-        <p:style>
-          <a:lnRef idx="0">
-            <a:scrgbClr r="0" g="0" b="0"/>
-          </a:lnRef>
-          <a:fillRef idx="0">
-            <a:scrgbClr r="0" g="0" b="0"/>
-          </a:fillRef>
-          <a:effectRef idx="0">
-            <a:scrgbClr r="0" g="0" b="0"/>
-          </a:effectRef>
-          <a:fontRef idx="major"/>
-        </p:style>
-        <p:txBody>
-          <a:bodyPr wrap="square" rtlCol="0">
-            <a:spAutoFit/>
-          </a:bodyPr>
-          <a:lstStyle>
-            <a:lvl1pPr>
-              <a:defRPr>
-                <a:latin typeface="+mj-lt"/>
-                <a:ea typeface="+mj-ea"/>
-                <a:cs typeface="+mj-cs"/>
-              </a:defRPr>
-            </a:lvl1pPr>
-            <a:lvl2pPr>
-              <a:defRPr>
-                <a:latin typeface="+mj-lt"/>
-                <a:ea typeface="+mj-ea"/>
-                <a:cs typeface="+mj-cs"/>
-              </a:defRPr>
-            </a:lvl2pPr>
-            <a:lvl3pPr>
-              <a:defRPr>
-                <a:latin typeface="+mj-lt"/>
-                <a:ea typeface="+mj-ea"/>
-                <a:cs typeface="+mj-cs"/>
-              </a:defRPr>
-            </a:lvl3pPr>
-            <a:lvl4pPr>
-              <a:defRPr>
-                <a:latin typeface="+mj-lt"/>
-                <a:ea typeface="+mj-ea"/>
-                <a:cs typeface="+mj-cs"/>
-              </a:defRPr>
-            </a:lvl4pPr>
-            <a:lvl5pPr>
-              <a:defRPr>
-                <a:latin typeface="+mj-lt"/>
-                <a:ea typeface="+mj-ea"/>
-                <a:cs typeface="+mj-cs"/>
-              </a:defRPr>
-            </a:lvl5pPr>
-            <a:lvl6pPr>
-              <a:defRPr>
-                <a:latin typeface="+mj-lt"/>
-                <a:ea typeface="+mj-ea"/>
-                <a:cs typeface="+mj-cs"/>
-              </a:defRPr>
-            </a:lvl6pPr>
-            <a:lvl7pPr>
-              <a:defRPr>
-                <a:latin typeface="+mj-lt"/>
-                <a:ea typeface="+mj-ea"/>
-                <a:cs typeface="+mj-cs"/>
-              </a:defRPr>
-            </a:lvl7pPr>
-            <a:lvl8pPr>
-              <a:defRPr>
-                <a:latin typeface="+mj-lt"/>
-                <a:ea typeface="+mj-ea"/>
-                <a:cs typeface="+mj-cs"/>
-              </a:defRPr>
-            </a:lvl8pPr>
-            <a:lvl9pPr>
-              <a:defRPr>
-                <a:latin typeface="+mj-lt"/>
-                <a:ea typeface="+mj-ea"/>
-                <a:cs typeface="+mj-cs"/>
-              </a:defRPr>
-            </a:lvl9pPr>
-          </a:lstStyle>
-          <a:p>
-            <a:pPr algn="ctr"/>
-            <a:r>
-              <a:rPr lang="en-US" sz="1100" dirty="0">
-                <a:latin typeface="Arial" panose="020B0604020202020204" pitchFamily="34" charset="0"/>
-                <a:cs typeface="Arial" panose="020B0604020202020204" pitchFamily="34" charset="0"/>
-              </a:rPr>
-              <a:t>DLQ</a:t>
-            </a:r>
-          </a:p>
-        </p:txBody>
-      </p:sp>
-      <p:sp>
-        <p:nvSpPr>
-          <p:cNvPr id="93" name="Oval 92">
-            <a:extLst>
-              <a:ext uri="{FF2B5EF4-FFF2-40B4-BE49-F238E27FC236}">
-                <a16:creationId xmlns:a16="http://schemas.microsoft.com/office/drawing/2014/main" id="{FFD5E600-5808-894E-828E-A55B40FE4DF5}"/>
+              <a:t>EC2 EBS Default Encryption</a:t>
+            </a:r>
+          </a:p>
+        </p:txBody>
+      </p:sp>
+      <p:sp>
+        <p:nvSpPr>
+          <p:cNvPr id="229" name="Oval 228">
+            <a:extLst>
+              <a:ext uri="{FF2B5EF4-FFF2-40B4-BE49-F238E27FC236}">
+                <a16:creationId xmlns:a16="http://schemas.microsoft.com/office/drawing/2014/main" id="{13819AC0-B5A1-43A4-9869-46D4DB369961}"/>
               </a:ext>
             </a:extLst>
           </p:cNvPr>
@@ -7466,8 +8429,8 @@
         </p:nvSpPr>
         <p:spPr>
           <a:xfrm>
-            <a:off x="3818850" y="1608719"/>
-            <a:ext cx="253435" cy="212902"/>
+            <a:off x="10461358" y="2492487"/>
+            <a:ext cx="300569" cy="204616"/>
           </a:xfrm>
           <a:prstGeom prst="ellipse">
             <a:avLst/>
@@ -7507,527 +8470,7 @@
                 <a:latin typeface="Arial" panose="020B0604020202020204" pitchFamily="34" charset="0"/>
                 <a:cs typeface="Arial" panose="020B0604020202020204" pitchFamily="34" charset="0"/>
               </a:rPr>
-              <a:t>1.5</a:t>
-            </a:r>
-          </a:p>
-        </p:txBody>
-      </p:sp>
-      <p:cxnSp>
-        <p:nvCxnSpPr>
-          <p:cNvPr id="94" name="Straight Arrow Connector 93">
-            <a:extLst>
-              <a:ext uri="{FF2B5EF4-FFF2-40B4-BE49-F238E27FC236}">
-                <a16:creationId xmlns:a16="http://schemas.microsoft.com/office/drawing/2014/main" id="{6FA9A287-0AFF-F34D-9FAF-3BFDED2805C9}"/>
-              </a:ext>
-            </a:extLst>
-          </p:cNvPr>
-          <p:cNvCxnSpPr>
-            <a:cxnSpLocks/>
-          </p:cNvCxnSpPr>
-          <p:nvPr/>
-        </p:nvCxnSpPr>
-        <p:spPr>
-          <a:xfrm>
-            <a:off x="4611449" y="1793681"/>
-            <a:ext cx="400920" cy="0"/>
-          </a:xfrm>
-          <a:prstGeom prst="straightConnector1">
-            <a:avLst/>
-          </a:prstGeom>
-          <a:ln>
-            <a:tailEnd type="triangle"/>
-          </a:ln>
-        </p:spPr>
-        <p:style>
-          <a:lnRef idx="1">
-            <a:schemeClr val="dk1"/>
-          </a:lnRef>
-          <a:fillRef idx="0">
-            <a:schemeClr val="dk1"/>
-          </a:fillRef>
-          <a:effectRef idx="0">
-            <a:schemeClr val="dk1"/>
-          </a:effectRef>
-          <a:fontRef idx="minor">
-            <a:schemeClr val="tx1"/>
-          </a:fontRef>
-        </p:style>
-      </p:cxnSp>
-      <p:sp>
-        <p:nvSpPr>
-          <p:cNvPr id="95" name="Oval 94">
-            <a:extLst>
-              <a:ext uri="{FF2B5EF4-FFF2-40B4-BE49-F238E27FC236}">
-                <a16:creationId xmlns:a16="http://schemas.microsoft.com/office/drawing/2014/main" id="{4A958879-00CB-384E-A359-39049747990A}"/>
-              </a:ext>
-            </a:extLst>
-          </p:cNvPr>
-          <p:cNvSpPr/>
-          <p:nvPr/>
-        </p:nvSpPr>
-        <p:spPr>
-          <a:xfrm>
-            <a:off x="5273695" y="1619465"/>
-            <a:ext cx="253435" cy="212902"/>
-          </a:xfrm>
-          <a:prstGeom prst="ellipse">
-            <a:avLst/>
-          </a:prstGeom>
-          <a:solidFill>
-            <a:schemeClr val="tx1"/>
-          </a:solidFill>
-          <a:ln>
-            <a:solidFill>
-              <a:schemeClr val="tx1"/>
-            </a:solidFill>
-          </a:ln>
-        </p:spPr>
-        <p:style>
-          <a:lnRef idx="2">
-            <a:schemeClr val="accent1">
-              <a:shade val="50000"/>
-            </a:schemeClr>
-          </a:lnRef>
-          <a:fillRef idx="1">
-            <a:schemeClr val="accent1"/>
-          </a:fillRef>
-          <a:effectRef idx="0">
-            <a:schemeClr val="accent1"/>
-          </a:effectRef>
-          <a:fontRef idx="minor">
-            <a:schemeClr val="lt1"/>
-          </a:fontRef>
-        </p:style>
-        <p:txBody>
-          <a:bodyPr lIns="0" tIns="0" rIns="0" bIns="0" rtlCol="0" anchor="ctr"/>
-          <a:lstStyle/>
-          <a:p>
-            <a:pPr algn="ctr"/>
-            <a:r>
-              <a:rPr lang="en-US" sz="800" dirty="0">
-                <a:latin typeface="Arial" panose="020B0604020202020204" pitchFamily="34" charset="0"/>
-                <a:cs typeface="Arial" panose="020B0604020202020204" pitchFamily="34" charset="0"/>
-              </a:rPr>
-              <a:t>1.8</a:t>
-            </a:r>
-          </a:p>
-        </p:txBody>
-      </p:sp>
-      <p:pic>
-        <p:nvPicPr>
-          <p:cNvPr id="96" name="Graphic 17">
-            <a:extLst>
-              <a:ext uri="{FF2B5EF4-FFF2-40B4-BE49-F238E27FC236}">
-                <a16:creationId xmlns:a16="http://schemas.microsoft.com/office/drawing/2014/main" id="{2CA3BC84-DFF5-F644-9536-42B537E5EDAA}"/>
-              </a:ext>
-            </a:extLst>
-          </p:cNvPr>
-          <p:cNvPicPr>
-            <a:picLocks noChangeAspect="1" noChangeArrowheads="1"/>
-          </p:cNvPicPr>
-          <p:nvPr/>
-        </p:nvPicPr>
-        <p:blipFill>
-          <a:blip r:embed="rId12">
-            <a:extLst>
-              <a:ext uri="{28A0092B-C50C-407E-A947-70E740481C1C}">
-                <a14:useLocalDpi xmlns:a14="http://schemas.microsoft.com/office/drawing/2010/main" val="0"/>
-              </a:ext>
-            </a:extLst>
-          </a:blip>
-          <a:srcRect/>
-          <a:stretch>
-            <a:fillRect/>
-          </a:stretch>
-        </p:blipFill>
-        <p:spPr bwMode="auto">
-          <a:xfrm>
-            <a:off x="5244424" y="3827258"/>
-            <a:ext cx="457200" cy="457200"/>
-          </a:xfrm>
-          <a:prstGeom prst="rect">
-            <a:avLst/>
-          </a:prstGeom>
-          <a:noFill/>
-          <a:ln>
-            <a:noFill/>
-          </a:ln>
-          <a:extLst>
-            <a:ext uri="{909E8E84-426E-40DD-AFC4-6F175D3DCCD1}">
-              <a14:hiddenFill xmlns:a14="http://schemas.microsoft.com/office/drawing/2010/main">
-                <a:solidFill>
-                  <a:srgbClr val="FFFFFF"/>
-                </a:solidFill>
-              </a14:hiddenFill>
-            </a:ext>
-            <a:ext uri="{91240B29-F687-4F45-9708-019B960494DF}">
-              <a14:hiddenLine xmlns:a14="http://schemas.microsoft.com/office/drawing/2010/main" w="9525">
-                <a:solidFill>
-                  <a:srgbClr val="000000"/>
-                </a:solidFill>
-                <a:miter lim="800000"/>
-                <a:headEnd/>
-                <a:tailEnd/>
-              </a14:hiddenLine>
-            </a:ext>
-          </a:extLst>
-        </p:spPr>
-      </p:pic>
-      <p:sp>
-        <p:nvSpPr>
-          <p:cNvPr id="97" name="TextBox 2">
-            <a:extLst>
-              <a:ext uri="{FF2B5EF4-FFF2-40B4-BE49-F238E27FC236}">
-                <a16:creationId xmlns:a16="http://schemas.microsoft.com/office/drawing/2014/main" id="{18EF822D-C83B-FC44-8C3F-AC38BC6F1044}"/>
-              </a:ext>
-            </a:extLst>
-          </p:cNvPr>
-          <p:cNvSpPr txBox="1"/>
-          <p:nvPr/>
-        </p:nvSpPr>
-        <p:spPr>
-          <a:xfrm>
-            <a:off x="5010375" y="4233795"/>
-            <a:ext cx="917042" cy="261610"/>
-          </a:xfrm>
-          <a:prstGeom prst="rect">
-            <a:avLst/>
-          </a:prstGeom>
-          <a:noFill/>
-        </p:spPr>
-        <p:style>
-          <a:lnRef idx="0">
-            <a:scrgbClr r="0" g="0" b="0"/>
-          </a:lnRef>
-          <a:fillRef idx="0">
-            <a:scrgbClr r="0" g="0" b="0"/>
-          </a:fillRef>
-          <a:effectRef idx="0">
-            <a:scrgbClr r="0" g="0" b="0"/>
-          </a:effectRef>
-          <a:fontRef idx="major"/>
-        </p:style>
-        <p:txBody>
-          <a:bodyPr wrap="square" rtlCol="0">
-            <a:spAutoFit/>
-          </a:bodyPr>
-          <a:lstStyle>
-            <a:lvl1pPr>
-              <a:defRPr>
-                <a:latin typeface="+mj-lt"/>
-                <a:ea typeface="+mj-ea"/>
-                <a:cs typeface="+mj-cs"/>
-              </a:defRPr>
-            </a:lvl1pPr>
-            <a:lvl2pPr>
-              <a:defRPr>
-                <a:latin typeface="+mj-lt"/>
-                <a:ea typeface="+mj-ea"/>
-                <a:cs typeface="+mj-cs"/>
-              </a:defRPr>
-            </a:lvl2pPr>
-            <a:lvl3pPr>
-              <a:defRPr>
-                <a:latin typeface="+mj-lt"/>
-                <a:ea typeface="+mj-ea"/>
-                <a:cs typeface="+mj-cs"/>
-              </a:defRPr>
-            </a:lvl3pPr>
-            <a:lvl4pPr>
-              <a:defRPr>
-                <a:latin typeface="+mj-lt"/>
-                <a:ea typeface="+mj-ea"/>
-                <a:cs typeface="+mj-cs"/>
-              </a:defRPr>
-            </a:lvl4pPr>
-            <a:lvl5pPr>
-              <a:defRPr>
-                <a:latin typeface="+mj-lt"/>
-                <a:ea typeface="+mj-ea"/>
-                <a:cs typeface="+mj-cs"/>
-              </a:defRPr>
-            </a:lvl5pPr>
-            <a:lvl6pPr>
-              <a:defRPr>
-                <a:latin typeface="+mj-lt"/>
-                <a:ea typeface="+mj-ea"/>
-                <a:cs typeface="+mj-cs"/>
-              </a:defRPr>
-            </a:lvl6pPr>
-            <a:lvl7pPr>
-              <a:defRPr>
-                <a:latin typeface="+mj-lt"/>
-                <a:ea typeface="+mj-ea"/>
-                <a:cs typeface="+mj-cs"/>
-              </a:defRPr>
-            </a:lvl7pPr>
-            <a:lvl8pPr>
-              <a:defRPr>
-                <a:latin typeface="+mj-lt"/>
-                <a:ea typeface="+mj-ea"/>
-                <a:cs typeface="+mj-cs"/>
-              </a:defRPr>
-            </a:lvl8pPr>
-            <a:lvl9pPr>
-              <a:defRPr>
-                <a:latin typeface="+mj-lt"/>
-                <a:ea typeface="+mj-ea"/>
-                <a:cs typeface="+mj-cs"/>
-              </a:defRPr>
-            </a:lvl9pPr>
-          </a:lstStyle>
-          <a:p>
-            <a:pPr algn="ctr"/>
-            <a:r>
-              <a:rPr lang="en-US" sz="1100" dirty="0">
-                <a:latin typeface="Arial" panose="020B0604020202020204" pitchFamily="34" charset="0"/>
-                <a:cs typeface="Arial" panose="020B0604020202020204" pitchFamily="34" charset="0"/>
-              </a:rPr>
-              <a:t>SNS Topic</a:t>
-            </a:r>
-          </a:p>
-        </p:txBody>
-      </p:sp>
-      <p:sp>
-        <p:nvSpPr>
-          <p:cNvPr id="98" name="Oval 97">
-            <a:extLst>
-              <a:ext uri="{FF2B5EF4-FFF2-40B4-BE49-F238E27FC236}">
-                <a16:creationId xmlns:a16="http://schemas.microsoft.com/office/drawing/2014/main" id="{375B10A1-F352-8E4F-9409-688907E4606C}"/>
-              </a:ext>
-            </a:extLst>
-          </p:cNvPr>
-          <p:cNvSpPr/>
-          <p:nvPr/>
-        </p:nvSpPr>
-        <p:spPr>
-          <a:xfrm>
-            <a:off x="5278789" y="3880099"/>
-            <a:ext cx="253435" cy="212902"/>
-          </a:xfrm>
-          <a:prstGeom prst="ellipse">
-            <a:avLst/>
-          </a:prstGeom>
-          <a:solidFill>
-            <a:schemeClr val="tx1"/>
-          </a:solidFill>
-          <a:ln>
-            <a:solidFill>
-              <a:schemeClr val="tx1"/>
-            </a:solidFill>
-          </a:ln>
-        </p:spPr>
-        <p:style>
-          <a:lnRef idx="2">
-            <a:schemeClr val="accent1">
-              <a:shade val="50000"/>
-            </a:schemeClr>
-          </a:lnRef>
-          <a:fillRef idx="1">
-            <a:schemeClr val="accent1"/>
-          </a:fillRef>
-          <a:effectRef idx="0">
-            <a:schemeClr val="accent1"/>
-          </a:effectRef>
-          <a:fontRef idx="minor">
-            <a:schemeClr val="lt1"/>
-          </a:fontRef>
-        </p:style>
-        <p:txBody>
-          <a:bodyPr lIns="0" tIns="0" rIns="0" bIns="0" rtlCol="0" anchor="ctr"/>
-          <a:lstStyle/>
-          <a:p>
-            <a:pPr algn="ctr"/>
-            <a:r>
-              <a:rPr lang="en-US" sz="800" dirty="0">
-                <a:latin typeface="Arial" panose="020B0604020202020204" pitchFamily="34" charset="0"/>
-                <a:cs typeface="Arial" panose="020B0604020202020204" pitchFamily="34" charset="0"/>
-              </a:rPr>
-              <a:t>1.9</a:t>
-            </a:r>
-          </a:p>
-        </p:txBody>
-      </p:sp>
-      <p:cxnSp>
-        <p:nvCxnSpPr>
-          <p:cNvPr id="99" name="Straight Arrow Connector 98">
-            <a:extLst>
-              <a:ext uri="{FF2B5EF4-FFF2-40B4-BE49-F238E27FC236}">
-                <a16:creationId xmlns:a16="http://schemas.microsoft.com/office/drawing/2014/main" id="{8148AF58-6496-4D4E-B1CE-F14699884605}"/>
-              </a:ext>
-            </a:extLst>
-          </p:cNvPr>
-          <p:cNvCxnSpPr>
-            <a:cxnSpLocks/>
-          </p:cNvCxnSpPr>
-          <p:nvPr/>
-        </p:nvCxnSpPr>
-        <p:spPr>
-          <a:xfrm>
-            <a:off x="4829930" y="3457639"/>
-            <a:ext cx="370348" cy="341173"/>
-          </a:xfrm>
-          <a:prstGeom prst="straightConnector1">
-            <a:avLst/>
-          </a:prstGeom>
-          <a:ln>
-            <a:headEnd type="triangle"/>
-            <a:tailEnd type="triangle"/>
-          </a:ln>
-        </p:spPr>
-        <p:style>
-          <a:lnRef idx="1">
-            <a:schemeClr val="dk1"/>
-          </a:lnRef>
-          <a:fillRef idx="0">
-            <a:schemeClr val="dk1"/>
-          </a:fillRef>
-          <a:effectRef idx="0">
-            <a:schemeClr val="dk1"/>
-          </a:effectRef>
-          <a:fontRef idx="minor">
-            <a:schemeClr val="tx1"/>
-          </a:fontRef>
-        </p:style>
-      </p:cxnSp>
-      <p:cxnSp>
-        <p:nvCxnSpPr>
-          <p:cNvPr id="100" name="Straight Arrow Connector 99">
-            <a:extLst>
-              <a:ext uri="{FF2B5EF4-FFF2-40B4-BE49-F238E27FC236}">
-                <a16:creationId xmlns:a16="http://schemas.microsoft.com/office/drawing/2014/main" id="{DD98D682-388C-244A-8B06-D5140A86CD8E}"/>
-              </a:ext>
-            </a:extLst>
-          </p:cNvPr>
-          <p:cNvCxnSpPr>
-            <a:cxnSpLocks/>
-          </p:cNvCxnSpPr>
-          <p:nvPr/>
-        </p:nvCxnSpPr>
-        <p:spPr>
-          <a:xfrm>
-            <a:off x="3068639" y="2989709"/>
-            <a:ext cx="758458" cy="0"/>
-          </a:xfrm>
-          <a:prstGeom prst="straightConnector1">
-            <a:avLst/>
-          </a:prstGeom>
-          <a:ln>
-            <a:tailEnd type="triangle"/>
-          </a:ln>
-        </p:spPr>
-        <p:style>
-          <a:lnRef idx="1">
-            <a:schemeClr val="dk1"/>
-          </a:lnRef>
-          <a:fillRef idx="0">
-            <a:schemeClr val="dk1"/>
-          </a:fillRef>
-          <a:effectRef idx="0">
-            <a:schemeClr val="dk1"/>
-          </a:effectRef>
-          <a:fontRef idx="minor">
-            <a:schemeClr val="tx1"/>
-          </a:fontRef>
-        </p:style>
-      </p:cxnSp>
-      <p:cxnSp>
-        <p:nvCxnSpPr>
-          <p:cNvPr id="101" name="Straight Arrow Connector 100">
-            <a:extLst>
-              <a:ext uri="{FF2B5EF4-FFF2-40B4-BE49-F238E27FC236}">
-                <a16:creationId xmlns:a16="http://schemas.microsoft.com/office/drawing/2014/main" id="{5CFA0D8B-0F7C-E24E-9BDD-B9A9A26DE747}"/>
-              </a:ext>
-            </a:extLst>
-          </p:cNvPr>
-          <p:cNvCxnSpPr>
-            <a:cxnSpLocks/>
-          </p:cNvCxnSpPr>
-          <p:nvPr/>
-        </p:nvCxnSpPr>
-        <p:spPr>
-          <a:xfrm flipV="1">
-            <a:off x="4205598" y="2241424"/>
-            <a:ext cx="0" cy="361772"/>
-          </a:xfrm>
-          <a:prstGeom prst="straightConnector1">
-            <a:avLst/>
-          </a:prstGeom>
-          <a:ln>
-            <a:tailEnd type="triangle"/>
-          </a:ln>
-        </p:spPr>
-        <p:style>
-          <a:lnRef idx="1">
-            <a:schemeClr val="dk1"/>
-          </a:lnRef>
-          <a:fillRef idx="0">
-            <a:schemeClr val="dk1"/>
-          </a:fillRef>
-          <a:effectRef idx="0">
-            <a:schemeClr val="dk1"/>
-          </a:effectRef>
-          <a:fontRef idx="minor">
-            <a:schemeClr val="tx1"/>
-          </a:fontRef>
-        </p:style>
-      </p:cxnSp>
-      <p:sp>
-        <p:nvSpPr>
-          <p:cNvPr id="102" name="Oval 101">
-            <a:extLst>
-              <a:ext uri="{FF2B5EF4-FFF2-40B4-BE49-F238E27FC236}">
-                <a16:creationId xmlns:a16="http://schemas.microsoft.com/office/drawing/2014/main" id="{613BD3F7-46F7-7A41-AE5D-A74E7EC62C3F}"/>
-              </a:ext>
-            </a:extLst>
-          </p:cNvPr>
-          <p:cNvSpPr/>
-          <p:nvPr/>
-        </p:nvSpPr>
-        <p:spPr>
-          <a:xfrm>
-            <a:off x="6461060" y="2927161"/>
-            <a:ext cx="300569" cy="204616"/>
-          </a:xfrm>
-          <a:prstGeom prst="ellipse">
-            <a:avLst/>
-          </a:prstGeom>
-          <a:solidFill>
-            <a:schemeClr val="tx1"/>
-          </a:solidFill>
-          <a:ln>
-            <a:solidFill>
-              <a:schemeClr val="tx1"/>
-            </a:solidFill>
-          </a:ln>
-        </p:spPr>
-        <p:style>
-          <a:lnRef idx="2">
-            <a:schemeClr val="accent1">
-              <a:shade val="50000"/>
-            </a:schemeClr>
-          </a:lnRef>
-          <a:fillRef idx="1">
-            <a:schemeClr val="accent1"/>
-          </a:fillRef>
-          <a:effectRef idx="0">
-            <a:schemeClr val="accent1"/>
-          </a:effectRef>
-          <a:fontRef idx="minor">
-            <a:schemeClr val="lt1"/>
-          </a:fontRef>
-        </p:style>
-        <p:txBody>
-          <a:bodyPr lIns="0" tIns="0" rIns="0" bIns="0" rtlCol="0" anchor="ctr"/>
-          <a:lstStyle/>
-          <a:p>
-            <a:pPr algn="ctr"/>
-            <a:r>
-              <a:rPr lang="en-US" sz="800" dirty="0">
-                <a:latin typeface="Arial" panose="020B0604020202020204" pitchFamily="34" charset="0"/>
-                <a:cs typeface="Arial" panose="020B0604020202020204" pitchFamily="34" charset="0"/>
-              </a:rPr>
-              <a:t>1.10</a:t>
+              <a:t>2.3</a:t>
             </a:r>
           </a:p>
         </p:txBody>
@@ -8035,7 +8478,7 @@
     </p:spTree>
     <p:extLst>
       <p:ext uri="{BB962C8B-B14F-4D97-AF65-F5344CB8AC3E}">
-        <p14:creationId xmlns:p14="http://schemas.microsoft.com/office/powerpoint/2010/main" val="2296993975"/>
+        <p14:creationId xmlns:p14="http://schemas.microsoft.com/office/powerpoint/2010/main" val="1105465580"/>
       </p:ext>
     </p:extLst>
   </p:cSld>

--- a/aws_sra_examples/solutions/ec2/ec2_default_ebs_encryption/documentation/ec2-default-ebs-encryption.pptx
+++ b/aws_sra_examples/solutions/ec2/ec2_default_ebs_encryption/documentation/ec2-default-ebs-encryption.pptx
@@ -197,7 +197,7 @@
           <a:p>
             <a:fld id="{FD8D84E3-00BA-4A46-8256-7E527D8B4480}" type="datetimeFigureOut">
               <a:rPr lang="en-US" smtClean="0"/>
-              <a:t>9/15/2023</a:t>
+              <a:t>9/25/2023</a:t>
             </a:fld>
             <a:endParaRPr lang="en-US"/>
           </a:p>
@@ -695,7 +695,7 @@
           <a:p>
             <a:fld id="{9FE185F7-9B28-9F45-9F43-9CB5A0B99390}" type="datetimeFigureOut">
               <a:rPr lang="en-US" smtClean="0"/>
-              <a:t>9/15/2023</a:t>
+              <a:t>9/25/2023</a:t>
             </a:fld>
             <a:endParaRPr lang="en-US"/>
           </a:p>
@@ -893,7 +893,7 @@
           <a:p>
             <a:fld id="{9FE185F7-9B28-9F45-9F43-9CB5A0B99390}" type="datetimeFigureOut">
               <a:rPr lang="en-US" smtClean="0"/>
-              <a:t>9/15/2023</a:t>
+              <a:t>9/25/2023</a:t>
             </a:fld>
             <a:endParaRPr lang="en-US"/>
           </a:p>
@@ -1101,7 +1101,7 @@
           <a:p>
             <a:fld id="{9FE185F7-9B28-9F45-9F43-9CB5A0B99390}" type="datetimeFigureOut">
               <a:rPr lang="en-US" smtClean="0"/>
-              <a:t>9/15/2023</a:t>
+              <a:t>9/25/2023</a:t>
             </a:fld>
             <a:endParaRPr lang="en-US"/>
           </a:p>
@@ -1299,7 +1299,7 @@
           <a:p>
             <a:fld id="{9FE185F7-9B28-9F45-9F43-9CB5A0B99390}" type="datetimeFigureOut">
               <a:rPr lang="en-US" smtClean="0"/>
-              <a:t>9/15/2023</a:t>
+              <a:t>9/25/2023</a:t>
             </a:fld>
             <a:endParaRPr lang="en-US"/>
           </a:p>
@@ -1574,7 +1574,7 @@
           <a:p>
             <a:fld id="{9FE185F7-9B28-9F45-9F43-9CB5A0B99390}" type="datetimeFigureOut">
               <a:rPr lang="en-US" smtClean="0"/>
-              <a:t>9/15/2023</a:t>
+              <a:t>9/25/2023</a:t>
             </a:fld>
             <a:endParaRPr lang="en-US"/>
           </a:p>
@@ -1839,7 +1839,7 @@
           <a:p>
             <a:fld id="{9FE185F7-9B28-9F45-9F43-9CB5A0B99390}" type="datetimeFigureOut">
               <a:rPr lang="en-US" smtClean="0"/>
-              <a:t>9/15/2023</a:t>
+              <a:t>9/25/2023</a:t>
             </a:fld>
             <a:endParaRPr lang="en-US"/>
           </a:p>
@@ -2251,7 +2251,7 @@
           <a:p>
             <a:fld id="{9FE185F7-9B28-9F45-9F43-9CB5A0B99390}" type="datetimeFigureOut">
               <a:rPr lang="en-US" smtClean="0"/>
-              <a:t>9/15/2023</a:t>
+              <a:t>9/25/2023</a:t>
             </a:fld>
             <a:endParaRPr lang="en-US"/>
           </a:p>
@@ -2392,7 +2392,7 @@
           <a:p>
             <a:fld id="{9FE185F7-9B28-9F45-9F43-9CB5A0B99390}" type="datetimeFigureOut">
               <a:rPr lang="en-US" smtClean="0"/>
-              <a:t>9/15/2023</a:t>
+              <a:t>9/25/2023</a:t>
             </a:fld>
             <a:endParaRPr lang="en-US"/>
           </a:p>
@@ -2505,7 +2505,7 @@
           <a:p>
             <a:fld id="{9FE185F7-9B28-9F45-9F43-9CB5A0B99390}" type="datetimeFigureOut">
               <a:rPr lang="en-US" smtClean="0"/>
-              <a:t>9/15/2023</a:t>
+              <a:t>9/25/2023</a:t>
             </a:fld>
             <a:endParaRPr lang="en-US"/>
           </a:p>
@@ -2816,7 +2816,7 @@
           <a:p>
             <a:fld id="{9FE185F7-9B28-9F45-9F43-9CB5A0B99390}" type="datetimeFigureOut">
               <a:rPr lang="en-US" smtClean="0"/>
-              <a:t>9/15/2023</a:t>
+              <a:t>9/25/2023</a:t>
             </a:fld>
             <a:endParaRPr lang="en-US"/>
           </a:p>
@@ -3104,7 +3104,7 @@
           <a:p>
             <a:fld id="{9FE185F7-9B28-9F45-9F43-9CB5A0B99390}" type="datetimeFigureOut">
               <a:rPr lang="en-US" smtClean="0"/>
-              <a:t>9/15/2023</a:t>
+              <a:t>9/25/2023</a:t>
             </a:fld>
             <a:endParaRPr lang="en-US"/>
           </a:p>
@@ -3345,7 +3345,7 @@
           <a:p>
             <a:fld id="{9FE185F7-9B28-9F45-9F43-9CB5A0B99390}" type="datetimeFigureOut">
               <a:rPr lang="en-US" smtClean="0"/>
-              <a:t>9/15/2023</a:t>
+              <a:t>9/25/2023</a:t>
             </a:fld>
             <a:endParaRPr lang="en-US"/>
           </a:p>
@@ -7578,7 +7578,7 @@
                 <a:latin typeface="Arial" panose="020B0604020202020204" pitchFamily="34" charset="0"/>
                 <a:cs typeface="Arial" panose="020B0604020202020204" pitchFamily="34" charset="0"/>
               </a:rPr>
-              <a:t>Region 1</a:t>
+              <a:t>Region 2</a:t>
             </a:r>
           </a:p>
         </p:txBody>
@@ -7700,7 +7700,7 @@
                 <a:latin typeface="Arial" panose="020B0604020202020204" pitchFamily="34" charset="0"/>
                 <a:cs typeface="Arial" panose="020B0604020202020204" pitchFamily="34" charset="0"/>
               </a:rPr>
-              <a:t>Region 2</a:t>
+              <a:t>Region 1</a:t>
             </a:r>
           </a:p>
         </p:txBody>
@@ -8138,15 +8138,22 @@
               <a:defRPr/>
             </a:pPr>
             <a:r>
-              <a:rPr lang="en-US" sz="1200" dirty="0">
+              <a:rPr lang="en-US" sz="1200">
                 <a:solidFill>
                   <a:srgbClr val="5B9CD5"/>
                 </a:solidFill>
                 <a:latin typeface="Arial" panose="020B0604020202020204" pitchFamily="34" charset="0"/>
                 <a:cs typeface="Arial" panose="020B0604020202020204" pitchFamily="34" charset="0"/>
               </a:rPr>
-              <a:t>Region 1</a:t>
-            </a:r>
+              <a:t>Region 2</a:t>
+            </a:r>
+            <a:endParaRPr lang="en-US" sz="1200" dirty="0">
+              <a:solidFill>
+                <a:srgbClr val="5B9CD5"/>
+              </a:solidFill>
+              <a:latin typeface="Arial" panose="020B0604020202020204" pitchFamily="34" charset="0"/>
+              <a:cs typeface="Arial" panose="020B0604020202020204" pitchFamily="34" charset="0"/>
+            </a:endParaRPr>
           </a:p>
         </p:txBody>
       </p:sp>
@@ -8267,7 +8274,7 @@
                 <a:latin typeface="Arial" panose="020B0604020202020204" pitchFamily="34" charset="0"/>
                 <a:cs typeface="Arial" panose="020B0604020202020204" pitchFamily="34" charset="0"/>
               </a:rPr>
-              <a:t>Region 2</a:t>
+              <a:t>Region 1</a:t>
             </a:r>
           </a:p>
         </p:txBody>
